--- a/Африка_презентация.pptx
+++ b/Африка_презентация.pptx
@@ -2,7 +2,7 @@
 <file path=ppt/presentation.xml><?xml version="1.0" encoding="utf-8"?>
 <p:presentation xmlns:a="http://schemas.openxmlformats.org/drawingml/2006/main" xmlns:r="http://schemas.openxmlformats.org/officeDocument/2006/relationships" xmlns:p="http://schemas.openxmlformats.org/presentationml/2006/main" saveSubsetFonts="1">
   <p:sldMasterIdLst>
-    <p:sldMasterId id="2147483648" r:id="rId1"/>
+    <p:sldMasterId id="2147483678" r:id="rId1"/>
   </p:sldMasterIdLst>
   <p:sldIdLst>
     <p:sldId id="256" r:id="rId2"/>
@@ -22,15 +22,16 @@
     <p:sldId id="267" r:id="rId16"/>
     <p:sldId id="268" r:id="rId17"/>
     <p:sldId id="269" r:id="rId18"/>
-    <p:sldId id="272" r:id="rId19"/>
+    <p:sldId id="274" r:id="rId19"/>
+    <p:sldId id="272" r:id="rId20"/>
   </p:sldIdLst>
   <p:sldSz cx="12192000" cy="6858000"/>
   <p:notesSz cx="6858000" cy="9144000"/>
   <p:defaultTextStyle>
     <a:defPPr>
-      <a:defRPr lang="ru-RU"/>
+      <a:defRPr lang="en-US"/>
     </a:defPPr>
-    <a:lvl1pPr marL="0" algn="l" defTabSz="914400" rtl="0" eaLnBrk="1" latinLnBrk="0" hangingPunct="1">
+    <a:lvl1pPr marL="0" algn="l" defTabSz="457200" rtl="0" eaLnBrk="1" latinLnBrk="0" hangingPunct="1">
       <a:defRPr sz="1800" kern="1200">
         <a:solidFill>
           <a:schemeClr val="tx1"/>
@@ -40,7 +41,7 @@
         <a:cs typeface="+mn-cs"/>
       </a:defRPr>
     </a:lvl1pPr>
-    <a:lvl2pPr marL="457200" algn="l" defTabSz="914400" rtl="0" eaLnBrk="1" latinLnBrk="0" hangingPunct="1">
+    <a:lvl2pPr marL="457200" algn="l" defTabSz="457200" rtl="0" eaLnBrk="1" latinLnBrk="0" hangingPunct="1">
       <a:defRPr sz="1800" kern="1200">
         <a:solidFill>
           <a:schemeClr val="tx1"/>
@@ -50,7 +51,7 @@
         <a:cs typeface="+mn-cs"/>
       </a:defRPr>
     </a:lvl2pPr>
-    <a:lvl3pPr marL="914400" algn="l" defTabSz="914400" rtl="0" eaLnBrk="1" latinLnBrk="0" hangingPunct="1">
+    <a:lvl3pPr marL="914400" algn="l" defTabSz="457200" rtl="0" eaLnBrk="1" latinLnBrk="0" hangingPunct="1">
       <a:defRPr sz="1800" kern="1200">
         <a:solidFill>
           <a:schemeClr val="tx1"/>
@@ -60,7 +61,7 @@
         <a:cs typeface="+mn-cs"/>
       </a:defRPr>
     </a:lvl3pPr>
-    <a:lvl4pPr marL="1371600" algn="l" defTabSz="914400" rtl="0" eaLnBrk="1" latinLnBrk="0" hangingPunct="1">
+    <a:lvl4pPr marL="1371600" algn="l" defTabSz="457200" rtl="0" eaLnBrk="1" latinLnBrk="0" hangingPunct="1">
       <a:defRPr sz="1800" kern="1200">
         <a:solidFill>
           <a:schemeClr val="tx1"/>
@@ -70,7 +71,7 @@
         <a:cs typeface="+mn-cs"/>
       </a:defRPr>
     </a:lvl4pPr>
-    <a:lvl5pPr marL="1828800" algn="l" defTabSz="914400" rtl="0" eaLnBrk="1" latinLnBrk="0" hangingPunct="1">
+    <a:lvl5pPr marL="1828800" algn="l" defTabSz="457200" rtl="0" eaLnBrk="1" latinLnBrk="0" hangingPunct="1">
       <a:defRPr sz="1800" kern="1200">
         <a:solidFill>
           <a:schemeClr val="tx1"/>
@@ -80,7 +81,7 @@
         <a:cs typeface="+mn-cs"/>
       </a:defRPr>
     </a:lvl5pPr>
-    <a:lvl6pPr marL="2286000" algn="l" defTabSz="914400" rtl="0" eaLnBrk="1" latinLnBrk="0" hangingPunct="1">
+    <a:lvl6pPr marL="2286000" algn="l" defTabSz="457200" rtl="0" eaLnBrk="1" latinLnBrk="0" hangingPunct="1">
       <a:defRPr sz="1800" kern="1200">
         <a:solidFill>
           <a:schemeClr val="tx1"/>
@@ -90,7 +91,7 @@
         <a:cs typeface="+mn-cs"/>
       </a:defRPr>
     </a:lvl6pPr>
-    <a:lvl7pPr marL="2743200" algn="l" defTabSz="914400" rtl="0" eaLnBrk="1" latinLnBrk="0" hangingPunct="1">
+    <a:lvl7pPr marL="2743200" algn="l" defTabSz="457200" rtl="0" eaLnBrk="1" latinLnBrk="0" hangingPunct="1">
       <a:defRPr sz="1800" kern="1200">
         <a:solidFill>
           <a:schemeClr val="tx1"/>
@@ -100,7 +101,7 @@
         <a:cs typeface="+mn-cs"/>
       </a:defRPr>
     </a:lvl7pPr>
-    <a:lvl8pPr marL="3200400" algn="l" defTabSz="914400" rtl="0" eaLnBrk="1" latinLnBrk="0" hangingPunct="1">
+    <a:lvl8pPr marL="3200400" algn="l" defTabSz="457200" rtl="0" eaLnBrk="1" latinLnBrk="0" hangingPunct="1">
       <a:defRPr sz="1800" kern="1200">
         <a:solidFill>
           <a:schemeClr val="tx1"/>
@@ -110,7 +111,7 @@
         <a:cs typeface="+mn-cs"/>
       </a:defRPr>
     </a:lvl8pPr>
-    <a:lvl9pPr marL="3657600" algn="l" defTabSz="914400" rtl="0" eaLnBrk="1" latinLnBrk="0" hangingPunct="1">
+    <a:lvl9pPr marL="3657600" algn="l" defTabSz="457200" rtl="0" eaLnBrk="1" latinLnBrk="0" hangingPunct="1">
       <a:defRPr sz="1800" kern="1200">
         <a:solidFill>
           <a:schemeClr val="tx1"/>
@@ -148,13 +149,7 @@
       </p:grpSpPr>
       <p:sp>
         <p:nvSpPr>
-          <p:cNvPr id="2" name="Заголовок 1">
-            <a:extLst>
-              <a:ext uri="{FF2B5EF4-FFF2-40B4-BE49-F238E27FC236}">
-                <a16:creationId xmlns:a16="http://schemas.microsoft.com/office/drawing/2014/main" id="{BFA2A88F-314B-4260-9180-D1FC05D327B6}"/>
-              </a:ext>
-            </a:extLst>
-          </p:cNvPr>
+          <p:cNvPr id="2" name="Title 1"/>
           <p:cNvSpPr>
             <a:spLocks noGrp="1"/>
           </p:cNvSpPr>
@@ -164,15 +159,49 @@
         </p:nvSpPr>
         <p:spPr>
           <a:xfrm>
-            <a:off x="1524000" y="1122363"/>
-            <a:ext cx="9144000" cy="2387600"/>
+            <a:off x="2209800" y="4464028"/>
+            <a:ext cx="9144000" cy="1641490"/>
           </a:xfrm>
         </p:spPr>
         <p:txBody>
-          <a:bodyPr anchor="b"/>
+          <a:bodyPr wrap="none" anchor="t">
+            <a:normAutofit/>
+          </a:bodyPr>
           <a:lstStyle>
-            <a:lvl1pPr algn="ctr">
-              <a:defRPr sz="6000"/>
+            <a:lvl1pPr algn="r">
+              <a:defRPr sz="9600" b="0" spc="-300">
+                <a:gradFill flip="none" rotWithShape="1">
+                  <a:gsLst>
+                    <a:gs pos="32000">
+                      <a:schemeClr val="tx1">
+                        <a:lumMod val="89000"/>
+                      </a:schemeClr>
+                    </a:gs>
+                    <a:gs pos="0">
+                      <a:schemeClr val="bg1">
+                        <a:lumMod val="41000"/>
+                        <a:lumOff val="59000"/>
+                      </a:schemeClr>
+                    </a:gs>
+                    <a:gs pos="100000">
+                      <a:schemeClr val="tx2">
+                        <a:lumMod val="0"/>
+                        <a:lumOff val="100000"/>
+                      </a:schemeClr>
+                    </a:gs>
+                  </a:gsLst>
+                  <a:lin ang="8100000" scaled="1"/>
+                  <a:tileRect/>
+                </a:gradFill>
+                <a:effectLst>
+                  <a:outerShdw blurRad="469900" dist="342900" dir="5400000" sy="-20000" rotWithShape="0">
+                    <a:prstClr val="black">
+                      <a:alpha val="66000"/>
+                    </a:prstClr>
+                  </a:outerShdw>
+                </a:effectLst>
+                <a:latin typeface="+mj-lt"/>
+              </a:defRPr>
             </a:lvl1pPr>
           </a:lstStyle>
           <a:p>
@@ -180,18 +209,13 @@
               <a:rPr lang="ru-RU"/>
               <a:t>Образец заголовка</a:t>
             </a:r>
-          </a:p>
-        </p:txBody>
-      </p:sp>
-      <p:sp>
-        <p:nvSpPr>
-          <p:cNvPr id="3" name="Подзаголовок 2">
-            <a:extLst>
-              <a:ext uri="{FF2B5EF4-FFF2-40B4-BE49-F238E27FC236}">
-                <a16:creationId xmlns:a16="http://schemas.microsoft.com/office/drawing/2014/main" id="{6A8CA077-8E55-44C9-BA19-411284512032}"/>
-              </a:ext>
-            </a:extLst>
-          </p:cNvPr>
+            <a:endParaRPr lang="en-US" dirty="0"/>
+          </a:p>
+        </p:txBody>
+      </p:sp>
+      <p:sp>
+        <p:nvSpPr>
+          <p:cNvPr id="3" name="Subtitle 2"/>
           <p:cNvSpPr>
             <a:spLocks noGrp="1"/>
           </p:cNvSpPr>
@@ -201,16 +225,47 @@
         </p:nvSpPr>
         <p:spPr>
           <a:xfrm>
-            <a:off x="1524000" y="3602038"/>
-            <a:ext cx="9144000" cy="1655762"/>
+            <a:off x="2209799" y="3694375"/>
+            <a:ext cx="9144000" cy="754025"/>
           </a:xfrm>
         </p:spPr>
         <p:txBody>
-          <a:bodyPr/>
+          <a:bodyPr anchor="b">
+            <a:normAutofit/>
+          </a:bodyPr>
           <a:lstStyle>
-            <a:lvl1pPr marL="0" indent="0" algn="ctr">
-              <a:buNone/>
-              <a:defRPr sz="2400"/>
+            <a:lvl1pPr marL="0" indent="0" algn="r">
+              <a:buNone/>
+              <a:defRPr sz="3200" b="0">
+                <a:gradFill flip="none" rotWithShape="1">
+                  <a:gsLst>
+                    <a:gs pos="15000">
+                      <a:schemeClr val="tx2"/>
+                    </a:gs>
+                    <a:gs pos="73000">
+                      <a:schemeClr val="tx2">
+                        <a:lumMod val="60000"/>
+                        <a:lumOff val="40000"/>
+                      </a:schemeClr>
+                    </a:gs>
+                    <a:gs pos="0">
+                      <a:schemeClr val="tx2">
+                        <a:lumMod val="90000"/>
+                        <a:lumOff val="10000"/>
+                      </a:schemeClr>
+                    </a:gs>
+                    <a:gs pos="100000">
+                      <a:schemeClr val="tx2">
+                        <a:lumMod val="0"/>
+                        <a:lumOff val="100000"/>
+                      </a:schemeClr>
+                    </a:gs>
+                  </a:gsLst>
+                  <a:lin ang="16200000" scaled="1"/>
+                  <a:tileRect/>
+                </a:gradFill>
+                <a:latin typeface="+mj-lt"/>
+              </a:defRPr>
             </a:lvl1pPr>
             <a:lvl2pPr marL="457200" indent="0" algn="ctr">
               <a:buNone/>
@@ -250,18 +305,13 @@
               <a:rPr lang="ru-RU"/>
               <a:t>Образец подзаголовка</a:t>
             </a:r>
-          </a:p>
-        </p:txBody>
-      </p:sp>
-      <p:sp>
-        <p:nvSpPr>
-          <p:cNvPr id="4" name="Дата 3">
-            <a:extLst>
-              <a:ext uri="{FF2B5EF4-FFF2-40B4-BE49-F238E27FC236}">
-                <a16:creationId xmlns:a16="http://schemas.microsoft.com/office/drawing/2014/main" id="{91626E46-DA53-47A5-9802-EA6A605882EB}"/>
-              </a:ext>
-            </a:extLst>
-          </p:cNvPr>
+            <a:endParaRPr lang="en-US" dirty="0"/>
+          </a:p>
+        </p:txBody>
+      </p:sp>
+      <p:sp>
+        <p:nvSpPr>
+          <p:cNvPr id="7" name="Date Placeholder 6"/>
           <p:cNvSpPr>
             <a:spLocks noGrp="1"/>
           </p:cNvSpPr>
@@ -284,13 +334,7 @@
       </p:sp>
       <p:sp>
         <p:nvSpPr>
-          <p:cNvPr id="5" name="Нижний колонтитул 4">
-            <a:extLst>
-              <a:ext uri="{FF2B5EF4-FFF2-40B4-BE49-F238E27FC236}">
-                <a16:creationId xmlns:a16="http://schemas.microsoft.com/office/drawing/2014/main" id="{DB34FC14-494B-4109-ADBD-C7A75E25CD6D}"/>
-              </a:ext>
-            </a:extLst>
-          </p:cNvPr>
+          <p:cNvPr id="8" name="Footer Placeholder 7"/>
           <p:cNvSpPr>
             <a:spLocks noGrp="1"/>
           </p:cNvSpPr>
@@ -309,13 +353,7 @@
       </p:sp>
       <p:sp>
         <p:nvSpPr>
-          <p:cNvPr id="6" name="Номер слайда 5">
-            <a:extLst>
-              <a:ext uri="{FF2B5EF4-FFF2-40B4-BE49-F238E27FC236}">
-                <a16:creationId xmlns:a16="http://schemas.microsoft.com/office/drawing/2014/main" id="{15B4D225-7C53-489D-B1DF-265FDC34DD90}"/>
-              </a:ext>
-            </a:extLst>
-          </p:cNvPr>
+          <p:cNvPr id="9" name="Slide Number Placeholder 8"/>
           <p:cNvSpPr>
             <a:spLocks noGrp="1"/>
           </p:cNvSpPr>
@@ -339,7 +377,7 @@
     </p:spTree>
     <p:extLst>
       <p:ext uri="{BB962C8B-B14F-4D97-AF65-F5344CB8AC3E}">
-        <p14:creationId xmlns:p14="http://schemas.microsoft.com/office/powerpoint/2010/main" val="92228777"/>
+        <p14:creationId xmlns:p14="http://schemas.microsoft.com/office/powerpoint/2010/main" val="852978153"/>
       </p:ext>
     </p:extLst>
   </p:cSld>
@@ -350,6 +388,2543 @@
 </file>
 
 <file path=ppt/slideLayouts/slideLayout10.xml><?xml version="1.0" encoding="utf-8"?>
+<p:sldLayout xmlns:a="http://schemas.openxmlformats.org/drawingml/2006/main" xmlns:r="http://schemas.openxmlformats.org/officeDocument/2006/relationships" xmlns:p="http://schemas.openxmlformats.org/presentationml/2006/main" preserve="1">
+  <p:cSld name="Панорамная фотография с подписью">
+    <p:spTree>
+      <p:nvGrpSpPr>
+        <p:cNvPr id="1" name=""/>
+        <p:cNvGrpSpPr/>
+        <p:nvPr/>
+      </p:nvGrpSpPr>
+      <p:grpSpPr>
+        <a:xfrm>
+          <a:off x="0" y="0"/>
+          <a:ext cx="0" cy="0"/>
+          <a:chOff x="0" y="0"/>
+          <a:chExt cx="0" cy="0"/>
+        </a:xfrm>
+      </p:grpSpPr>
+      <p:sp>
+        <p:nvSpPr>
+          <p:cNvPr id="2" name="Title 1"/>
+          <p:cNvSpPr>
+            <a:spLocks noGrp="1"/>
+          </p:cNvSpPr>
+          <p:nvPr>
+            <p:ph type="title"/>
+          </p:nvPr>
+        </p:nvSpPr>
+        <p:spPr>
+          <a:xfrm>
+            <a:off x="839788" y="4367160"/>
+            <a:ext cx="10515600" cy="819355"/>
+          </a:xfrm>
+        </p:spPr>
+        <p:txBody>
+          <a:bodyPr anchor="b"/>
+          <a:lstStyle>
+            <a:lvl1pPr>
+              <a:defRPr sz="3200"/>
+            </a:lvl1pPr>
+          </a:lstStyle>
+          <a:p>
+            <a:r>
+              <a:rPr lang="ru-RU"/>
+              <a:t>Образец заголовка</a:t>
+            </a:r>
+            <a:endParaRPr lang="en-US" dirty="0"/>
+          </a:p>
+        </p:txBody>
+      </p:sp>
+      <p:sp>
+        <p:nvSpPr>
+          <p:cNvPr id="3" name="Picture Placeholder 2"/>
+          <p:cNvSpPr>
+            <a:spLocks noGrp="1" noChangeAspect="1"/>
+          </p:cNvSpPr>
+          <p:nvPr>
+            <p:ph type="pic" idx="1"/>
+          </p:nvPr>
+        </p:nvSpPr>
+        <p:spPr>
+          <a:xfrm>
+            <a:off x="839788" y="987425"/>
+            <a:ext cx="10515600" cy="3379735"/>
+          </a:xfrm>
+        </p:spPr>
+        <p:txBody>
+          <a:bodyPr anchor="t"/>
+          <a:lstStyle>
+            <a:lvl1pPr marL="0" indent="0">
+              <a:buNone/>
+              <a:defRPr sz="3200"/>
+            </a:lvl1pPr>
+            <a:lvl2pPr marL="457200" indent="0">
+              <a:buNone/>
+              <a:defRPr sz="2800"/>
+            </a:lvl2pPr>
+            <a:lvl3pPr marL="914400" indent="0">
+              <a:buNone/>
+              <a:defRPr sz="2400"/>
+            </a:lvl3pPr>
+            <a:lvl4pPr marL="1371600" indent="0">
+              <a:buNone/>
+              <a:defRPr sz="2000"/>
+            </a:lvl4pPr>
+            <a:lvl5pPr marL="1828800" indent="0">
+              <a:buNone/>
+              <a:defRPr sz="2000"/>
+            </a:lvl5pPr>
+            <a:lvl6pPr marL="2286000" indent="0">
+              <a:buNone/>
+              <a:defRPr sz="2000"/>
+            </a:lvl6pPr>
+            <a:lvl7pPr marL="2743200" indent="0">
+              <a:buNone/>
+              <a:defRPr sz="2000"/>
+            </a:lvl7pPr>
+            <a:lvl8pPr marL="3200400" indent="0">
+              <a:buNone/>
+              <a:defRPr sz="2000"/>
+            </a:lvl8pPr>
+            <a:lvl9pPr marL="3657600" indent="0">
+              <a:buNone/>
+              <a:defRPr sz="2000"/>
+            </a:lvl9pPr>
+          </a:lstStyle>
+          <a:p>
+            <a:r>
+              <a:rPr lang="ru-RU"/>
+              <a:t>Вставка рисунка</a:t>
+            </a:r>
+            <a:endParaRPr lang="en-US" dirty="0"/>
+          </a:p>
+        </p:txBody>
+      </p:sp>
+      <p:sp>
+        <p:nvSpPr>
+          <p:cNvPr id="4" name="Text Placeholder 3"/>
+          <p:cNvSpPr>
+            <a:spLocks noGrp="1"/>
+          </p:cNvSpPr>
+          <p:nvPr>
+            <p:ph type="body" sz="half" idx="2"/>
+          </p:nvPr>
+        </p:nvSpPr>
+        <p:spPr>
+          <a:xfrm>
+            <a:off x="839788" y="5186516"/>
+            <a:ext cx="10514012" cy="682472"/>
+          </a:xfrm>
+        </p:spPr>
+        <p:txBody>
+          <a:bodyPr/>
+          <a:lstStyle>
+            <a:lvl1pPr marL="0" indent="0">
+              <a:buNone/>
+              <a:defRPr sz="1600">
+                <a:gradFill>
+                  <a:gsLst>
+                    <a:gs pos="15000">
+                      <a:schemeClr val="tx2"/>
+                    </a:gs>
+                    <a:gs pos="73000">
+                      <a:schemeClr val="tx2">
+                        <a:lumMod val="60000"/>
+                        <a:lumOff val="40000"/>
+                      </a:schemeClr>
+                    </a:gs>
+                    <a:gs pos="0">
+                      <a:schemeClr val="tx1"/>
+                    </a:gs>
+                    <a:gs pos="100000">
+                      <a:schemeClr val="tx2">
+                        <a:lumMod val="0"/>
+                        <a:lumOff val="100000"/>
+                      </a:schemeClr>
+                    </a:gs>
+                  </a:gsLst>
+                  <a:lin ang="16200000" scaled="1"/>
+                </a:gradFill>
+              </a:defRPr>
+            </a:lvl1pPr>
+            <a:lvl2pPr marL="457200" indent="0">
+              <a:buNone/>
+              <a:defRPr sz="1400"/>
+            </a:lvl2pPr>
+            <a:lvl3pPr marL="914400" indent="0">
+              <a:buNone/>
+              <a:defRPr sz="1200"/>
+            </a:lvl3pPr>
+            <a:lvl4pPr marL="1371600" indent="0">
+              <a:buNone/>
+              <a:defRPr sz="1000"/>
+            </a:lvl4pPr>
+            <a:lvl5pPr marL="1828800" indent="0">
+              <a:buNone/>
+              <a:defRPr sz="1000"/>
+            </a:lvl5pPr>
+            <a:lvl6pPr marL="2286000" indent="0">
+              <a:buNone/>
+              <a:defRPr sz="1000"/>
+            </a:lvl6pPr>
+            <a:lvl7pPr marL="2743200" indent="0">
+              <a:buNone/>
+              <a:defRPr sz="1000"/>
+            </a:lvl7pPr>
+            <a:lvl8pPr marL="3200400" indent="0">
+              <a:buNone/>
+              <a:defRPr sz="1000"/>
+            </a:lvl8pPr>
+            <a:lvl9pPr marL="3657600" indent="0">
+              <a:buNone/>
+              <a:defRPr sz="1000"/>
+            </a:lvl9pPr>
+          </a:lstStyle>
+          <a:p>
+            <a:pPr lvl="0"/>
+            <a:r>
+              <a:rPr lang="ru-RU"/>
+              <a:t>Образец текста</a:t>
+            </a:r>
+          </a:p>
+        </p:txBody>
+      </p:sp>
+      <p:sp>
+        <p:nvSpPr>
+          <p:cNvPr id="5" name="Date Placeholder 4"/>
+          <p:cNvSpPr>
+            <a:spLocks noGrp="1"/>
+          </p:cNvSpPr>
+          <p:nvPr>
+            <p:ph type="dt" sz="half" idx="10"/>
+          </p:nvPr>
+        </p:nvSpPr>
+        <p:spPr/>
+        <p:txBody>
+          <a:bodyPr/>
+          <a:lstStyle/>
+          <a:p>
+            <a:fld id="{BE6BD1B5-25AD-4A03-9A54-FD939E6B26EF}" type="datetimeFigureOut">
+              <a:rPr lang="ru-RU" smtClean="0"/>
+              <a:t>29.10.2025</a:t>
+            </a:fld>
+            <a:endParaRPr lang="ru-RU"/>
+          </a:p>
+        </p:txBody>
+      </p:sp>
+      <p:sp>
+        <p:nvSpPr>
+          <p:cNvPr id="6" name="Footer Placeholder 5"/>
+          <p:cNvSpPr>
+            <a:spLocks noGrp="1"/>
+          </p:cNvSpPr>
+          <p:nvPr>
+            <p:ph type="ftr" sz="quarter" idx="11"/>
+          </p:nvPr>
+        </p:nvSpPr>
+        <p:spPr/>
+        <p:txBody>
+          <a:bodyPr/>
+          <a:lstStyle/>
+          <a:p>
+            <a:endParaRPr lang="ru-RU"/>
+          </a:p>
+        </p:txBody>
+      </p:sp>
+      <p:sp>
+        <p:nvSpPr>
+          <p:cNvPr id="7" name="Slide Number Placeholder 6"/>
+          <p:cNvSpPr>
+            <a:spLocks noGrp="1"/>
+          </p:cNvSpPr>
+          <p:nvPr>
+            <p:ph type="sldNum" sz="quarter" idx="12"/>
+          </p:nvPr>
+        </p:nvSpPr>
+        <p:spPr/>
+        <p:txBody>
+          <a:bodyPr/>
+          <a:lstStyle/>
+          <a:p>
+            <a:fld id="{B4FE4F12-14CA-4902-92D7-ACEC11A54545}" type="slidenum">
+              <a:rPr lang="ru-RU" smtClean="0"/>
+              <a:t>‹#›</a:t>
+            </a:fld>
+            <a:endParaRPr lang="ru-RU"/>
+          </a:p>
+        </p:txBody>
+      </p:sp>
+    </p:spTree>
+    <p:extLst>
+      <p:ext uri="{BB962C8B-B14F-4D97-AF65-F5344CB8AC3E}">
+        <p14:creationId xmlns:p14="http://schemas.microsoft.com/office/powerpoint/2010/main" val="2088524019"/>
+      </p:ext>
+    </p:extLst>
+  </p:cSld>
+  <p:clrMapOvr>
+    <a:masterClrMapping/>
+  </p:clrMapOvr>
+</p:sldLayout>
+</file>
+
+<file path=ppt/slideLayouts/slideLayout11.xml><?xml version="1.0" encoding="utf-8"?>
+<p:sldLayout xmlns:a="http://schemas.openxmlformats.org/drawingml/2006/main" xmlns:r="http://schemas.openxmlformats.org/officeDocument/2006/relationships" xmlns:p="http://schemas.openxmlformats.org/presentationml/2006/main" preserve="1">
+  <p:cSld name="Заголовок и подпись">
+    <p:spTree>
+      <p:nvGrpSpPr>
+        <p:cNvPr id="1" name=""/>
+        <p:cNvGrpSpPr/>
+        <p:nvPr/>
+      </p:nvGrpSpPr>
+      <p:grpSpPr>
+        <a:xfrm>
+          <a:off x="0" y="0"/>
+          <a:ext cx="0" cy="0"/>
+          <a:chOff x="0" y="0"/>
+          <a:chExt cx="0" cy="0"/>
+        </a:xfrm>
+      </p:grpSpPr>
+      <p:sp>
+        <p:nvSpPr>
+          <p:cNvPr id="2" name="Title 1"/>
+          <p:cNvSpPr>
+            <a:spLocks noGrp="1"/>
+          </p:cNvSpPr>
+          <p:nvPr>
+            <p:ph type="title"/>
+          </p:nvPr>
+        </p:nvSpPr>
+        <p:spPr>
+          <a:xfrm>
+            <a:off x="839788" y="365125"/>
+            <a:ext cx="10515600" cy="3534344"/>
+          </a:xfrm>
+        </p:spPr>
+        <p:txBody>
+          <a:bodyPr anchor="ctr"/>
+          <a:lstStyle>
+            <a:lvl1pPr>
+              <a:defRPr sz="3200"/>
+            </a:lvl1pPr>
+          </a:lstStyle>
+          <a:p>
+            <a:r>
+              <a:rPr lang="ru-RU"/>
+              <a:t>Образец заголовка</a:t>
+            </a:r>
+            <a:endParaRPr lang="en-US" dirty="0"/>
+          </a:p>
+        </p:txBody>
+      </p:sp>
+      <p:sp>
+        <p:nvSpPr>
+          <p:cNvPr id="4" name="Text Placeholder 3"/>
+          <p:cNvSpPr>
+            <a:spLocks noGrp="1"/>
+          </p:cNvSpPr>
+          <p:nvPr>
+            <p:ph type="body" sz="half" idx="2"/>
+          </p:nvPr>
+        </p:nvSpPr>
+        <p:spPr>
+          <a:xfrm>
+            <a:off x="839788" y="4489399"/>
+            <a:ext cx="10514012" cy="1501826"/>
+          </a:xfrm>
+        </p:spPr>
+        <p:txBody>
+          <a:bodyPr anchor="ctr"/>
+          <a:lstStyle>
+            <a:lvl1pPr marL="0" indent="0">
+              <a:buNone/>
+              <a:defRPr sz="1600"/>
+            </a:lvl1pPr>
+            <a:lvl2pPr marL="457200" indent="0">
+              <a:buNone/>
+              <a:defRPr sz="1400"/>
+            </a:lvl2pPr>
+            <a:lvl3pPr marL="914400" indent="0">
+              <a:buNone/>
+              <a:defRPr sz="1200"/>
+            </a:lvl3pPr>
+            <a:lvl4pPr marL="1371600" indent="0">
+              <a:buNone/>
+              <a:defRPr sz="1000"/>
+            </a:lvl4pPr>
+            <a:lvl5pPr marL="1828800" indent="0">
+              <a:buNone/>
+              <a:defRPr sz="1000"/>
+            </a:lvl5pPr>
+            <a:lvl6pPr marL="2286000" indent="0">
+              <a:buNone/>
+              <a:defRPr sz="1000"/>
+            </a:lvl6pPr>
+            <a:lvl7pPr marL="2743200" indent="0">
+              <a:buNone/>
+              <a:defRPr sz="1000"/>
+            </a:lvl7pPr>
+            <a:lvl8pPr marL="3200400" indent="0">
+              <a:buNone/>
+              <a:defRPr sz="1000"/>
+            </a:lvl8pPr>
+            <a:lvl9pPr marL="3657600" indent="0">
+              <a:buNone/>
+              <a:defRPr sz="1000"/>
+            </a:lvl9pPr>
+          </a:lstStyle>
+          <a:p>
+            <a:pPr lvl="0"/>
+            <a:r>
+              <a:rPr lang="ru-RU"/>
+              <a:t>Образец текста</a:t>
+            </a:r>
+          </a:p>
+        </p:txBody>
+      </p:sp>
+      <p:sp>
+        <p:nvSpPr>
+          <p:cNvPr id="5" name="Date Placeholder 4"/>
+          <p:cNvSpPr>
+            <a:spLocks noGrp="1"/>
+          </p:cNvSpPr>
+          <p:nvPr>
+            <p:ph type="dt" sz="half" idx="10"/>
+          </p:nvPr>
+        </p:nvSpPr>
+        <p:spPr/>
+        <p:txBody>
+          <a:bodyPr/>
+          <a:lstStyle/>
+          <a:p>
+            <a:fld id="{BE6BD1B5-25AD-4A03-9A54-FD939E6B26EF}" type="datetimeFigureOut">
+              <a:rPr lang="ru-RU" smtClean="0"/>
+              <a:t>29.10.2025</a:t>
+            </a:fld>
+            <a:endParaRPr lang="ru-RU"/>
+          </a:p>
+        </p:txBody>
+      </p:sp>
+      <p:sp>
+        <p:nvSpPr>
+          <p:cNvPr id="6" name="Footer Placeholder 5"/>
+          <p:cNvSpPr>
+            <a:spLocks noGrp="1"/>
+          </p:cNvSpPr>
+          <p:nvPr>
+            <p:ph type="ftr" sz="quarter" idx="11"/>
+          </p:nvPr>
+        </p:nvSpPr>
+        <p:spPr/>
+        <p:txBody>
+          <a:bodyPr/>
+          <a:lstStyle/>
+          <a:p>
+            <a:endParaRPr lang="ru-RU"/>
+          </a:p>
+        </p:txBody>
+      </p:sp>
+      <p:sp>
+        <p:nvSpPr>
+          <p:cNvPr id="7" name="Slide Number Placeholder 6"/>
+          <p:cNvSpPr>
+            <a:spLocks noGrp="1"/>
+          </p:cNvSpPr>
+          <p:nvPr>
+            <p:ph type="sldNum" sz="quarter" idx="12"/>
+          </p:nvPr>
+        </p:nvSpPr>
+        <p:spPr/>
+        <p:txBody>
+          <a:bodyPr/>
+          <a:lstStyle/>
+          <a:p>
+            <a:fld id="{B4FE4F12-14CA-4902-92D7-ACEC11A54545}" type="slidenum">
+              <a:rPr lang="ru-RU" smtClean="0"/>
+              <a:t>‹#›</a:t>
+            </a:fld>
+            <a:endParaRPr lang="ru-RU"/>
+          </a:p>
+        </p:txBody>
+      </p:sp>
+    </p:spTree>
+    <p:extLst>
+      <p:ext uri="{BB962C8B-B14F-4D97-AF65-F5344CB8AC3E}">
+        <p14:creationId xmlns:p14="http://schemas.microsoft.com/office/powerpoint/2010/main" val="948339011"/>
+      </p:ext>
+    </p:extLst>
+  </p:cSld>
+  <p:clrMapOvr>
+    <a:masterClrMapping/>
+  </p:clrMapOvr>
+</p:sldLayout>
+</file>
+
+<file path=ppt/slideLayouts/slideLayout12.xml><?xml version="1.0" encoding="utf-8"?>
+<p:sldLayout xmlns:a="http://schemas.openxmlformats.org/drawingml/2006/main" xmlns:r="http://schemas.openxmlformats.org/officeDocument/2006/relationships" xmlns:p="http://schemas.openxmlformats.org/presentationml/2006/main" preserve="1">
+  <p:cSld name="Цитата с подписью">
+    <p:spTree>
+      <p:nvGrpSpPr>
+        <p:cNvPr id="1" name=""/>
+        <p:cNvGrpSpPr/>
+        <p:nvPr/>
+      </p:nvGrpSpPr>
+      <p:grpSpPr>
+        <a:xfrm>
+          <a:off x="0" y="0"/>
+          <a:ext cx="0" cy="0"/>
+          <a:chOff x="0" y="0"/>
+          <a:chExt cx="0" cy="0"/>
+        </a:xfrm>
+      </p:grpSpPr>
+      <p:sp>
+        <p:nvSpPr>
+          <p:cNvPr id="2" name="Title 1"/>
+          <p:cNvSpPr>
+            <a:spLocks noGrp="1"/>
+          </p:cNvSpPr>
+          <p:nvPr>
+            <p:ph type="title"/>
+          </p:nvPr>
+        </p:nvSpPr>
+        <p:spPr>
+          <a:xfrm>
+            <a:off x="1446212" y="365125"/>
+            <a:ext cx="9302752" cy="2992904"/>
+          </a:xfrm>
+        </p:spPr>
+        <p:txBody>
+          <a:bodyPr anchor="ctr"/>
+          <a:lstStyle>
+            <a:lvl1pPr>
+              <a:defRPr sz="4400"/>
+            </a:lvl1pPr>
+          </a:lstStyle>
+          <a:p>
+            <a:r>
+              <a:rPr lang="ru-RU"/>
+              <a:t>Образец заголовка</a:t>
+            </a:r>
+            <a:endParaRPr lang="en-US" dirty="0"/>
+          </a:p>
+        </p:txBody>
+      </p:sp>
+      <p:sp>
+        <p:nvSpPr>
+          <p:cNvPr id="12" name="Text Placeholder 3"/>
+          <p:cNvSpPr>
+            <a:spLocks noGrp="1"/>
+          </p:cNvSpPr>
+          <p:nvPr>
+            <p:ph type="body" sz="half" idx="13"/>
+          </p:nvPr>
+        </p:nvSpPr>
+        <p:spPr>
+          <a:xfrm>
+            <a:off x="1720644" y="3365557"/>
+            <a:ext cx="8752299" cy="548968"/>
+          </a:xfrm>
+        </p:spPr>
+        <p:txBody>
+          <a:bodyPr anchor="t">
+            <a:normAutofit/>
+          </a:bodyPr>
+          <a:lstStyle>
+            <a:lvl1pPr marL="0" indent="0">
+              <a:buNone/>
+              <a:defRPr sz="1400"/>
+            </a:lvl1pPr>
+            <a:lvl2pPr marL="457200" indent="0">
+              <a:buNone/>
+              <a:defRPr sz="1400"/>
+            </a:lvl2pPr>
+            <a:lvl3pPr marL="914400" indent="0">
+              <a:buNone/>
+              <a:defRPr sz="1200"/>
+            </a:lvl3pPr>
+            <a:lvl4pPr marL="1371600" indent="0">
+              <a:buNone/>
+              <a:defRPr sz="1000"/>
+            </a:lvl4pPr>
+            <a:lvl5pPr marL="1828800" indent="0">
+              <a:buNone/>
+              <a:defRPr sz="1000"/>
+            </a:lvl5pPr>
+            <a:lvl6pPr marL="2286000" indent="0">
+              <a:buNone/>
+              <a:defRPr sz="1000"/>
+            </a:lvl6pPr>
+            <a:lvl7pPr marL="2743200" indent="0">
+              <a:buNone/>
+              <a:defRPr sz="1000"/>
+            </a:lvl7pPr>
+            <a:lvl8pPr marL="3200400" indent="0">
+              <a:buNone/>
+              <a:defRPr sz="1000"/>
+            </a:lvl8pPr>
+            <a:lvl9pPr marL="3657600" indent="0">
+              <a:buNone/>
+              <a:defRPr sz="1000"/>
+            </a:lvl9pPr>
+          </a:lstStyle>
+          <a:p>
+            <a:pPr lvl="0"/>
+            <a:r>
+              <a:rPr lang="ru-RU"/>
+              <a:t>Образец текста</a:t>
+            </a:r>
+          </a:p>
+        </p:txBody>
+      </p:sp>
+      <p:sp>
+        <p:nvSpPr>
+          <p:cNvPr id="4" name="Text Placeholder 3"/>
+          <p:cNvSpPr>
+            <a:spLocks noGrp="1"/>
+          </p:cNvSpPr>
+          <p:nvPr>
+            <p:ph type="body" sz="half" idx="2"/>
+          </p:nvPr>
+        </p:nvSpPr>
+        <p:spPr>
+          <a:xfrm>
+            <a:off x="838200" y="4501729"/>
+            <a:ext cx="10512424" cy="1489496"/>
+          </a:xfrm>
+        </p:spPr>
+        <p:txBody>
+          <a:bodyPr anchor="ctr">
+            <a:normAutofit/>
+          </a:bodyPr>
+          <a:lstStyle>
+            <a:lvl1pPr marL="0" indent="0">
+              <a:buNone/>
+              <a:defRPr sz="1600"/>
+            </a:lvl1pPr>
+            <a:lvl2pPr marL="457200" indent="0">
+              <a:buNone/>
+              <a:defRPr sz="1400"/>
+            </a:lvl2pPr>
+            <a:lvl3pPr marL="914400" indent="0">
+              <a:buNone/>
+              <a:defRPr sz="1200"/>
+            </a:lvl3pPr>
+            <a:lvl4pPr marL="1371600" indent="0">
+              <a:buNone/>
+              <a:defRPr sz="1000"/>
+            </a:lvl4pPr>
+            <a:lvl5pPr marL="1828800" indent="0">
+              <a:buNone/>
+              <a:defRPr sz="1000"/>
+            </a:lvl5pPr>
+            <a:lvl6pPr marL="2286000" indent="0">
+              <a:buNone/>
+              <a:defRPr sz="1000"/>
+            </a:lvl6pPr>
+            <a:lvl7pPr marL="2743200" indent="0">
+              <a:buNone/>
+              <a:defRPr sz="1000"/>
+            </a:lvl7pPr>
+            <a:lvl8pPr marL="3200400" indent="0">
+              <a:buNone/>
+              <a:defRPr sz="1000"/>
+            </a:lvl8pPr>
+            <a:lvl9pPr marL="3657600" indent="0">
+              <a:buNone/>
+              <a:defRPr sz="1000"/>
+            </a:lvl9pPr>
+          </a:lstStyle>
+          <a:p>
+            <a:pPr lvl="0"/>
+            <a:r>
+              <a:rPr lang="ru-RU"/>
+              <a:t>Образец текста</a:t>
+            </a:r>
+          </a:p>
+        </p:txBody>
+      </p:sp>
+      <p:sp>
+        <p:nvSpPr>
+          <p:cNvPr id="5" name="Date Placeholder 4"/>
+          <p:cNvSpPr>
+            <a:spLocks noGrp="1"/>
+          </p:cNvSpPr>
+          <p:nvPr>
+            <p:ph type="dt" sz="half" idx="10"/>
+          </p:nvPr>
+        </p:nvSpPr>
+        <p:spPr/>
+        <p:txBody>
+          <a:bodyPr/>
+          <a:lstStyle/>
+          <a:p>
+            <a:fld id="{BE6BD1B5-25AD-4A03-9A54-FD939E6B26EF}" type="datetimeFigureOut">
+              <a:rPr lang="ru-RU" smtClean="0"/>
+              <a:t>29.10.2025</a:t>
+            </a:fld>
+            <a:endParaRPr lang="ru-RU"/>
+          </a:p>
+        </p:txBody>
+      </p:sp>
+      <p:sp>
+        <p:nvSpPr>
+          <p:cNvPr id="6" name="Footer Placeholder 5"/>
+          <p:cNvSpPr>
+            <a:spLocks noGrp="1"/>
+          </p:cNvSpPr>
+          <p:nvPr>
+            <p:ph type="ftr" sz="quarter" idx="11"/>
+          </p:nvPr>
+        </p:nvSpPr>
+        <p:spPr/>
+        <p:txBody>
+          <a:bodyPr/>
+          <a:lstStyle/>
+          <a:p>
+            <a:endParaRPr lang="ru-RU"/>
+          </a:p>
+        </p:txBody>
+      </p:sp>
+      <p:sp>
+        <p:nvSpPr>
+          <p:cNvPr id="7" name="Slide Number Placeholder 6"/>
+          <p:cNvSpPr>
+            <a:spLocks noGrp="1"/>
+          </p:cNvSpPr>
+          <p:nvPr>
+            <p:ph type="sldNum" sz="quarter" idx="12"/>
+          </p:nvPr>
+        </p:nvSpPr>
+        <p:spPr/>
+        <p:txBody>
+          <a:bodyPr/>
+          <a:lstStyle/>
+          <a:p>
+            <a:fld id="{B4FE4F12-14CA-4902-92D7-ACEC11A54545}" type="slidenum">
+              <a:rPr lang="ru-RU" smtClean="0"/>
+              <a:t>‹#›</a:t>
+            </a:fld>
+            <a:endParaRPr lang="ru-RU"/>
+          </a:p>
+        </p:txBody>
+      </p:sp>
+      <p:sp>
+        <p:nvSpPr>
+          <p:cNvPr id="9" name="TextBox 8"/>
+          <p:cNvSpPr txBox="1"/>
+          <p:nvPr/>
+        </p:nvSpPr>
+        <p:spPr>
+          <a:xfrm>
+            <a:off x="1111044" y="786824"/>
+            <a:ext cx="609600" cy="584776"/>
+          </a:xfrm>
+          <a:prstGeom prst="rect">
+            <a:avLst/>
+          </a:prstGeom>
+        </p:spPr>
+        <p:txBody>
+          <a:bodyPr vert="horz" lIns="91440" tIns="45720" rIns="91440" bIns="45720" rtlCol="0" anchor="ctr">
+            <a:noAutofit/>
+          </a:bodyPr>
+          <a:lstStyle>
+            <a:lvl1pPr>
+              <a:spcBef>
+                <a:spcPct val="0"/>
+              </a:spcBef>
+              <a:buNone/>
+              <a:defRPr sz="3200" b="0" cap="all">
+                <a:ln w="3175" cmpd="sng">
+                  <a:noFill/>
+                </a:ln>
+                <a:effectLst>
+                  <a:glow rad="38100">
+                    <a:schemeClr val="bg1">
+                      <a:lumMod val="65000"/>
+                      <a:lumOff val="35000"/>
+                      <a:alpha val="40000"/>
+                    </a:schemeClr>
+                  </a:glow>
+                  <a:outerShdw blurRad="28575" dist="38100" dir="14040000" algn="tl" rotWithShape="0">
+                    <a:srgbClr val="000000">
+                      <a:alpha val="25000"/>
+                    </a:srgbClr>
+                  </a:outerShdw>
+                </a:effectLst>
+              </a:defRPr>
+            </a:lvl1pPr>
+            <a:lvl2pPr>
+              <a:defRPr>
+                <a:solidFill>
+                  <a:schemeClr val="tx2"/>
+                </a:solidFill>
+              </a:defRPr>
+            </a:lvl2pPr>
+            <a:lvl3pPr>
+              <a:defRPr>
+                <a:solidFill>
+                  <a:schemeClr val="tx2"/>
+                </a:solidFill>
+              </a:defRPr>
+            </a:lvl3pPr>
+            <a:lvl4pPr>
+              <a:defRPr>
+                <a:solidFill>
+                  <a:schemeClr val="tx2"/>
+                </a:solidFill>
+              </a:defRPr>
+            </a:lvl4pPr>
+            <a:lvl5pPr>
+              <a:defRPr>
+                <a:solidFill>
+                  <a:schemeClr val="tx2"/>
+                </a:solidFill>
+              </a:defRPr>
+            </a:lvl5pPr>
+            <a:lvl6pPr>
+              <a:defRPr>
+                <a:solidFill>
+                  <a:schemeClr val="tx2"/>
+                </a:solidFill>
+              </a:defRPr>
+            </a:lvl6pPr>
+            <a:lvl7pPr>
+              <a:defRPr>
+                <a:solidFill>
+                  <a:schemeClr val="tx2"/>
+                </a:solidFill>
+              </a:defRPr>
+            </a:lvl7pPr>
+            <a:lvl8pPr>
+              <a:defRPr>
+                <a:solidFill>
+                  <a:schemeClr val="tx2"/>
+                </a:solidFill>
+              </a:defRPr>
+            </a:lvl8pPr>
+            <a:lvl9pPr>
+              <a:defRPr>
+                <a:solidFill>
+                  <a:schemeClr val="tx2"/>
+                </a:solidFill>
+              </a:defRPr>
+            </a:lvl9pPr>
+          </a:lstStyle>
+          <a:p>
+            <a:pPr lvl="0"/>
+            <a:r>
+              <a:rPr lang="en-US" sz="8000" dirty="0">
+                <a:solidFill>
+                  <a:schemeClr val="tx1"/>
+                </a:solidFill>
+                <a:effectLst/>
+              </a:rPr>
+              <a:t>“</a:t>
+            </a:r>
+          </a:p>
+        </p:txBody>
+      </p:sp>
+      <p:sp>
+        <p:nvSpPr>
+          <p:cNvPr id="10" name="TextBox 9"/>
+          <p:cNvSpPr txBox="1"/>
+          <p:nvPr/>
+        </p:nvSpPr>
+        <p:spPr>
+          <a:xfrm>
+            <a:off x="10437812" y="2743200"/>
+            <a:ext cx="609600" cy="584776"/>
+          </a:xfrm>
+          <a:prstGeom prst="rect">
+            <a:avLst/>
+          </a:prstGeom>
+        </p:spPr>
+        <p:txBody>
+          <a:bodyPr vert="horz" lIns="91440" tIns="45720" rIns="91440" bIns="45720" rtlCol="0" anchor="ctr">
+            <a:noAutofit/>
+          </a:bodyPr>
+          <a:lstStyle>
+            <a:lvl1pPr>
+              <a:spcBef>
+                <a:spcPct val="0"/>
+              </a:spcBef>
+              <a:buNone/>
+              <a:defRPr sz="3200" b="0" cap="all">
+                <a:ln w="3175" cmpd="sng">
+                  <a:noFill/>
+                </a:ln>
+                <a:effectLst>
+                  <a:glow rad="38100">
+                    <a:schemeClr val="bg1">
+                      <a:lumMod val="65000"/>
+                      <a:lumOff val="35000"/>
+                      <a:alpha val="40000"/>
+                    </a:schemeClr>
+                  </a:glow>
+                  <a:outerShdw blurRad="28575" dist="38100" dir="14040000" algn="tl" rotWithShape="0">
+                    <a:srgbClr val="000000">
+                      <a:alpha val="25000"/>
+                    </a:srgbClr>
+                  </a:outerShdw>
+                </a:effectLst>
+              </a:defRPr>
+            </a:lvl1pPr>
+            <a:lvl2pPr>
+              <a:defRPr>
+                <a:solidFill>
+                  <a:schemeClr val="tx2"/>
+                </a:solidFill>
+              </a:defRPr>
+            </a:lvl2pPr>
+            <a:lvl3pPr>
+              <a:defRPr>
+                <a:solidFill>
+                  <a:schemeClr val="tx2"/>
+                </a:solidFill>
+              </a:defRPr>
+            </a:lvl3pPr>
+            <a:lvl4pPr>
+              <a:defRPr>
+                <a:solidFill>
+                  <a:schemeClr val="tx2"/>
+                </a:solidFill>
+              </a:defRPr>
+            </a:lvl4pPr>
+            <a:lvl5pPr>
+              <a:defRPr>
+                <a:solidFill>
+                  <a:schemeClr val="tx2"/>
+                </a:solidFill>
+              </a:defRPr>
+            </a:lvl5pPr>
+            <a:lvl6pPr>
+              <a:defRPr>
+                <a:solidFill>
+                  <a:schemeClr val="tx2"/>
+                </a:solidFill>
+              </a:defRPr>
+            </a:lvl6pPr>
+            <a:lvl7pPr>
+              <a:defRPr>
+                <a:solidFill>
+                  <a:schemeClr val="tx2"/>
+                </a:solidFill>
+              </a:defRPr>
+            </a:lvl7pPr>
+            <a:lvl8pPr>
+              <a:defRPr>
+                <a:solidFill>
+                  <a:schemeClr val="tx2"/>
+                </a:solidFill>
+              </a:defRPr>
+            </a:lvl8pPr>
+            <a:lvl9pPr>
+              <a:defRPr>
+                <a:solidFill>
+                  <a:schemeClr val="tx2"/>
+                </a:solidFill>
+              </a:defRPr>
+            </a:lvl9pPr>
+          </a:lstStyle>
+          <a:p>
+            <a:pPr lvl="0" algn="r"/>
+            <a:r>
+              <a:rPr lang="en-US" sz="8000" dirty="0">
+                <a:solidFill>
+                  <a:schemeClr val="tx1"/>
+                </a:solidFill>
+                <a:effectLst/>
+              </a:rPr>
+              <a:t>”</a:t>
+            </a:r>
+          </a:p>
+        </p:txBody>
+      </p:sp>
+    </p:spTree>
+    <p:extLst>
+      <p:ext uri="{BB962C8B-B14F-4D97-AF65-F5344CB8AC3E}">
+        <p14:creationId xmlns:p14="http://schemas.microsoft.com/office/powerpoint/2010/main" val="3936850934"/>
+      </p:ext>
+    </p:extLst>
+  </p:cSld>
+  <p:clrMapOvr>
+    <a:masterClrMapping/>
+  </p:clrMapOvr>
+</p:sldLayout>
+</file>
+
+<file path=ppt/slideLayouts/slideLayout13.xml><?xml version="1.0" encoding="utf-8"?>
+<p:sldLayout xmlns:a="http://schemas.openxmlformats.org/drawingml/2006/main" xmlns:r="http://schemas.openxmlformats.org/officeDocument/2006/relationships" xmlns:p="http://schemas.openxmlformats.org/presentationml/2006/main" preserve="1">
+  <p:cSld name="Карточка имени">
+    <p:spTree>
+      <p:nvGrpSpPr>
+        <p:cNvPr id="1" name=""/>
+        <p:cNvGrpSpPr/>
+        <p:nvPr/>
+      </p:nvGrpSpPr>
+      <p:grpSpPr>
+        <a:xfrm>
+          <a:off x="0" y="0"/>
+          <a:ext cx="0" cy="0"/>
+          <a:chOff x="0" y="0"/>
+          <a:chExt cx="0" cy="0"/>
+        </a:xfrm>
+      </p:grpSpPr>
+      <p:sp>
+        <p:nvSpPr>
+          <p:cNvPr id="2" name="Title 1"/>
+          <p:cNvSpPr>
+            <a:spLocks noGrp="1"/>
+          </p:cNvSpPr>
+          <p:nvPr>
+            <p:ph type="title"/>
+          </p:nvPr>
+        </p:nvSpPr>
+        <p:spPr>
+          <a:xfrm>
+            <a:off x="839788" y="2326967"/>
+            <a:ext cx="10515600" cy="2511835"/>
+          </a:xfrm>
+        </p:spPr>
+        <p:txBody>
+          <a:bodyPr anchor="b">
+            <a:normAutofit/>
+          </a:bodyPr>
+          <a:lstStyle>
+            <a:lvl1pPr>
+              <a:defRPr sz="5400"/>
+            </a:lvl1pPr>
+          </a:lstStyle>
+          <a:p>
+            <a:r>
+              <a:rPr lang="ru-RU"/>
+              <a:t>Образец заголовка</a:t>
+            </a:r>
+            <a:endParaRPr lang="en-US" dirty="0"/>
+          </a:p>
+        </p:txBody>
+      </p:sp>
+      <p:sp>
+        <p:nvSpPr>
+          <p:cNvPr id="4" name="Text Placeholder 3"/>
+          <p:cNvSpPr>
+            <a:spLocks noGrp="1"/>
+          </p:cNvSpPr>
+          <p:nvPr>
+            <p:ph type="body" sz="half" idx="2"/>
+          </p:nvPr>
+        </p:nvSpPr>
+        <p:spPr>
+          <a:xfrm>
+            <a:off x="839788" y="4850581"/>
+            <a:ext cx="10514012" cy="1140644"/>
+          </a:xfrm>
+        </p:spPr>
+        <p:txBody>
+          <a:bodyPr anchor="t"/>
+          <a:lstStyle>
+            <a:lvl1pPr marL="0" indent="0">
+              <a:buNone/>
+              <a:defRPr sz="1600"/>
+            </a:lvl1pPr>
+            <a:lvl2pPr marL="457200" indent="0">
+              <a:buNone/>
+              <a:defRPr sz="1400"/>
+            </a:lvl2pPr>
+            <a:lvl3pPr marL="914400" indent="0">
+              <a:buNone/>
+              <a:defRPr sz="1200"/>
+            </a:lvl3pPr>
+            <a:lvl4pPr marL="1371600" indent="0">
+              <a:buNone/>
+              <a:defRPr sz="1000"/>
+            </a:lvl4pPr>
+            <a:lvl5pPr marL="1828800" indent="0">
+              <a:buNone/>
+              <a:defRPr sz="1000"/>
+            </a:lvl5pPr>
+            <a:lvl6pPr marL="2286000" indent="0">
+              <a:buNone/>
+              <a:defRPr sz="1000"/>
+            </a:lvl6pPr>
+            <a:lvl7pPr marL="2743200" indent="0">
+              <a:buNone/>
+              <a:defRPr sz="1000"/>
+            </a:lvl7pPr>
+            <a:lvl8pPr marL="3200400" indent="0">
+              <a:buNone/>
+              <a:defRPr sz="1000"/>
+            </a:lvl8pPr>
+            <a:lvl9pPr marL="3657600" indent="0">
+              <a:buNone/>
+              <a:defRPr sz="1000"/>
+            </a:lvl9pPr>
+          </a:lstStyle>
+          <a:p>
+            <a:pPr lvl="0"/>
+            <a:r>
+              <a:rPr lang="ru-RU"/>
+              <a:t>Образец текста</a:t>
+            </a:r>
+          </a:p>
+        </p:txBody>
+      </p:sp>
+      <p:sp>
+        <p:nvSpPr>
+          <p:cNvPr id="5" name="Date Placeholder 4"/>
+          <p:cNvSpPr>
+            <a:spLocks noGrp="1"/>
+          </p:cNvSpPr>
+          <p:nvPr>
+            <p:ph type="dt" sz="half" idx="10"/>
+          </p:nvPr>
+        </p:nvSpPr>
+        <p:spPr/>
+        <p:txBody>
+          <a:bodyPr/>
+          <a:lstStyle/>
+          <a:p>
+            <a:fld id="{BE6BD1B5-25AD-4A03-9A54-FD939E6B26EF}" type="datetimeFigureOut">
+              <a:rPr lang="ru-RU" smtClean="0"/>
+              <a:t>29.10.2025</a:t>
+            </a:fld>
+            <a:endParaRPr lang="ru-RU"/>
+          </a:p>
+        </p:txBody>
+      </p:sp>
+      <p:sp>
+        <p:nvSpPr>
+          <p:cNvPr id="6" name="Footer Placeholder 5"/>
+          <p:cNvSpPr>
+            <a:spLocks noGrp="1"/>
+          </p:cNvSpPr>
+          <p:nvPr>
+            <p:ph type="ftr" sz="quarter" idx="11"/>
+          </p:nvPr>
+        </p:nvSpPr>
+        <p:spPr/>
+        <p:txBody>
+          <a:bodyPr/>
+          <a:lstStyle/>
+          <a:p>
+            <a:endParaRPr lang="ru-RU"/>
+          </a:p>
+        </p:txBody>
+      </p:sp>
+      <p:sp>
+        <p:nvSpPr>
+          <p:cNvPr id="7" name="Slide Number Placeholder 6"/>
+          <p:cNvSpPr>
+            <a:spLocks noGrp="1"/>
+          </p:cNvSpPr>
+          <p:nvPr>
+            <p:ph type="sldNum" sz="quarter" idx="12"/>
+          </p:nvPr>
+        </p:nvSpPr>
+        <p:spPr/>
+        <p:txBody>
+          <a:bodyPr/>
+          <a:lstStyle/>
+          <a:p>
+            <a:fld id="{B4FE4F12-14CA-4902-92D7-ACEC11A54545}" type="slidenum">
+              <a:rPr lang="ru-RU" smtClean="0"/>
+              <a:t>‹#›</a:t>
+            </a:fld>
+            <a:endParaRPr lang="ru-RU"/>
+          </a:p>
+        </p:txBody>
+      </p:sp>
+    </p:spTree>
+    <p:extLst>
+      <p:ext uri="{BB962C8B-B14F-4D97-AF65-F5344CB8AC3E}">
+        <p14:creationId xmlns:p14="http://schemas.microsoft.com/office/powerpoint/2010/main" val="3249796230"/>
+      </p:ext>
+    </p:extLst>
+  </p:cSld>
+  <p:clrMapOvr>
+    <a:masterClrMapping/>
+  </p:clrMapOvr>
+</p:sldLayout>
+</file>
+
+<file path=ppt/slideLayouts/slideLayout14.xml><?xml version="1.0" encoding="utf-8"?>
+<p:sldLayout xmlns:a="http://schemas.openxmlformats.org/drawingml/2006/main" xmlns:r="http://schemas.openxmlformats.org/officeDocument/2006/relationships" xmlns:p="http://schemas.openxmlformats.org/presentationml/2006/main" preserve="1">
+  <p:cSld name="Три колонки">
+    <p:spTree>
+      <p:nvGrpSpPr>
+        <p:cNvPr id="1" name=""/>
+        <p:cNvGrpSpPr/>
+        <p:nvPr/>
+      </p:nvGrpSpPr>
+      <p:grpSpPr>
+        <a:xfrm>
+          <a:off x="0" y="0"/>
+          <a:ext cx="0" cy="0"/>
+          <a:chOff x="0" y="0"/>
+          <a:chExt cx="0" cy="0"/>
+        </a:xfrm>
+      </p:grpSpPr>
+      <p:sp>
+        <p:nvSpPr>
+          <p:cNvPr id="15" name="Title 1"/>
+          <p:cNvSpPr>
+            <a:spLocks noGrp="1"/>
+          </p:cNvSpPr>
+          <p:nvPr>
+            <p:ph type="title"/>
+          </p:nvPr>
+        </p:nvSpPr>
+        <p:spPr>
+          <a:xfrm>
+            <a:off x="838200" y="365125"/>
+            <a:ext cx="10515600" cy="1325563"/>
+          </a:xfrm>
+        </p:spPr>
+        <p:txBody>
+          <a:bodyPr/>
+          <a:lstStyle/>
+          <a:p>
+            <a:r>
+              <a:rPr lang="ru-RU"/>
+              <a:t>Образец заголовка</a:t>
+            </a:r>
+            <a:endParaRPr lang="en-US" dirty="0"/>
+          </a:p>
+        </p:txBody>
+      </p:sp>
+      <p:sp>
+        <p:nvSpPr>
+          <p:cNvPr id="7" name="Text Placeholder 2"/>
+          <p:cNvSpPr>
+            <a:spLocks noGrp="1"/>
+          </p:cNvSpPr>
+          <p:nvPr>
+            <p:ph type="body" idx="1"/>
+          </p:nvPr>
+        </p:nvSpPr>
+        <p:spPr>
+          <a:xfrm>
+            <a:off x="1337282" y="1885950"/>
+            <a:ext cx="2946866" cy="576262"/>
+          </a:xfrm>
+        </p:spPr>
+        <p:txBody>
+          <a:bodyPr anchor="b">
+            <a:noAutofit/>
+          </a:bodyPr>
+          <a:lstStyle>
+            <a:lvl1pPr marL="0" indent="0">
+              <a:buNone/>
+              <a:defRPr sz="2400" b="0">
+                <a:gradFill>
+                  <a:gsLst>
+                    <a:gs pos="15000">
+                      <a:schemeClr val="tx2"/>
+                    </a:gs>
+                    <a:gs pos="73000">
+                      <a:schemeClr val="tx2">
+                        <a:lumMod val="60000"/>
+                        <a:lumOff val="40000"/>
+                      </a:schemeClr>
+                    </a:gs>
+                    <a:gs pos="0">
+                      <a:schemeClr val="tx2">
+                        <a:lumMod val="90000"/>
+                        <a:lumOff val="10000"/>
+                      </a:schemeClr>
+                    </a:gs>
+                    <a:gs pos="100000">
+                      <a:schemeClr val="tx2">
+                        <a:lumMod val="0"/>
+                        <a:lumOff val="100000"/>
+                      </a:schemeClr>
+                    </a:gs>
+                  </a:gsLst>
+                  <a:lin ang="16200000" scaled="1"/>
+                </a:gradFill>
+              </a:defRPr>
+            </a:lvl1pPr>
+            <a:lvl2pPr marL="457200" indent="0">
+              <a:buNone/>
+              <a:defRPr sz="2000" b="1"/>
+            </a:lvl2pPr>
+            <a:lvl3pPr marL="914400" indent="0">
+              <a:buNone/>
+              <a:defRPr sz="1800" b="1"/>
+            </a:lvl3pPr>
+            <a:lvl4pPr marL="1371600" indent="0">
+              <a:buNone/>
+              <a:defRPr sz="1600" b="1"/>
+            </a:lvl4pPr>
+            <a:lvl5pPr marL="1828800" indent="0">
+              <a:buNone/>
+              <a:defRPr sz="1600" b="1"/>
+            </a:lvl5pPr>
+            <a:lvl6pPr marL="2286000" indent="0">
+              <a:buNone/>
+              <a:defRPr sz="1600" b="1"/>
+            </a:lvl6pPr>
+            <a:lvl7pPr marL="2743200" indent="0">
+              <a:buNone/>
+              <a:defRPr sz="1600" b="1"/>
+            </a:lvl7pPr>
+            <a:lvl8pPr marL="3200400" indent="0">
+              <a:buNone/>
+              <a:defRPr sz="1600" b="1"/>
+            </a:lvl8pPr>
+            <a:lvl9pPr marL="3657600" indent="0">
+              <a:buNone/>
+              <a:defRPr sz="1600" b="1"/>
+            </a:lvl9pPr>
+          </a:lstStyle>
+          <a:p>
+            <a:pPr lvl="0"/>
+            <a:r>
+              <a:rPr lang="ru-RU"/>
+              <a:t>Образец текста</a:t>
+            </a:r>
+          </a:p>
+        </p:txBody>
+      </p:sp>
+      <p:sp>
+        <p:nvSpPr>
+          <p:cNvPr id="8" name="Text Placeholder 3"/>
+          <p:cNvSpPr>
+            <a:spLocks noGrp="1"/>
+          </p:cNvSpPr>
+          <p:nvPr>
+            <p:ph type="body" sz="half" idx="15"/>
+          </p:nvPr>
+        </p:nvSpPr>
+        <p:spPr>
+          <a:xfrm>
+            <a:off x="1356798" y="2571750"/>
+            <a:ext cx="2927350" cy="3589338"/>
+          </a:xfrm>
+        </p:spPr>
+        <p:txBody>
+          <a:bodyPr anchor="t">
+            <a:normAutofit/>
+          </a:bodyPr>
+          <a:lstStyle>
+            <a:lvl1pPr marL="0" indent="0">
+              <a:buNone/>
+              <a:defRPr sz="1400"/>
+            </a:lvl1pPr>
+            <a:lvl2pPr marL="457200" indent="0">
+              <a:buNone/>
+              <a:defRPr sz="1200"/>
+            </a:lvl2pPr>
+            <a:lvl3pPr marL="914400" indent="0">
+              <a:buNone/>
+              <a:defRPr sz="1000"/>
+            </a:lvl3pPr>
+            <a:lvl4pPr marL="1371600" indent="0">
+              <a:buNone/>
+              <a:defRPr sz="900"/>
+            </a:lvl4pPr>
+            <a:lvl5pPr marL="1828800" indent="0">
+              <a:buNone/>
+              <a:defRPr sz="900"/>
+            </a:lvl5pPr>
+            <a:lvl6pPr marL="2286000" indent="0">
+              <a:buNone/>
+              <a:defRPr sz="900"/>
+            </a:lvl6pPr>
+            <a:lvl7pPr marL="2743200" indent="0">
+              <a:buNone/>
+              <a:defRPr sz="900"/>
+            </a:lvl7pPr>
+            <a:lvl8pPr marL="3200400" indent="0">
+              <a:buNone/>
+              <a:defRPr sz="900"/>
+            </a:lvl8pPr>
+            <a:lvl9pPr marL="3657600" indent="0">
+              <a:buNone/>
+              <a:defRPr sz="900"/>
+            </a:lvl9pPr>
+          </a:lstStyle>
+          <a:p>
+            <a:pPr lvl="0"/>
+            <a:r>
+              <a:rPr lang="ru-RU"/>
+              <a:t>Образец текста</a:t>
+            </a:r>
+          </a:p>
+        </p:txBody>
+      </p:sp>
+      <p:sp>
+        <p:nvSpPr>
+          <p:cNvPr id="9" name="Text Placeholder 4"/>
+          <p:cNvSpPr>
+            <a:spLocks noGrp="1"/>
+          </p:cNvSpPr>
+          <p:nvPr>
+            <p:ph type="body" sz="quarter" idx="3"/>
+          </p:nvPr>
+        </p:nvSpPr>
+        <p:spPr>
+          <a:xfrm>
+            <a:off x="4587994" y="1885950"/>
+            <a:ext cx="2936241" cy="576262"/>
+          </a:xfrm>
+        </p:spPr>
+        <p:txBody>
+          <a:bodyPr vert="horz" lIns="91440" tIns="45720" rIns="91440" bIns="45720" rtlCol="0" anchor="b">
+            <a:noAutofit/>
+          </a:bodyPr>
+          <a:lstStyle>
+            <a:lvl1pPr>
+              <a:buNone/>
+              <a:defRPr lang="en-US" sz="2400" b="0">
+                <a:gradFill>
+                  <a:gsLst>
+                    <a:gs pos="15000">
+                      <a:schemeClr val="tx2"/>
+                    </a:gs>
+                    <a:gs pos="73000">
+                      <a:schemeClr val="tx2">
+                        <a:lumMod val="60000"/>
+                        <a:lumOff val="40000"/>
+                      </a:schemeClr>
+                    </a:gs>
+                    <a:gs pos="0">
+                      <a:schemeClr val="tx2">
+                        <a:lumMod val="90000"/>
+                        <a:lumOff val="10000"/>
+                      </a:schemeClr>
+                    </a:gs>
+                    <a:gs pos="100000">
+                      <a:schemeClr val="tx2">
+                        <a:lumMod val="0"/>
+                        <a:lumOff val="100000"/>
+                      </a:schemeClr>
+                    </a:gs>
+                  </a:gsLst>
+                  <a:lin ang="16200000" scaled="1"/>
+                </a:gradFill>
+              </a:defRPr>
+            </a:lvl1pPr>
+          </a:lstStyle>
+          <a:p>
+            <a:pPr marL="0" lvl="0" indent="0">
+              <a:buNone/>
+            </a:pPr>
+            <a:r>
+              <a:rPr lang="ru-RU"/>
+              <a:t>Образец текста</a:t>
+            </a:r>
+          </a:p>
+        </p:txBody>
+      </p:sp>
+      <p:sp>
+        <p:nvSpPr>
+          <p:cNvPr id="10" name="Text Placeholder 3"/>
+          <p:cNvSpPr>
+            <a:spLocks noGrp="1"/>
+          </p:cNvSpPr>
+          <p:nvPr>
+            <p:ph type="body" sz="half" idx="16"/>
+          </p:nvPr>
+        </p:nvSpPr>
+        <p:spPr>
+          <a:xfrm>
+            <a:off x="4577441" y="2571750"/>
+            <a:ext cx="2946794" cy="3589338"/>
+          </a:xfrm>
+        </p:spPr>
+        <p:txBody>
+          <a:bodyPr anchor="t">
+            <a:normAutofit/>
+          </a:bodyPr>
+          <a:lstStyle>
+            <a:lvl1pPr marL="0" indent="0">
+              <a:buNone/>
+              <a:defRPr sz="1400"/>
+            </a:lvl1pPr>
+            <a:lvl2pPr marL="457200" indent="0">
+              <a:buNone/>
+              <a:defRPr sz="1200"/>
+            </a:lvl2pPr>
+            <a:lvl3pPr marL="914400" indent="0">
+              <a:buNone/>
+              <a:defRPr sz="1000"/>
+            </a:lvl3pPr>
+            <a:lvl4pPr marL="1371600" indent="0">
+              <a:buNone/>
+              <a:defRPr sz="900"/>
+            </a:lvl4pPr>
+            <a:lvl5pPr marL="1828800" indent="0">
+              <a:buNone/>
+              <a:defRPr sz="900"/>
+            </a:lvl5pPr>
+            <a:lvl6pPr marL="2286000" indent="0">
+              <a:buNone/>
+              <a:defRPr sz="900"/>
+            </a:lvl6pPr>
+            <a:lvl7pPr marL="2743200" indent="0">
+              <a:buNone/>
+              <a:defRPr sz="900"/>
+            </a:lvl7pPr>
+            <a:lvl8pPr marL="3200400" indent="0">
+              <a:buNone/>
+              <a:defRPr sz="900"/>
+            </a:lvl8pPr>
+            <a:lvl9pPr marL="3657600" indent="0">
+              <a:buNone/>
+              <a:defRPr sz="900"/>
+            </a:lvl9pPr>
+          </a:lstStyle>
+          <a:p>
+            <a:pPr lvl="0"/>
+            <a:r>
+              <a:rPr lang="ru-RU"/>
+              <a:t>Образец текста</a:t>
+            </a:r>
+          </a:p>
+        </p:txBody>
+      </p:sp>
+      <p:sp>
+        <p:nvSpPr>
+          <p:cNvPr id="11" name="Text Placeholder 4"/>
+          <p:cNvSpPr>
+            <a:spLocks noGrp="1"/>
+          </p:cNvSpPr>
+          <p:nvPr>
+            <p:ph type="body" sz="quarter" idx="13"/>
+          </p:nvPr>
+        </p:nvSpPr>
+        <p:spPr>
+          <a:xfrm>
+            <a:off x="7829035" y="1885950"/>
+            <a:ext cx="2932113" cy="576262"/>
+          </a:xfrm>
+        </p:spPr>
+        <p:txBody>
+          <a:bodyPr vert="horz" lIns="91440" tIns="45720" rIns="91440" bIns="45720" rtlCol="0" anchor="b">
+            <a:noAutofit/>
+          </a:bodyPr>
+          <a:lstStyle>
+            <a:lvl1pPr>
+              <a:buNone/>
+              <a:defRPr lang="en-US" sz="2400" b="0" dirty="0">
+                <a:gradFill>
+                  <a:gsLst>
+                    <a:gs pos="15000">
+                      <a:schemeClr val="tx2"/>
+                    </a:gs>
+                    <a:gs pos="73000">
+                      <a:schemeClr val="tx2">
+                        <a:lumMod val="60000"/>
+                        <a:lumOff val="40000"/>
+                      </a:schemeClr>
+                    </a:gs>
+                    <a:gs pos="0">
+                      <a:schemeClr val="tx2">
+                        <a:lumMod val="90000"/>
+                        <a:lumOff val="10000"/>
+                      </a:schemeClr>
+                    </a:gs>
+                    <a:gs pos="100000">
+                      <a:schemeClr val="tx2">
+                        <a:lumMod val="0"/>
+                        <a:lumOff val="100000"/>
+                      </a:schemeClr>
+                    </a:gs>
+                  </a:gsLst>
+                  <a:lin ang="16200000" scaled="1"/>
+                </a:gradFill>
+              </a:defRPr>
+            </a:lvl1pPr>
+          </a:lstStyle>
+          <a:p>
+            <a:pPr marL="0" lvl="0" indent="0">
+              <a:buNone/>
+            </a:pPr>
+            <a:r>
+              <a:rPr lang="ru-RU"/>
+              <a:t>Образец текста</a:t>
+            </a:r>
+          </a:p>
+        </p:txBody>
+      </p:sp>
+      <p:sp>
+        <p:nvSpPr>
+          <p:cNvPr id="12" name="Text Placeholder 3"/>
+          <p:cNvSpPr>
+            <a:spLocks noGrp="1"/>
+          </p:cNvSpPr>
+          <p:nvPr>
+            <p:ph type="body" sz="half" idx="17"/>
+          </p:nvPr>
+        </p:nvSpPr>
+        <p:spPr>
+          <a:xfrm>
+            <a:off x="7829035" y="2571750"/>
+            <a:ext cx="2932113" cy="3589338"/>
+          </a:xfrm>
+        </p:spPr>
+        <p:txBody>
+          <a:bodyPr anchor="t">
+            <a:normAutofit/>
+          </a:bodyPr>
+          <a:lstStyle>
+            <a:lvl1pPr marL="0" indent="0">
+              <a:buNone/>
+              <a:defRPr sz="1400"/>
+            </a:lvl1pPr>
+            <a:lvl2pPr marL="457200" indent="0">
+              <a:buNone/>
+              <a:defRPr sz="1200"/>
+            </a:lvl2pPr>
+            <a:lvl3pPr marL="914400" indent="0">
+              <a:buNone/>
+              <a:defRPr sz="1000"/>
+            </a:lvl3pPr>
+            <a:lvl4pPr marL="1371600" indent="0">
+              <a:buNone/>
+              <a:defRPr sz="900"/>
+            </a:lvl4pPr>
+            <a:lvl5pPr marL="1828800" indent="0">
+              <a:buNone/>
+              <a:defRPr sz="900"/>
+            </a:lvl5pPr>
+            <a:lvl6pPr marL="2286000" indent="0">
+              <a:buNone/>
+              <a:defRPr sz="900"/>
+            </a:lvl6pPr>
+            <a:lvl7pPr marL="2743200" indent="0">
+              <a:buNone/>
+              <a:defRPr sz="900"/>
+            </a:lvl7pPr>
+            <a:lvl8pPr marL="3200400" indent="0">
+              <a:buNone/>
+              <a:defRPr sz="900"/>
+            </a:lvl8pPr>
+            <a:lvl9pPr marL="3657600" indent="0">
+              <a:buNone/>
+              <a:defRPr sz="900"/>
+            </a:lvl9pPr>
+          </a:lstStyle>
+          <a:p>
+            <a:pPr lvl="0"/>
+            <a:r>
+              <a:rPr lang="ru-RU"/>
+              <a:t>Образец текста</a:t>
+            </a:r>
+          </a:p>
+        </p:txBody>
+      </p:sp>
+      <p:sp>
+        <p:nvSpPr>
+          <p:cNvPr id="3" name="Date Placeholder 2"/>
+          <p:cNvSpPr>
+            <a:spLocks noGrp="1"/>
+          </p:cNvSpPr>
+          <p:nvPr>
+            <p:ph type="dt" sz="half" idx="10"/>
+          </p:nvPr>
+        </p:nvSpPr>
+        <p:spPr/>
+        <p:txBody>
+          <a:bodyPr/>
+          <a:lstStyle/>
+          <a:p>
+            <a:fld id="{BE6BD1B5-25AD-4A03-9A54-FD939E6B26EF}" type="datetimeFigureOut">
+              <a:rPr lang="ru-RU" smtClean="0"/>
+              <a:t>29.10.2025</a:t>
+            </a:fld>
+            <a:endParaRPr lang="ru-RU"/>
+          </a:p>
+        </p:txBody>
+      </p:sp>
+      <p:sp>
+        <p:nvSpPr>
+          <p:cNvPr id="4" name="Footer Placeholder 3"/>
+          <p:cNvSpPr>
+            <a:spLocks noGrp="1"/>
+          </p:cNvSpPr>
+          <p:nvPr>
+            <p:ph type="ftr" sz="quarter" idx="11"/>
+          </p:nvPr>
+        </p:nvSpPr>
+        <p:spPr/>
+        <p:txBody>
+          <a:bodyPr/>
+          <a:lstStyle/>
+          <a:p>
+            <a:endParaRPr lang="ru-RU"/>
+          </a:p>
+        </p:txBody>
+      </p:sp>
+      <p:sp>
+        <p:nvSpPr>
+          <p:cNvPr id="5" name="Slide Number Placeholder 4"/>
+          <p:cNvSpPr>
+            <a:spLocks noGrp="1"/>
+          </p:cNvSpPr>
+          <p:nvPr>
+            <p:ph type="sldNum" sz="quarter" idx="12"/>
+          </p:nvPr>
+        </p:nvSpPr>
+        <p:spPr/>
+        <p:txBody>
+          <a:bodyPr/>
+          <a:lstStyle/>
+          <a:p>
+            <a:fld id="{B4FE4F12-14CA-4902-92D7-ACEC11A54545}" type="slidenum">
+              <a:rPr lang="ru-RU" smtClean="0"/>
+              <a:t>‹#›</a:t>
+            </a:fld>
+            <a:endParaRPr lang="ru-RU"/>
+          </a:p>
+        </p:txBody>
+      </p:sp>
+    </p:spTree>
+    <p:extLst>
+      <p:ext uri="{BB962C8B-B14F-4D97-AF65-F5344CB8AC3E}">
+        <p14:creationId xmlns:p14="http://schemas.microsoft.com/office/powerpoint/2010/main" val="325999312"/>
+      </p:ext>
+    </p:extLst>
+  </p:cSld>
+  <p:clrMapOvr>
+    <a:masterClrMapping/>
+  </p:clrMapOvr>
+</p:sldLayout>
+</file>
+
+<file path=ppt/slideLayouts/slideLayout15.xml><?xml version="1.0" encoding="utf-8"?>
+<p:sldLayout xmlns:a="http://schemas.openxmlformats.org/drawingml/2006/main" xmlns:r="http://schemas.openxmlformats.org/officeDocument/2006/relationships" xmlns:p="http://schemas.openxmlformats.org/presentationml/2006/main" preserve="1">
+  <p:cSld name="Столбец с тремя рисунками">
+    <p:spTree>
+      <p:nvGrpSpPr>
+        <p:cNvPr id="1" name=""/>
+        <p:cNvGrpSpPr/>
+        <p:nvPr/>
+      </p:nvGrpSpPr>
+      <p:grpSpPr>
+        <a:xfrm>
+          <a:off x="0" y="0"/>
+          <a:ext cx="0" cy="0"/>
+          <a:chOff x="0" y="0"/>
+          <a:chExt cx="0" cy="0"/>
+        </a:xfrm>
+      </p:grpSpPr>
+      <p:sp>
+        <p:nvSpPr>
+          <p:cNvPr id="30" name="Title 1"/>
+          <p:cNvSpPr>
+            <a:spLocks noGrp="1"/>
+          </p:cNvSpPr>
+          <p:nvPr>
+            <p:ph type="title"/>
+          </p:nvPr>
+        </p:nvSpPr>
+        <p:spPr>
+          <a:xfrm>
+            <a:off x="838200" y="365125"/>
+            <a:ext cx="10515600" cy="1325563"/>
+          </a:xfrm>
+        </p:spPr>
+        <p:txBody>
+          <a:bodyPr/>
+          <a:lstStyle/>
+          <a:p>
+            <a:r>
+              <a:rPr lang="ru-RU"/>
+              <a:t>Образец заголовка</a:t>
+            </a:r>
+            <a:endParaRPr lang="en-US" dirty="0"/>
+          </a:p>
+        </p:txBody>
+      </p:sp>
+      <p:sp>
+        <p:nvSpPr>
+          <p:cNvPr id="19" name="Text Placeholder 2"/>
+          <p:cNvSpPr>
+            <a:spLocks noGrp="1"/>
+          </p:cNvSpPr>
+          <p:nvPr>
+            <p:ph type="body" idx="1"/>
+          </p:nvPr>
+        </p:nvSpPr>
+        <p:spPr>
+          <a:xfrm>
+            <a:off x="1332085" y="4297503"/>
+            <a:ext cx="2940050" cy="576262"/>
+          </a:xfrm>
+        </p:spPr>
+        <p:txBody>
+          <a:bodyPr anchor="b">
+            <a:noAutofit/>
+          </a:bodyPr>
+          <a:lstStyle>
+            <a:lvl1pPr marL="0" indent="0">
+              <a:buNone/>
+              <a:defRPr sz="2400" b="0">
+                <a:gradFill>
+                  <a:gsLst>
+                    <a:gs pos="34000">
+                      <a:schemeClr val="tx1">
+                        <a:lumMod val="93000"/>
+                      </a:schemeClr>
+                    </a:gs>
+                    <a:gs pos="0">
+                      <a:schemeClr val="bg1">
+                        <a:lumMod val="41000"/>
+                        <a:lumOff val="59000"/>
+                      </a:schemeClr>
+                    </a:gs>
+                    <a:gs pos="100000">
+                      <a:schemeClr val="tx2">
+                        <a:lumMod val="0"/>
+                        <a:lumOff val="100000"/>
+                      </a:schemeClr>
+                    </a:gs>
+                  </a:gsLst>
+                  <a:lin ang="4800000" scaled="0"/>
+                </a:gradFill>
+              </a:defRPr>
+            </a:lvl1pPr>
+            <a:lvl2pPr marL="457200" indent="0">
+              <a:buNone/>
+              <a:defRPr sz="2000" b="1"/>
+            </a:lvl2pPr>
+            <a:lvl3pPr marL="914400" indent="0">
+              <a:buNone/>
+              <a:defRPr sz="1800" b="1"/>
+            </a:lvl3pPr>
+            <a:lvl4pPr marL="1371600" indent="0">
+              <a:buNone/>
+              <a:defRPr sz="1600" b="1"/>
+            </a:lvl4pPr>
+            <a:lvl5pPr marL="1828800" indent="0">
+              <a:buNone/>
+              <a:defRPr sz="1600" b="1"/>
+            </a:lvl5pPr>
+            <a:lvl6pPr marL="2286000" indent="0">
+              <a:buNone/>
+              <a:defRPr sz="1600" b="1"/>
+            </a:lvl6pPr>
+            <a:lvl7pPr marL="2743200" indent="0">
+              <a:buNone/>
+              <a:defRPr sz="1600" b="1"/>
+            </a:lvl7pPr>
+            <a:lvl8pPr marL="3200400" indent="0">
+              <a:buNone/>
+              <a:defRPr sz="1600" b="1"/>
+            </a:lvl8pPr>
+            <a:lvl9pPr marL="3657600" indent="0">
+              <a:buNone/>
+              <a:defRPr sz="1600" b="1"/>
+            </a:lvl9pPr>
+          </a:lstStyle>
+          <a:p>
+            <a:pPr lvl="0"/>
+            <a:r>
+              <a:rPr lang="ru-RU"/>
+              <a:t>Образец текста</a:t>
+            </a:r>
+          </a:p>
+        </p:txBody>
+      </p:sp>
+      <p:sp>
+        <p:nvSpPr>
+          <p:cNvPr id="20" name="Picture Placeholder 2"/>
+          <p:cNvSpPr>
+            <a:spLocks noGrp="1" noChangeAspect="1"/>
+          </p:cNvSpPr>
+          <p:nvPr>
+            <p:ph type="pic" idx="15"/>
+          </p:nvPr>
+        </p:nvSpPr>
+        <p:spPr>
+          <a:xfrm>
+            <a:off x="1332085" y="2256354"/>
+            <a:ext cx="2940050" cy="1524000"/>
+          </a:xfrm>
+          <a:prstGeom prst="roundRect">
+            <a:avLst>
+              <a:gd name="adj" fmla="val 1858"/>
+            </a:avLst>
+          </a:prstGeom>
+          <a:effectLst>
+            <a:outerShdw blurRad="50800" dist="50800" dir="5400000" algn="tl" rotWithShape="0">
+              <a:srgbClr val="000000">
+                <a:alpha val="43000"/>
+              </a:srgbClr>
+            </a:outerShdw>
+          </a:effectLst>
+        </p:spPr>
+        <p:txBody>
+          <a:bodyPr anchor="t">
+            <a:normAutofit/>
+          </a:bodyPr>
+          <a:lstStyle>
+            <a:lvl1pPr marL="0" indent="0" algn="ctr">
+              <a:buNone/>
+              <a:defRPr sz="1600"/>
+            </a:lvl1pPr>
+            <a:lvl2pPr marL="457200" indent="0">
+              <a:buNone/>
+              <a:defRPr sz="1600"/>
+            </a:lvl2pPr>
+            <a:lvl3pPr marL="914400" indent="0">
+              <a:buNone/>
+              <a:defRPr sz="1600"/>
+            </a:lvl3pPr>
+            <a:lvl4pPr marL="1371600" indent="0">
+              <a:buNone/>
+              <a:defRPr sz="1600"/>
+            </a:lvl4pPr>
+            <a:lvl5pPr marL="1828800" indent="0">
+              <a:buNone/>
+              <a:defRPr sz="1600"/>
+            </a:lvl5pPr>
+            <a:lvl6pPr marL="2286000" indent="0">
+              <a:buNone/>
+              <a:defRPr sz="1600"/>
+            </a:lvl6pPr>
+            <a:lvl7pPr marL="2743200" indent="0">
+              <a:buNone/>
+              <a:defRPr sz="1600"/>
+            </a:lvl7pPr>
+            <a:lvl8pPr marL="3200400" indent="0">
+              <a:buNone/>
+              <a:defRPr sz="1600"/>
+            </a:lvl8pPr>
+            <a:lvl9pPr marL="3657600" indent="0">
+              <a:buNone/>
+              <a:defRPr sz="1600"/>
+            </a:lvl9pPr>
+          </a:lstStyle>
+          <a:p>
+            <a:r>
+              <a:rPr lang="ru-RU"/>
+              <a:t>Вставка рисунка</a:t>
+            </a:r>
+            <a:endParaRPr lang="en-US" dirty="0"/>
+          </a:p>
+        </p:txBody>
+      </p:sp>
+      <p:sp>
+        <p:nvSpPr>
+          <p:cNvPr id="21" name="Text Placeholder 3"/>
+          <p:cNvSpPr>
+            <a:spLocks noGrp="1"/>
+          </p:cNvSpPr>
+          <p:nvPr>
+            <p:ph type="body" sz="half" idx="18"/>
+          </p:nvPr>
+        </p:nvSpPr>
+        <p:spPr>
+          <a:xfrm>
+            <a:off x="1332085" y="4873765"/>
+            <a:ext cx="2940050" cy="659189"/>
+          </a:xfrm>
+        </p:spPr>
+        <p:txBody>
+          <a:bodyPr anchor="t">
+            <a:normAutofit/>
+          </a:bodyPr>
+          <a:lstStyle>
+            <a:lvl1pPr marL="0" indent="0">
+              <a:buNone/>
+              <a:defRPr sz="1400"/>
+            </a:lvl1pPr>
+            <a:lvl2pPr marL="457200" indent="0">
+              <a:buNone/>
+              <a:defRPr sz="1200"/>
+            </a:lvl2pPr>
+            <a:lvl3pPr marL="914400" indent="0">
+              <a:buNone/>
+              <a:defRPr sz="1000"/>
+            </a:lvl3pPr>
+            <a:lvl4pPr marL="1371600" indent="0">
+              <a:buNone/>
+              <a:defRPr sz="900"/>
+            </a:lvl4pPr>
+            <a:lvl5pPr marL="1828800" indent="0">
+              <a:buNone/>
+              <a:defRPr sz="900"/>
+            </a:lvl5pPr>
+            <a:lvl6pPr marL="2286000" indent="0">
+              <a:buNone/>
+              <a:defRPr sz="900"/>
+            </a:lvl6pPr>
+            <a:lvl7pPr marL="2743200" indent="0">
+              <a:buNone/>
+              <a:defRPr sz="900"/>
+            </a:lvl7pPr>
+            <a:lvl8pPr marL="3200400" indent="0">
+              <a:buNone/>
+              <a:defRPr sz="900"/>
+            </a:lvl8pPr>
+            <a:lvl9pPr marL="3657600" indent="0">
+              <a:buNone/>
+              <a:defRPr sz="900"/>
+            </a:lvl9pPr>
+          </a:lstStyle>
+          <a:p>
+            <a:pPr lvl="0"/>
+            <a:r>
+              <a:rPr lang="ru-RU"/>
+              <a:t>Образец текста</a:t>
+            </a:r>
+          </a:p>
+        </p:txBody>
+      </p:sp>
+      <p:sp>
+        <p:nvSpPr>
+          <p:cNvPr id="22" name="Text Placeholder 4"/>
+          <p:cNvSpPr>
+            <a:spLocks noGrp="1"/>
+          </p:cNvSpPr>
+          <p:nvPr>
+            <p:ph type="body" sz="quarter" idx="3"/>
+          </p:nvPr>
+        </p:nvSpPr>
+        <p:spPr>
+          <a:xfrm>
+            <a:off x="4568997" y="4297503"/>
+            <a:ext cx="2930525" cy="576262"/>
+          </a:xfrm>
+        </p:spPr>
+        <p:txBody>
+          <a:bodyPr anchor="b">
+            <a:noAutofit/>
+          </a:bodyPr>
+          <a:lstStyle>
+            <a:lvl1pPr marL="0" indent="0">
+              <a:buNone/>
+              <a:defRPr sz="2400" b="0">
+                <a:gradFill>
+                  <a:gsLst>
+                    <a:gs pos="34000">
+                      <a:schemeClr val="tx1">
+                        <a:lumMod val="93000"/>
+                      </a:schemeClr>
+                    </a:gs>
+                    <a:gs pos="0">
+                      <a:schemeClr val="bg1">
+                        <a:lumMod val="41000"/>
+                        <a:lumOff val="59000"/>
+                      </a:schemeClr>
+                    </a:gs>
+                    <a:gs pos="100000">
+                      <a:schemeClr val="tx2">
+                        <a:lumMod val="0"/>
+                        <a:lumOff val="100000"/>
+                      </a:schemeClr>
+                    </a:gs>
+                  </a:gsLst>
+                  <a:lin ang="4800000" scaled="0"/>
+                </a:gradFill>
+              </a:defRPr>
+            </a:lvl1pPr>
+            <a:lvl2pPr marL="457200" indent="0">
+              <a:buNone/>
+              <a:defRPr sz="2000" b="1"/>
+            </a:lvl2pPr>
+            <a:lvl3pPr marL="914400" indent="0">
+              <a:buNone/>
+              <a:defRPr sz="1800" b="1"/>
+            </a:lvl3pPr>
+            <a:lvl4pPr marL="1371600" indent="0">
+              <a:buNone/>
+              <a:defRPr sz="1600" b="1"/>
+            </a:lvl4pPr>
+            <a:lvl5pPr marL="1828800" indent="0">
+              <a:buNone/>
+              <a:defRPr sz="1600" b="1"/>
+            </a:lvl5pPr>
+            <a:lvl6pPr marL="2286000" indent="0">
+              <a:buNone/>
+              <a:defRPr sz="1600" b="1"/>
+            </a:lvl6pPr>
+            <a:lvl7pPr marL="2743200" indent="0">
+              <a:buNone/>
+              <a:defRPr sz="1600" b="1"/>
+            </a:lvl7pPr>
+            <a:lvl8pPr marL="3200400" indent="0">
+              <a:buNone/>
+              <a:defRPr sz="1600" b="1"/>
+            </a:lvl8pPr>
+            <a:lvl9pPr marL="3657600" indent="0">
+              <a:buNone/>
+              <a:defRPr sz="1600" b="1"/>
+            </a:lvl9pPr>
+          </a:lstStyle>
+          <a:p>
+            <a:pPr lvl="0"/>
+            <a:r>
+              <a:rPr lang="ru-RU"/>
+              <a:t>Образец текста</a:t>
+            </a:r>
+          </a:p>
+        </p:txBody>
+      </p:sp>
+      <p:sp>
+        <p:nvSpPr>
+          <p:cNvPr id="23" name="Picture Placeholder 2"/>
+          <p:cNvSpPr>
+            <a:spLocks noGrp="1" noChangeAspect="1"/>
+          </p:cNvSpPr>
+          <p:nvPr>
+            <p:ph type="pic" idx="21"/>
+          </p:nvPr>
+        </p:nvSpPr>
+        <p:spPr>
+          <a:xfrm>
+            <a:off x="4568996" y="2256354"/>
+            <a:ext cx="2930525" cy="1524000"/>
+          </a:xfrm>
+          <a:prstGeom prst="roundRect">
+            <a:avLst>
+              <a:gd name="adj" fmla="val 1858"/>
+            </a:avLst>
+          </a:prstGeom>
+          <a:effectLst>
+            <a:outerShdw blurRad="50800" dist="50800" dir="5400000" algn="tl" rotWithShape="0">
+              <a:srgbClr val="000000">
+                <a:alpha val="43000"/>
+              </a:srgbClr>
+            </a:outerShdw>
+          </a:effectLst>
+        </p:spPr>
+        <p:txBody>
+          <a:bodyPr anchor="t">
+            <a:normAutofit/>
+          </a:bodyPr>
+          <a:lstStyle>
+            <a:lvl1pPr marL="0" indent="0" algn="ctr">
+              <a:buNone/>
+              <a:defRPr sz="1600"/>
+            </a:lvl1pPr>
+            <a:lvl2pPr marL="457200" indent="0">
+              <a:buNone/>
+              <a:defRPr sz="1600"/>
+            </a:lvl2pPr>
+            <a:lvl3pPr marL="914400" indent="0">
+              <a:buNone/>
+              <a:defRPr sz="1600"/>
+            </a:lvl3pPr>
+            <a:lvl4pPr marL="1371600" indent="0">
+              <a:buNone/>
+              <a:defRPr sz="1600"/>
+            </a:lvl4pPr>
+            <a:lvl5pPr marL="1828800" indent="0">
+              <a:buNone/>
+              <a:defRPr sz="1600"/>
+            </a:lvl5pPr>
+            <a:lvl6pPr marL="2286000" indent="0">
+              <a:buNone/>
+              <a:defRPr sz="1600"/>
+            </a:lvl6pPr>
+            <a:lvl7pPr marL="2743200" indent="0">
+              <a:buNone/>
+              <a:defRPr sz="1600"/>
+            </a:lvl7pPr>
+            <a:lvl8pPr marL="3200400" indent="0">
+              <a:buNone/>
+              <a:defRPr sz="1600"/>
+            </a:lvl8pPr>
+            <a:lvl9pPr marL="3657600" indent="0">
+              <a:buNone/>
+              <a:defRPr sz="1600"/>
+            </a:lvl9pPr>
+          </a:lstStyle>
+          <a:p>
+            <a:r>
+              <a:rPr lang="ru-RU"/>
+              <a:t>Вставка рисунка</a:t>
+            </a:r>
+            <a:endParaRPr lang="en-US" dirty="0"/>
+          </a:p>
+        </p:txBody>
+      </p:sp>
+      <p:sp>
+        <p:nvSpPr>
+          <p:cNvPr id="24" name="Text Placeholder 3"/>
+          <p:cNvSpPr>
+            <a:spLocks noGrp="1"/>
+          </p:cNvSpPr>
+          <p:nvPr>
+            <p:ph type="body" sz="half" idx="19"/>
+          </p:nvPr>
+        </p:nvSpPr>
+        <p:spPr>
+          <a:xfrm>
+            <a:off x="4567644" y="4873764"/>
+            <a:ext cx="2934406" cy="659189"/>
+          </a:xfrm>
+        </p:spPr>
+        <p:txBody>
+          <a:bodyPr anchor="t">
+            <a:normAutofit/>
+          </a:bodyPr>
+          <a:lstStyle>
+            <a:lvl1pPr marL="0" indent="0">
+              <a:buNone/>
+              <a:defRPr sz="1400"/>
+            </a:lvl1pPr>
+            <a:lvl2pPr marL="457200" indent="0">
+              <a:buNone/>
+              <a:defRPr sz="1200"/>
+            </a:lvl2pPr>
+            <a:lvl3pPr marL="914400" indent="0">
+              <a:buNone/>
+              <a:defRPr sz="1000"/>
+            </a:lvl3pPr>
+            <a:lvl4pPr marL="1371600" indent="0">
+              <a:buNone/>
+              <a:defRPr sz="900"/>
+            </a:lvl4pPr>
+            <a:lvl5pPr marL="1828800" indent="0">
+              <a:buNone/>
+              <a:defRPr sz="900"/>
+            </a:lvl5pPr>
+            <a:lvl6pPr marL="2286000" indent="0">
+              <a:buNone/>
+              <a:defRPr sz="900"/>
+            </a:lvl6pPr>
+            <a:lvl7pPr marL="2743200" indent="0">
+              <a:buNone/>
+              <a:defRPr sz="900"/>
+            </a:lvl7pPr>
+            <a:lvl8pPr marL="3200400" indent="0">
+              <a:buNone/>
+              <a:defRPr sz="900"/>
+            </a:lvl8pPr>
+            <a:lvl9pPr marL="3657600" indent="0">
+              <a:buNone/>
+              <a:defRPr sz="900"/>
+            </a:lvl9pPr>
+          </a:lstStyle>
+          <a:p>
+            <a:pPr lvl="0"/>
+            <a:r>
+              <a:rPr lang="ru-RU"/>
+              <a:t>Образец текста</a:t>
+            </a:r>
+          </a:p>
+        </p:txBody>
+      </p:sp>
+      <p:sp>
+        <p:nvSpPr>
+          <p:cNvPr id="25" name="Text Placeholder 4"/>
+          <p:cNvSpPr>
+            <a:spLocks noGrp="1"/>
+          </p:cNvSpPr>
+          <p:nvPr>
+            <p:ph type="body" sz="quarter" idx="13"/>
+          </p:nvPr>
+        </p:nvSpPr>
+        <p:spPr>
+          <a:xfrm>
+            <a:off x="7804322" y="4297503"/>
+            <a:ext cx="2932113" cy="576262"/>
+          </a:xfrm>
+        </p:spPr>
+        <p:txBody>
+          <a:bodyPr anchor="b">
+            <a:noAutofit/>
+          </a:bodyPr>
+          <a:lstStyle>
+            <a:lvl1pPr marL="0" indent="0">
+              <a:buNone/>
+              <a:defRPr sz="2400" b="0">
+                <a:gradFill>
+                  <a:gsLst>
+                    <a:gs pos="34000">
+                      <a:schemeClr val="tx1">
+                        <a:lumMod val="93000"/>
+                      </a:schemeClr>
+                    </a:gs>
+                    <a:gs pos="0">
+                      <a:schemeClr val="bg1">
+                        <a:lumMod val="41000"/>
+                        <a:lumOff val="59000"/>
+                      </a:schemeClr>
+                    </a:gs>
+                    <a:gs pos="100000">
+                      <a:schemeClr val="tx2">
+                        <a:lumMod val="0"/>
+                        <a:lumOff val="100000"/>
+                      </a:schemeClr>
+                    </a:gs>
+                  </a:gsLst>
+                  <a:lin ang="4800000" scaled="0"/>
+                </a:gradFill>
+              </a:defRPr>
+            </a:lvl1pPr>
+            <a:lvl2pPr marL="457200" indent="0">
+              <a:buNone/>
+              <a:defRPr sz="2000" b="1"/>
+            </a:lvl2pPr>
+            <a:lvl3pPr marL="914400" indent="0">
+              <a:buNone/>
+              <a:defRPr sz="1800" b="1"/>
+            </a:lvl3pPr>
+            <a:lvl4pPr marL="1371600" indent="0">
+              <a:buNone/>
+              <a:defRPr sz="1600" b="1"/>
+            </a:lvl4pPr>
+            <a:lvl5pPr marL="1828800" indent="0">
+              <a:buNone/>
+              <a:defRPr sz="1600" b="1"/>
+            </a:lvl5pPr>
+            <a:lvl6pPr marL="2286000" indent="0">
+              <a:buNone/>
+              <a:defRPr sz="1600" b="1"/>
+            </a:lvl6pPr>
+            <a:lvl7pPr marL="2743200" indent="0">
+              <a:buNone/>
+              <a:defRPr sz="1600" b="1"/>
+            </a:lvl7pPr>
+            <a:lvl8pPr marL="3200400" indent="0">
+              <a:buNone/>
+              <a:defRPr sz="1600" b="1"/>
+            </a:lvl8pPr>
+            <a:lvl9pPr marL="3657600" indent="0">
+              <a:buNone/>
+              <a:defRPr sz="1600" b="1"/>
+            </a:lvl9pPr>
+          </a:lstStyle>
+          <a:p>
+            <a:pPr lvl="0"/>
+            <a:r>
+              <a:rPr lang="ru-RU"/>
+              <a:t>Образец текста</a:t>
+            </a:r>
+          </a:p>
+        </p:txBody>
+      </p:sp>
+      <p:sp>
+        <p:nvSpPr>
+          <p:cNvPr id="26" name="Picture Placeholder 2"/>
+          <p:cNvSpPr>
+            <a:spLocks noGrp="1" noChangeAspect="1"/>
+          </p:cNvSpPr>
+          <p:nvPr>
+            <p:ph type="pic" idx="22"/>
+          </p:nvPr>
+        </p:nvSpPr>
+        <p:spPr>
+          <a:xfrm>
+            <a:off x="7804321" y="2256354"/>
+            <a:ext cx="2932113" cy="1524000"/>
+          </a:xfrm>
+          <a:prstGeom prst="roundRect">
+            <a:avLst>
+              <a:gd name="adj" fmla="val 1858"/>
+            </a:avLst>
+          </a:prstGeom>
+          <a:effectLst>
+            <a:outerShdw blurRad="50800" dist="50800" dir="5400000" algn="tl" rotWithShape="0">
+              <a:srgbClr val="000000">
+                <a:alpha val="43000"/>
+              </a:srgbClr>
+            </a:outerShdw>
+          </a:effectLst>
+        </p:spPr>
+        <p:txBody>
+          <a:bodyPr anchor="t">
+            <a:normAutofit/>
+          </a:bodyPr>
+          <a:lstStyle>
+            <a:lvl1pPr marL="0" indent="0" algn="ctr">
+              <a:buNone/>
+              <a:defRPr sz="1600"/>
+            </a:lvl1pPr>
+            <a:lvl2pPr marL="457200" indent="0">
+              <a:buNone/>
+              <a:defRPr sz="1600"/>
+            </a:lvl2pPr>
+            <a:lvl3pPr marL="914400" indent="0">
+              <a:buNone/>
+              <a:defRPr sz="1600"/>
+            </a:lvl3pPr>
+            <a:lvl4pPr marL="1371600" indent="0">
+              <a:buNone/>
+              <a:defRPr sz="1600"/>
+            </a:lvl4pPr>
+            <a:lvl5pPr marL="1828800" indent="0">
+              <a:buNone/>
+              <a:defRPr sz="1600"/>
+            </a:lvl5pPr>
+            <a:lvl6pPr marL="2286000" indent="0">
+              <a:buNone/>
+              <a:defRPr sz="1600"/>
+            </a:lvl6pPr>
+            <a:lvl7pPr marL="2743200" indent="0">
+              <a:buNone/>
+              <a:defRPr sz="1600"/>
+            </a:lvl7pPr>
+            <a:lvl8pPr marL="3200400" indent="0">
+              <a:buNone/>
+              <a:defRPr sz="1600"/>
+            </a:lvl8pPr>
+            <a:lvl9pPr marL="3657600" indent="0">
+              <a:buNone/>
+              <a:defRPr sz="1600"/>
+            </a:lvl9pPr>
+          </a:lstStyle>
+          <a:p>
+            <a:r>
+              <a:rPr lang="ru-RU"/>
+              <a:t>Вставка рисунка</a:t>
+            </a:r>
+            <a:endParaRPr lang="en-US" dirty="0"/>
+          </a:p>
+        </p:txBody>
+      </p:sp>
+      <p:sp>
+        <p:nvSpPr>
+          <p:cNvPr id="27" name="Text Placeholder 3"/>
+          <p:cNvSpPr>
+            <a:spLocks noGrp="1"/>
+          </p:cNvSpPr>
+          <p:nvPr>
+            <p:ph type="body" sz="half" idx="20"/>
+          </p:nvPr>
+        </p:nvSpPr>
+        <p:spPr>
+          <a:xfrm>
+            <a:off x="7804197" y="4873762"/>
+            <a:ext cx="2935997" cy="659189"/>
+          </a:xfrm>
+        </p:spPr>
+        <p:txBody>
+          <a:bodyPr anchor="t">
+            <a:normAutofit/>
+          </a:bodyPr>
+          <a:lstStyle>
+            <a:lvl1pPr marL="0" indent="0">
+              <a:buNone/>
+              <a:defRPr sz="1400"/>
+            </a:lvl1pPr>
+            <a:lvl2pPr marL="457200" indent="0">
+              <a:buNone/>
+              <a:defRPr sz="1200"/>
+            </a:lvl2pPr>
+            <a:lvl3pPr marL="914400" indent="0">
+              <a:buNone/>
+              <a:defRPr sz="1000"/>
+            </a:lvl3pPr>
+            <a:lvl4pPr marL="1371600" indent="0">
+              <a:buNone/>
+              <a:defRPr sz="900"/>
+            </a:lvl4pPr>
+            <a:lvl5pPr marL="1828800" indent="0">
+              <a:buNone/>
+              <a:defRPr sz="900"/>
+            </a:lvl5pPr>
+            <a:lvl6pPr marL="2286000" indent="0">
+              <a:buNone/>
+              <a:defRPr sz="900"/>
+            </a:lvl6pPr>
+            <a:lvl7pPr marL="2743200" indent="0">
+              <a:buNone/>
+              <a:defRPr sz="900"/>
+            </a:lvl7pPr>
+            <a:lvl8pPr marL="3200400" indent="0">
+              <a:buNone/>
+              <a:defRPr sz="900"/>
+            </a:lvl8pPr>
+            <a:lvl9pPr marL="3657600" indent="0">
+              <a:buNone/>
+              <a:defRPr sz="900"/>
+            </a:lvl9pPr>
+          </a:lstStyle>
+          <a:p>
+            <a:pPr lvl="0"/>
+            <a:r>
+              <a:rPr lang="ru-RU"/>
+              <a:t>Образец текста</a:t>
+            </a:r>
+          </a:p>
+        </p:txBody>
+      </p:sp>
+      <p:sp>
+        <p:nvSpPr>
+          <p:cNvPr id="3" name="Date Placeholder 2"/>
+          <p:cNvSpPr>
+            <a:spLocks noGrp="1"/>
+          </p:cNvSpPr>
+          <p:nvPr>
+            <p:ph type="dt" sz="half" idx="10"/>
+          </p:nvPr>
+        </p:nvSpPr>
+        <p:spPr/>
+        <p:txBody>
+          <a:bodyPr/>
+          <a:lstStyle/>
+          <a:p>
+            <a:fld id="{BE6BD1B5-25AD-4A03-9A54-FD939E6B26EF}" type="datetimeFigureOut">
+              <a:rPr lang="ru-RU" smtClean="0"/>
+              <a:t>29.10.2025</a:t>
+            </a:fld>
+            <a:endParaRPr lang="ru-RU"/>
+          </a:p>
+        </p:txBody>
+      </p:sp>
+      <p:sp>
+        <p:nvSpPr>
+          <p:cNvPr id="4" name="Footer Placeholder 3"/>
+          <p:cNvSpPr>
+            <a:spLocks noGrp="1"/>
+          </p:cNvSpPr>
+          <p:nvPr>
+            <p:ph type="ftr" sz="quarter" idx="11"/>
+          </p:nvPr>
+        </p:nvSpPr>
+        <p:spPr/>
+        <p:txBody>
+          <a:bodyPr/>
+          <a:lstStyle/>
+          <a:p>
+            <a:endParaRPr lang="ru-RU"/>
+          </a:p>
+        </p:txBody>
+      </p:sp>
+      <p:sp>
+        <p:nvSpPr>
+          <p:cNvPr id="5" name="Slide Number Placeholder 4"/>
+          <p:cNvSpPr>
+            <a:spLocks noGrp="1"/>
+          </p:cNvSpPr>
+          <p:nvPr>
+            <p:ph type="sldNum" sz="quarter" idx="12"/>
+          </p:nvPr>
+        </p:nvSpPr>
+        <p:spPr/>
+        <p:txBody>
+          <a:bodyPr/>
+          <a:lstStyle/>
+          <a:p>
+            <a:fld id="{B4FE4F12-14CA-4902-92D7-ACEC11A54545}" type="slidenum">
+              <a:rPr lang="ru-RU" smtClean="0"/>
+              <a:t>‹#›</a:t>
+            </a:fld>
+            <a:endParaRPr lang="ru-RU"/>
+          </a:p>
+        </p:txBody>
+      </p:sp>
+    </p:spTree>
+    <p:extLst>
+      <p:ext uri="{BB962C8B-B14F-4D97-AF65-F5344CB8AC3E}">
+        <p14:creationId xmlns:p14="http://schemas.microsoft.com/office/powerpoint/2010/main" val="1278288336"/>
+      </p:ext>
+    </p:extLst>
+  </p:cSld>
+  <p:clrMapOvr>
+    <a:masterClrMapping/>
+  </p:clrMapOvr>
+</p:sldLayout>
+</file>
+
+<file path=ppt/slideLayouts/slideLayout16.xml><?xml version="1.0" encoding="utf-8"?>
 <p:sldLayout xmlns:a="http://schemas.openxmlformats.org/drawingml/2006/main" xmlns:r="http://schemas.openxmlformats.org/officeDocument/2006/relationships" xmlns:p="http://schemas.openxmlformats.org/presentationml/2006/main" type="vertTx" preserve="1">
   <p:cSld name="Заголовок и вертикальный текст">
     <p:spTree>
@@ -368,13 +2943,7 @@
       </p:grpSpPr>
       <p:sp>
         <p:nvSpPr>
-          <p:cNvPr id="2" name="Заголовок 1">
-            <a:extLst>
-              <a:ext uri="{FF2B5EF4-FFF2-40B4-BE49-F238E27FC236}">
-                <a16:creationId xmlns:a16="http://schemas.microsoft.com/office/drawing/2014/main" id="{6837CAA2-E2BA-4673-B973-7C7ADE5E7434}"/>
-              </a:ext>
-            </a:extLst>
-          </p:cNvPr>
+          <p:cNvPr id="2" name="Title 1"/>
           <p:cNvSpPr>
             <a:spLocks noGrp="1"/>
           </p:cNvSpPr>
@@ -391,18 +2960,13 @@
               <a:rPr lang="ru-RU"/>
               <a:t>Образец заголовка</a:t>
             </a:r>
-          </a:p>
-        </p:txBody>
-      </p:sp>
-      <p:sp>
-        <p:nvSpPr>
-          <p:cNvPr id="3" name="Вертикальный текст 2">
-            <a:extLst>
-              <a:ext uri="{FF2B5EF4-FFF2-40B4-BE49-F238E27FC236}">
-                <a16:creationId xmlns:a16="http://schemas.microsoft.com/office/drawing/2014/main" id="{E44EE9CD-6B4B-4554-822F-EF7825E31366}"/>
-              </a:ext>
-            </a:extLst>
-          </p:cNvPr>
+            <a:endParaRPr lang="en-US" dirty="0"/>
+          </a:p>
+        </p:txBody>
+      </p:sp>
+      <p:sp>
+        <p:nvSpPr>
+          <p:cNvPr id="3" name="Vertical Text Placeholder 2"/>
           <p:cNvSpPr>
             <a:spLocks noGrp="1"/>
           </p:cNvSpPr>
@@ -448,18 +3012,13 @@
               <a:rPr lang="ru-RU"/>
               <a:t>Пятый уровень</a:t>
             </a:r>
-          </a:p>
-        </p:txBody>
-      </p:sp>
-      <p:sp>
-        <p:nvSpPr>
-          <p:cNvPr id="4" name="Дата 3">
-            <a:extLst>
-              <a:ext uri="{FF2B5EF4-FFF2-40B4-BE49-F238E27FC236}">
-                <a16:creationId xmlns:a16="http://schemas.microsoft.com/office/drawing/2014/main" id="{7EB209B7-3242-4CD3-A6B2-6074BE2D8423}"/>
-              </a:ext>
-            </a:extLst>
-          </p:cNvPr>
+            <a:endParaRPr lang="en-US" dirty="0"/>
+          </a:p>
+        </p:txBody>
+      </p:sp>
+      <p:sp>
+        <p:nvSpPr>
+          <p:cNvPr id="4" name="Date Placeholder 3"/>
           <p:cNvSpPr>
             <a:spLocks noGrp="1"/>
           </p:cNvSpPr>
@@ -482,13 +3041,7 @@
       </p:sp>
       <p:sp>
         <p:nvSpPr>
-          <p:cNvPr id="5" name="Нижний колонтитул 4">
-            <a:extLst>
-              <a:ext uri="{FF2B5EF4-FFF2-40B4-BE49-F238E27FC236}">
-                <a16:creationId xmlns:a16="http://schemas.microsoft.com/office/drawing/2014/main" id="{3CD69B3C-5A4A-4B75-BBB8-87C97111F903}"/>
-              </a:ext>
-            </a:extLst>
-          </p:cNvPr>
+          <p:cNvPr id="5" name="Footer Placeholder 4"/>
           <p:cNvSpPr>
             <a:spLocks noGrp="1"/>
           </p:cNvSpPr>
@@ -507,13 +3060,7 @@
       </p:sp>
       <p:sp>
         <p:nvSpPr>
-          <p:cNvPr id="6" name="Номер слайда 5">
-            <a:extLst>
-              <a:ext uri="{FF2B5EF4-FFF2-40B4-BE49-F238E27FC236}">
-                <a16:creationId xmlns:a16="http://schemas.microsoft.com/office/drawing/2014/main" id="{26B2C255-599C-42C2-815F-45DAAF30D4E9}"/>
-              </a:ext>
-            </a:extLst>
-          </p:cNvPr>
+          <p:cNvPr id="6" name="Slide Number Placeholder 5"/>
           <p:cNvSpPr>
             <a:spLocks noGrp="1"/>
           </p:cNvSpPr>
@@ -537,7 +3084,7 @@
     </p:spTree>
     <p:extLst>
       <p:ext uri="{BB962C8B-B14F-4D97-AF65-F5344CB8AC3E}">
-        <p14:creationId xmlns:p14="http://schemas.microsoft.com/office/powerpoint/2010/main" val="3552337205"/>
+        <p14:creationId xmlns:p14="http://schemas.microsoft.com/office/powerpoint/2010/main" val="4202698468"/>
       </p:ext>
     </p:extLst>
   </p:cSld>
@@ -547,7 +3094,7 @@
 </p:sldLayout>
 </file>
 
-<file path=ppt/slideLayouts/slideLayout11.xml><?xml version="1.0" encoding="utf-8"?>
+<file path=ppt/slideLayouts/slideLayout17.xml><?xml version="1.0" encoding="utf-8"?>
 <p:sldLayout xmlns:a="http://schemas.openxmlformats.org/drawingml/2006/main" xmlns:r="http://schemas.openxmlformats.org/officeDocument/2006/relationships" xmlns:p="http://schemas.openxmlformats.org/presentationml/2006/main" type="vertTitleAndTx" preserve="1">
   <p:cSld name="Вертикальный заголовок и текст">
     <p:spTree>
@@ -566,13 +3113,7 @@
       </p:grpSpPr>
       <p:sp>
         <p:nvSpPr>
-          <p:cNvPr id="2" name="Вертикальный заголовок 1">
-            <a:extLst>
-              <a:ext uri="{FF2B5EF4-FFF2-40B4-BE49-F238E27FC236}">
-                <a16:creationId xmlns:a16="http://schemas.microsoft.com/office/drawing/2014/main" id="{A29E248A-286D-488D-8D46-7491BA1FDFA5}"/>
-              </a:ext>
-            </a:extLst>
-          </p:cNvPr>
+          <p:cNvPr id="2" name="Vertical Title 1"/>
           <p:cNvSpPr>
             <a:spLocks noGrp="1"/>
           </p:cNvSpPr>
@@ -594,18 +3135,13 @@
               <a:rPr lang="ru-RU"/>
               <a:t>Образец заголовка</a:t>
             </a:r>
-          </a:p>
-        </p:txBody>
-      </p:sp>
-      <p:sp>
-        <p:nvSpPr>
-          <p:cNvPr id="3" name="Вертикальный текст 2">
-            <a:extLst>
-              <a:ext uri="{FF2B5EF4-FFF2-40B4-BE49-F238E27FC236}">
-                <a16:creationId xmlns:a16="http://schemas.microsoft.com/office/drawing/2014/main" id="{0620E588-DA3B-4271-ACF1-1036E905A863}"/>
-              </a:ext>
-            </a:extLst>
-          </p:cNvPr>
+            <a:endParaRPr lang="en-US" dirty="0"/>
+          </a:p>
+        </p:txBody>
+      </p:sp>
+      <p:sp>
+        <p:nvSpPr>
+          <p:cNvPr id="3" name="Vertical Text Placeholder 2"/>
           <p:cNvSpPr>
             <a:spLocks noGrp="1"/>
           </p:cNvSpPr>
@@ -656,18 +3192,13 @@
               <a:rPr lang="ru-RU"/>
               <a:t>Пятый уровень</a:t>
             </a:r>
-          </a:p>
-        </p:txBody>
-      </p:sp>
-      <p:sp>
-        <p:nvSpPr>
-          <p:cNvPr id="4" name="Дата 3">
-            <a:extLst>
-              <a:ext uri="{FF2B5EF4-FFF2-40B4-BE49-F238E27FC236}">
-                <a16:creationId xmlns:a16="http://schemas.microsoft.com/office/drawing/2014/main" id="{3D441D20-94A9-4428-9ACC-66B60D3A46D3}"/>
-              </a:ext>
-            </a:extLst>
-          </p:cNvPr>
+            <a:endParaRPr lang="en-US" dirty="0"/>
+          </a:p>
+        </p:txBody>
+      </p:sp>
+      <p:sp>
+        <p:nvSpPr>
+          <p:cNvPr id="4" name="Date Placeholder 3"/>
           <p:cNvSpPr>
             <a:spLocks noGrp="1"/>
           </p:cNvSpPr>
@@ -690,13 +3221,7 @@
       </p:sp>
       <p:sp>
         <p:nvSpPr>
-          <p:cNvPr id="5" name="Нижний колонтитул 4">
-            <a:extLst>
-              <a:ext uri="{FF2B5EF4-FFF2-40B4-BE49-F238E27FC236}">
-                <a16:creationId xmlns:a16="http://schemas.microsoft.com/office/drawing/2014/main" id="{35888089-1CBE-4253-A104-4DA84E4670A8}"/>
-              </a:ext>
-            </a:extLst>
-          </p:cNvPr>
+          <p:cNvPr id="5" name="Footer Placeholder 4"/>
           <p:cNvSpPr>
             <a:spLocks noGrp="1"/>
           </p:cNvSpPr>
@@ -715,13 +3240,7 @@
       </p:sp>
       <p:sp>
         <p:nvSpPr>
-          <p:cNvPr id="6" name="Номер слайда 5">
-            <a:extLst>
-              <a:ext uri="{FF2B5EF4-FFF2-40B4-BE49-F238E27FC236}">
-                <a16:creationId xmlns:a16="http://schemas.microsoft.com/office/drawing/2014/main" id="{C755F4D2-1961-4982-BE93-960249798606}"/>
-              </a:ext>
-            </a:extLst>
-          </p:cNvPr>
+          <p:cNvPr id="6" name="Slide Number Placeholder 5"/>
           <p:cNvSpPr>
             <a:spLocks noGrp="1"/>
           </p:cNvSpPr>
@@ -745,7 +3264,7 @@
     </p:spTree>
     <p:extLst>
       <p:ext uri="{BB962C8B-B14F-4D97-AF65-F5344CB8AC3E}">
-        <p14:creationId xmlns:p14="http://schemas.microsoft.com/office/powerpoint/2010/main" val="344015938"/>
+        <p14:creationId xmlns:p14="http://schemas.microsoft.com/office/powerpoint/2010/main" val="2048089000"/>
       </p:ext>
     </p:extLst>
   </p:cSld>
@@ -774,13 +3293,7 @@
       </p:grpSpPr>
       <p:sp>
         <p:nvSpPr>
-          <p:cNvPr id="2" name="Заголовок 1">
-            <a:extLst>
-              <a:ext uri="{FF2B5EF4-FFF2-40B4-BE49-F238E27FC236}">
-                <a16:creationId xmlns:a16="http://schemas.microsoft.com/office/drawing/2014/main" id="{7BFCDB04-2B92-4805-B080-9494498A9021}"/>
-              </a:ext>
-            </a:extLst>
-          </p:cNvPr>
+          <p:cNvPr id="8" name="Title 1"/>
           <p:cNvSpPr>
             <a:spLocks noGrp="1"/>
           </p:cNvSpPr>
@@ -797,18 +3310,13 @@
               <a:rPr lang="ru-RU"/>
               <a:t>Образец заголовка</a:t>
             </a:r>
-          </a:p>
-        </p:txBody>
-      </p:sp>
-      <p:sp>
-        <p:nvSpPr>
-          <p:cNvPr id="3" name="Объект 2">
-            <a:extLst>
-              <a:ext uri="{FF2B5EF4-FFF2-40B4-BE49-F238E27FC236}">
-                <a16:creationId xmlns:a16="http://schemas.microsoft.com/office/drawing/2014/main" id="{271EA58B-B9F0-4F8A-B3EE-834E489BDCAC}"/>
-              </a:ext>
-            </a:extLst>
-          </p:cNvPr>
+            <a:endParaRPr lang="en-US" dirty="0"/>
+          </a:p>
+        </p:txBody>
+      </p:sp>
+      <p:sp>
+        <p:nvSpPr>
+          <p:cNvPr id="3" name="Content Placeholder 2"/>
           <p:cNvSpPr>
             <a:spLocks noGrp="1"/>
           </p:cNvSpPr>
@@ -854,18 +3362,13 @@
               <a:rPr lang="ru-RU"/>
               <a:t>Пятый уровень</a:t>
             </a:r>
-          </a:p>
-        </p:txBody>
-      </p:sp>
-      <p:sp>
-        <p:nvSpPr>
-          <p:cNvPr id="4" name="Дата 3">
-            <a:extLst>
-              <a:ext uri="{FF2B5EF4-FFF2-40B4-BE49-F238E27FC236}">
-                <a16:creationId xmlns:a16="http://schemas.microsoft.com/office/drawing/2014/main" id="{05A5AD5A-A767-44B8-AE88-AA8CE90A9306}"/>
-              </a:ext>
-            </a:extLst>
-          </p:cNvPr>
+            <a:endParaRPr lang="en-US" dirty="0"/>
+          </a:p>
+        </p:txBody>
+      </p:sp>
+      <p:sp>
+        <p:nvSpPr>
+          <p:cNvPr id="4" name="Date Placeholder 3"/>
           <p:cNvSpPr>
             <a:spLocks noGrp="1"/>
           </p:cNvSpPr>
@@ -888,13 +3391,7 @@
       </p:sp>
       <p:sp>
         <p:nvSpPr>
-          <p:cNvPr id="5" name="Нижний колонтитул 4">
-            <a:extLst>
-              <a:ext uri="{FF2B5EF4-FFF2-40B4-BE49-F238E27FC236}">
-                <a16:creationId xmlns:a16="http://schemas.microsoft.com/office/drawing/2014/main" id="{94909B63-2946-4353-8CCF-37F99A793F7C}"/>
-              </a:ext>
-            </a:extLst>
-          </p:cNvPr>
+          <p:cNvPr id="5" name="Footer Placeholder 4"/>
           <p:cNvSpPr>
             <a:spLocks noGrp="1"/>
           </p:cNvSpPr>
@@ -913,13 +3410,7 @@
       </p:sp>
       <p:sp>
         <p:nvSpPr>
-          <p:cNvPr id="6" name="Номер слайда 5">
-            <a:extLst>
-              <a:ext uri="{FF2B5EF4-FFF2-40B4-BE49-F238E27FC236}">
-                <a16:creationId xmlns:a16="http://schemas.microsoft.com/office/drawing/2014/main" id="{A9AA5AB2-E914-4010-8B60-8A3A75233D3B}"/>
-              </a:ext>
-            </a:extLst>
-          </p:cNvPr>
+          <p:cNvPr id="6" name="Slide Number Placeholder 5"/>
           <p:cNvSpPr>
             <a:spLocks noGrp="1"/>
           </p:cNvSpPr>
@@ -943,7 +3434,7 @@
     </p:spTree>
     <p:extLst>
       <p:ext uri="{BB962C8B-B14F-4D97-AF65-F5344CB8AC3E}">
-        <p14:creationId xmlns:p14="http://schemas.microsoft.com/office/powerpoint/2010/main" val="3530063579"/>
+        <p14:creationId xmlns:p14="http://schemas.microsoft.com/office/powerpoint/2010/main" val="1617321145"/>
       </p:ext>
     </p:extLst>
   </p:cSld>
@@ -972,31 +3463,59 @@
       </p:grpSpPr>
       <p:sp>
         <p:nvSpPr>
-          <p:cNvPr id="2" name="Заголовок 1">
-            <a:extLst>
-              <a:ext uri="{FF2B5EF4-FFF2-40B4-BE49-F238E27FC236}">
-                <a16:creationId xmlns:a16="http://schemas.microsoft.com/office/drawing/2014/main" id="{E139AA3C-80CD-4F1A-A8AB-ED1497176404}"/>
-              </a:ext>
-            </a:extLst>
-          </p:cNvPr>
-          <p:cNvSpPr>
-            <a:spLocks noGrp="1"/>
-          </p:cNvSpPr>
-          <p:nvPr>
-            <p:ph type="title"/>
+          <p:cNvPr id="7" name="Title 1"/>
+          <p:cNvSpPr>
+            <a:spLocks noGrp="1"/>
+          </p:cNvSpPr>
+          <p:nvPr>
+            <p:ph type="ctrTitle"/>
           </p:nvPr>
         </p:nvSpPr>
         <p:spPr>
           <a:xfrm>
-            <a:off x="831850" y="1709738"/>
-            <a:ext cx="10515600" cy="2852737"/>
+            <a:off x="854532" y="4464028"/>
+            <a:ext cx="9144000" cy="1641490"/>
           </a:xfrm>
         </p:spPr>
         <p:txBody>
-          <a:bodyPr anchor="b"/>
+          <a:bodyPr wrap="none" anchor="t">
+            <a:normAutofit/>
+          </a:bodyPr>
           <a:lstStyle>
-            <a:lvl1pPr>
-              <a:defRPr sz="6000"/>
+            <a:lvl1pPr algn="l">
+              <a:defRPr sz="9600" b="0" spc="-300">
+                <a:gradFill flip="none" rotWithShape="1">
+                  <a:gsLst>
+                    <a:gs pos="32000">
+                      <a:schemeClr val="tx1">
+                        <a:lumMod val="89000"/>
+                      </a:schemeClr>
+                    </a:gs>
+                    <a:gs pos="0">
+                      <a:schemeClr val="bg1">
+                        <a:lumMod val="47000"/>
+                        <a:lumOff val="53000"/>
+                      </a:schemeClr>
+                    </a:gs>
+                    <a:gs pos="100000">
+                      <a:schemeClr val="tx2">
+                        <a:lumMod val="0"/>
+                        <a:lumOff val="100000"/>
+                      </a:schemeClr>
+                    </a:gs>
+                  </a:gsLst>
+                  <a:lin ang="8100000" scaled="1"/>
+                  <a:tileRect/>
+                </a:gradFill>
+                <a:effectLst>
+                  <a:outerShdw blurRad="469900" dist="342900" dir="5400000" sy="-20000" rotWithShape="0">
+                    <a:prstClr val="black">
+                      <a:alpha val="66000"/>
+                    </a:prstClr>
+                  </a:outerShdw>
+                </a:effectLst>
+                <a:latin typeface="+mj-lt"/>
+              </a:defRPr>
             </a:lvl1pPr>
           </a:lstStyle>
           <a:p>
@@ -1004,143 +3523,109 @@
               <a:rPr lang="ru-RU"/>
               <a:t>Образец заголовка</a:t>
             </a:r>
-          </a:p>
-        </p:txBody>
-      </p:sp>
-      <p:sp>
-        <p:nvSpPr>
-          <p:cNvPr id="3" name="Текст 2">
-            <a:extLst>
-              <a:ext uri="{FF2B5EF4-FFF2-40B4-BE49-F238E27FC236}">
-                <a16:creationId xmlns:a16="http://schemas.microsoft.com/office/drawing/2014/main" id="{EF6FEB78-0A79-4367-A56D-6FE36DA83944}"/>
-              </a:ext>
-            </a:extLst>
-          </p:cNvPr>
-          <p:cNvSpPr>
-            <a:spLocks noGrp="1"/>
-          </p:cNvSpPr>
-          <p:nvPr>
-            <p:ph type="body" idx="1"/>
+            <a:endParaRPr lang="en-US" dirty="0"/>
+          </a:p>
+        </p:txBody>
+      </p:sp>
+      <p:sp>
+        <p:nvSpPr>
+          <p:cNvPr id="8" name="Subtitle 2"/>
+          <p:cNvSpPr>
+            <a:spLocks noGrp="1"/>
+          </p:cNvSpPr>
+          <p:nvPr>
+            <p:ph type="subTitle" idx="1"/>
           </p:nvPr>
         </p:nvSpPr>
         <p:spPr>
           <a:xfrm>
-            <a:off x="831850" y="4589463"/>
-            <a:ext cx="10515600" cy="1500187"/>
+            <a:off x="854532" y="3693674"/>
+            <a:ext cx="9144000" cy="754025"/>
           </a:xfrm>
         </p:spPr>
         <p:txBody>
-          <a:bodyPr/>
+          <a:bodyPr anchor="b">
+            <a:normAutofit/>
+          </a:bodyPr>
           <a:lstStyle>
-            <a:lvl1pPr marL="0" indent="0">
-              <a:buNone/>
-              <a:defRPr sz="2400">
-                <a:solidFill>
-                  <a:schemeClr val="tx1">
-                    <a:tint val="75000"/>
-                  </a:schemeClr>
-                </a:solidFill>
+            <a:lvl1pPr marL="0" indent="0" algn="l">
+              <a:buNone/>
+              <a:defRPr sz="3200" b="0">
+                <a:gradFill flip="none" rotWithShape="1">
+                  <a:gsLst>
+                    <a:gs pos="15000">
+                      <a:schemeClr val="tx2"/>
+                    </a:gs>
+                    <a:gs pos="73000">
+                      <a:schemeClr val="tx2">
+                        <a:lumMod val="60000"/>
+                        <a:lumOff val="40000"/>
+                      </a:schemeClr>
+                    </a:gs>
+                    <a:gs pos="0">
+                      <a:schemeClr val="tx2">
+                        <a:lumMod val="90000"/>
+                        <a:lumOff val="10000"/>
+                      </a:schemeClr>
+                    </a:gs>
+                    <a:gs pos="100000">
+                      <a:schemeClr val="tx2">
+                        <a:lumMod val="0"/>
+                        <a:lumOff val="100000"/>
+                      </a:schemeClr>
+                    </a:gs>
+                  </a:gsLst>
+                  <a:lin ang="16200000" scaled="1"/>
+                  <a:tileRect/>
+                </a:gradFill>
+                <a:latin typeface="+mj-lt"/>
               </a:defRPr>
             </a:lvl1pPr>
-            <a:lvl2pPr marL="457200" indent="0">
-              <a:buNone/>
-              <a:defRPr sz="2000">
-                <a:solidFill>
-                  <a:schemeClr val="tx1">
-                    <a:tint val="75000"/>
-                  </a:schemeClr>
-                </a:solidFill>
-              </a:defRPr>
+            <a:lvl2pPr marL="457200" indent="0" algn="ctr">
+              <a:buNone/>
+              <a:defRPr sz="2000"/>
             </a:lvl2pPr>
-            <a:lvl3pPr marL="914400" indent="0">
-              <a:buNone/>
-              <a:defRPr sz="1800">
-                <a:solidFill>
-                  <a:schemeClr val="tx1">
-                    <a:tint val="75000"/>
-                  </a:schemeClr>
-                </a:solidFill>
-              </a:defRPr>
+            <a:lvl3pPr marL="914400" indent="0" algn="ctr">
+              <a:buNone/>
+              <a:defRPr sz="1800"/>
             </a:lvl3pPr>
-            <a:lvl4pPr marL="1371600" indent="0">
-              <a:buNone/>
-              <a:defRPr sz="1600">
-                <a:solidFill>
-                  <a:schemeClr val="tx1">
-                    <a:tint val="75000"/>
-                  </a:schemeClr>
-                </a:solidFill>
-              </a:defRPr>
+            <a:lvl4pPr marL="1371600" indent="0" algn="ctr">
+              <a:buNone/>
+              <a:defRPr sz="1600"/>
             </a:lvl4pPr>
-            <a:lvl5pPr marL="1828800" indent="0">
-              <a:buNone/>
-              <a:defRPr sz="1600">
-                <a:solidFill>
-                  <a:schemeClr val="tx1">
-                    <a:tint val="75000"/>
-                  </a:schemeClr>
-                </a:solidFill>
-              </a:defRPr>
+            <a:lvl5pPr marL="1828800" indent="0" algn="ctr">
+              <a:buNone/>
+              <a:defRPr sz="1600"/>
             </a:lvl5pPr>
-            <a:lvl6pPr marL="2286000" indent="0">
-              <a:buNone/>
-              <a:defRPr sz="1600">
-                <a:solidFill>
-                  <a:schemeClr val="tx1">
-                    <a:tint val="75000"/>
-                  </a:schemeClr>
-                </a:solidFill>
-              </a:defRPr>
+            <a:lvl6pPr marL="2286000" indent="0" algn="ctr">
+              <a:buNone/>
+              <a:defRPr sz="1600"/>
             </a:lvl6pPr>
-            <a:lvl7pPr marL="2743200" indent="0">
-              <a:buNone/>
-              <a:defRPr sz="1600">
-                <a:solidFill>
-                  <a:schemeClr val="tx1">
-                    <a:tint val="75000"/>
-                  </a:schemeClr>
-                </a:solidFill>
-              </a:defRPr>
+            <a:lvl7pPr marL="2743200" indent="0" algn="ctr">
+              <a:buNone/>
+              <a:defRPr sz="1600"/>
             </a:lvl7pPr>
-            <a:lvl8pPr marL="3200400" indent="0">
-              <a:buNone/>
-              <a:defRPr sz="1600">
-                <a:solidFill>
-                  <a:schemeClr val="tx1">
-                    <a:tint val="75000"/>
-                  </a:schemeClr>
-                </a:solidFill>
-              </a:defRPr>
+            <a:lvl8pPr marL="3200400" indent="0" algn="ctr">
+              <a:buNone/>
+              <a:defRPr sz="1600"/>
             </a:lvl8pPr>
-            <a:lvl9pPr marL="3657600" indent="0">
-              <a:buNone/>
-              <a:defRPr sz="1600">
-                <a:solidFill>
-                  <a:schemeClr val="tx1">
-                    <a:tint val="75000"/>
-                  </a:schemeClr>
-                </a:solidFill>
-              </a:defRPr>
+            <a:lvl9pPr marL="3657600" indent="0" algn="ctr">
+              <a:buNone/>
+              <a:defRPr sz="1600"/>
             </a:lvl9pPr>
           </a:lstStyle>
           <a:p>
-            <a:pPr lvl="0"/>
-            <a:r>
-              <a:rPr lang="ru-RU"/>
-              <a:t>Образец текста</a:t>
-            </a:r>
-          </a:p>
-        </p:txBody>
-      </p:sp>
-      <p:sp>
-        <p:nvSpPr>
-          <p:cNvPr id="4" name="Дата 3">
-            <a:extLst>
-              <a:ext uri="{FF2B5EF4-FFF2-40B4-BE49-F238E27FC236}">
-                <a16:creationId xmlns:a16="http://schemas.microsoft.com/office/drawing/2014/main" id="{CB981F30-E007-4F65-BEB9-7411E6DA4820}"/>
-              </a:ext>
-            </a:extLst>
-          </p:cNvPr>
+            <a:r>
+              <a:rPr lang="ru-RU"/>
+              <a:t>Образец подзаголовка</a:t>
+            </a:r>
+            <a:endParaRPr lang="en-US" dirty="0"/>
+          </a:p>
+        </p:txBody>
+      </p:sp>
+      <p:sp>
+        <p:nvSpPr>
+          <p:cNvPr id="4" name="Date Placeholder 3"/>
           <p:cNvSpPr>
             <a:spLocks noGrp="1"/>
           </p:cNvSpPr>
@@ -1163,13 +3648,7 @@
       </p:sp>
       <p:sp>
         <p:nvSpPr>
-          <p:cNvPr id="5" name="Нижний колонтитул 4">
-            <a:extLst>
-              <a:ext uri="{FF2B5EF4-FFF2-40B4-BE49-F238E27FC236}">
-                <a16:creationId xmlns:a16="http://schemas.microsoft.com/office/drawing/2014/main" id="{FF491B04-DC8F-4829-8CDA-CBBA957129DB}"/>
-              </a:ext>
-            </a:extLst>
-          </p:cNvPr>
+          <p:cNvPr id="5" name="Footer Placeholder 4"/>
           <p:cNvSpPr>
             <a:spLocks noGrp="1"/>
           </p:cNvSpPr>
@@ -1188,13 +3667,7 @@
       </p:sp>
       <p:sp>
         <p:nvSpPr>
-          <p:cNvPr id="6" name="Номер слайда 5">
-            <a:extLst>
-              <a:ext uri="{FF2B5EF4-FFF2-40B4-BE49-F238E27FC236}">
-                <a16:creationId xmlns:a16="http://schemas.microsoft.com/office/drawing/2014/main" id="{EC54D3A0-2248-491D-80D5-C7256D8ED490}"/>
-              </a:ext>
-            </a:extLst>
-          </p:cNvPr>
+          <p:cNvPr id="6" name="Slide Number Placeholder 5"/>
           <p:cNvSpPr>
             <a:spLocks noGrp="1"/>
           </p:cNvSpPr>
@@ -1218,7 +3691,7 @@
     </p:spTree>
     <p:extLst>
       <p:ext uri="{BB962C8B-B14F-4D97-AF65-F5344CB8AC3E}">
-        <p14:creationId xmlns:p14="http://schemas.microsoft.com/office/powerpoint/2010/main" val="3212695060"/>
+        <p14:creationId xmlns:p14="http://schemas.microsoft.com/office/powerpoint/2010/main" val="2915834891"/>
       </p:ext>
     </p:extLst>
   </p:cSld>
@@ -1247,13 +3720,7 @@
       </p:grpSpPr>
       <p:sp>
         <p:nvSpPr>
-          <p:cNvPr id="2" name="Заголовок 1">
-            <a:extLst>
-              <a:ext uri="{FF2B5EF4-FFF2-40B4-BE49-F238E27FC236}">
-                <a16:creationId xmlns:a16="http://schemas.microsoft.com/office/drawing/2014/main" id="{6E6545BB-8F5F-4CDE-B0E8-423CD675EA6D}"/>
-              </a:ext>
-            </a:extLst>
-          </p:cNvPr>
+          <p:cNvPr id="2" name="Title 1"/>
           <p:cNvSpPr>
             <a:spLocks noGrp="1"/>
           </p:cNvSpPr>
@@ -1270,18 +3737,13 @@
               <a:rPr lang="ru-RU"/>
               <a:t>Образец заголовка</a:t>
             </a:r>
-          </a:p>
-        </p:txBody>
-      </p:sp>
-      <p:sp>
-        <p:nvSpPr>
-          <p:cNvPr id="3" name="Объект 2">
-            <a:extLst>
-              <a:ext uri="{FF2B5EF4-FFF2-40B4-BE49-F238E27FC236}">
-                <a16:creationId xmlns:a16="http://schemas.microsoft.com/office/drawing/2014/main" id="{C3A73DE8-7435-4267-80E3-D16D7007667A}"/>
-              </a:ext>
-            </a:extLst>
-          </p:cNvPr>
+            <a:endParaRPr lang="en-US" dirty="0"/>
+          </a:p>
+        </p:txBody>
+      </p:sp>
+      <p:sp>
+        <p:nvSpPr>
+          <p:cNvPr id="3" name="Content Placeholder 2"/>
           <p:cNvSpPr>
             <a:spLocks noGrp="1"/>
           </p:cNvSpPr>
@@ -1291,8 +3753,8 @@
         </p:nvSpPr>
         <p:spPr>
           <a:xfrm>
-            <a:off x="838200" y="1825625"/>
-            <a:ext cx="5181600" cy="4351338"/>
+            <a:off x="1120000" y="1825625"/>
+            <a:ext cx="5025216" cy="4351338"/>
           </a:xfrm>
         </p:spPr>
         <p:txBody>
@@ -1332,18 +3794,13 @@
               <a:rPr lang="ru-RU"/>
               <a:t>Пятый уровень</a:t>
             </a:r>
-          </a:p>
-        </p:txBody>
-      </p:sp>
-      <p:sp>
-        <p:nvSpPr>
-          <p:cNvPr id="4" name="Объект 3">
-            <a:extLst>
-              <a:ext uri="{FF2B5EF4-FFF2-40B4-BE49-F238E27FC236}">
-                <a16:creationId xmlns:a16="http://schemas.microsoft.com/office/drawing/2014/main" id="{6A1330E8-D869-4116-8C65-C6E43C9C7C56}"/>
-              </a:ext>
-            </a:extLst>
-          </p:cNvPr>
+            <a:endParaRPr lang="en-US" dirty="0"/>
+          </a:p>
+        </p:txBody>
+      </p:sp>
+      <p:sp>
+        <p:nvSpPr>
+          <p:cNvPr id="4" name="Content Placeholder 3"/>
           <p:cNvSpPr>
             <a:spLocks noGrp="1"/>
           </p:cNvSpPr>
@@ -1353,8 +3810,8 @@
         </p:nvSpPr>
         <p:spPr>
           <a:xfrm>
-            <a:off x="6172200" y="1825625"/>
-            <a:ext cx="5181600" cy="4351338"/>
+            <a:off x="6319840" y="1825625"/>
+            <a:ext cx="5033960" cy="4351338"/>
           </a:xfrm>
         </p:spPr>
         <p:txBody>
@@ -1394,18 +3851,13 @@
               <a:rPr lang="ru-RU"/>
               <a:t>Пятый уровень</a:t>
             </a:r>
-          </a:p>
-        </p:txBody>
-      </p:sp>
-      <p:sp>
-        <p:nvSpPr>
-          <p:cNvPr id="5" name="Дата 4">
-            <a:extLst>
-              <a:ext uri="{FF2B5EF4-FFF2-40B4-BE49-F238E27FC236}">
-                <a16:creationId xmlns:a16="http://schemas.microsoft.com/office/drawing/2014/main" id="{C4DDDC13-A75B-467B-B99D-321359B0D7AA}"/>
-              </a:ext>
-            </a:extLst>
-          </p:cNvPr>
+            <a:endParaRPr lang="en-US" dirty="0"/>
+          </a:p>
+        </p:txBody>
+      </p:sp>
+      <p:sp>
+        <p:nvSpPr>
+          <p:cNvPr id="5" name="Date Placeholder 4"/>
           <p:cNvSpPr>
             <a:spLocks noGrp="1"/>
           </p:cNvSpPr>
@@ -1428,13 +3880,7 @@
       </p:sp>
       <p:sp>
         <p:nvSpPr>
-          <p:cNvPr id="6" name="Нижний колонтитул 5">
-            <a:extLst>
-              <a:ext uri="{FF2B5EF4-FFF2-40B4-BE49-F238E27FC236}">
-                <a16:creationId xmlns:a16="http://schemas.microsoft.com/office/drawing/2014/main" id="{7E0AF75E-256E-4C16-AD1E-BBA821834984}"/>
-              </a:ext>
-            </a:extLst>
-          </p:cNvPr>
+          <p:cNvPr id="6" name="Footer Placeholder 5"/>
           <p:cNvSpPr>
             <a:spLocks noGrp="1"/>
           </p:cNvSpPr>
@@ -1453,13 +3899,7 @@
       </p:sp>
       <p:sp>
         <p:nvSpPr>
-          <p:cNvPr id="7" name="Номер слайда 6">
-            <a:extLst>
-              <a:ext uri="{FF2B5EF4-FFF2-40B4-BE49-F238E27FC236}">
-                <a16:creationId xmlns:a16="http://schemas.microsoft.com/office/drawing/2014/main" id="{00F5AD41-789C-44E8-B21D-F590BBD96C7F}"/>
-              </a:ext>
-            </a:extLst>
-          </p:cNvPr>
+          <p:cNvPr id="7" name="Slide Number Placeholder 6"/>
           <p:cNvSpPr>
             <a:spLocks noGrp="1"/>
           </p:cNvSpPr>
@@ -1483,7 +3923,7 @@
     </p:spTree>
     <p:extLst>
       <p:ext uri="{BB962C8B-B14F-4D97-AF65-F5344CB8AC3E}">
-        <p14:creationId xmlns:p14="http://schemas.microsoft.com/office/powerpoint/2010/main" val="1336313713"/>
+        <p14:creationId xmlns:p14="http://schemas.microsoft.com/office/powerpoint/2010/main" val="685932471"/>
       </p:ext>
     </p:extLst>
   </p:cSld>
@@ -1512,13 +3952,7 @@
       </p:grpSpPr>
       <p:sp>
         <p:nvSpPr>
-          <p:cNvPr id="2" name="Заголовок 1">
-            <a:extLst>
-              <a:ext uri="{FF2B5EF4-FFF2-40B4-BE49-F238E27FC236}">
-                <a16:creationId xmlns:a16="http://schemas.microsoft.com/office/drawing/2014/main" id="{35A01E94-BE5B-4FDE-8AB3-5E718E7EA624}"/>
-              </a:ext>
-            </a:extLst>
-          </p:cNvPr>
+          <p:cNvPr id="2" name="Title 1"/>
           <p:cNvSpPr>
             <a:spLocks noGrp="1"/>
           </p:cNvSpPr>
@@ -1540,18 +3974,13 @@
               <a:rPr lang="ru-RU"/>
               <a:t>Образец заголовка</a:t>
             </a:r>
-          </a:p>
-        </p:txBody>
-      </p:sp>
-      <p:sp>
-        <p:nvSpPr>
-          <p:cNvPr id="3" name="Текст 2">
-            <a:extLst>
-              <a:ext uri="{FF2B5EF4-FFF2-40B4-BE49-F238E27FC236}">
-                <a16:creationId xmlns:a16="http://schemas.microsoft.com/office/drawing/2014/main" id="{4922ADB5-7316-4774-8DC1-E83F27D9F1FE}"/>
-              </a:ext>
-            </a:extLst>
-          </p:cNvPr>
+            <a:endParaRPr lang="en-US" dirty="0"/>
+          </a:p>
+        </p:txBody>
+      </p:sp>
+      <p:sp>
+        <p:nvSpPr>
+          <p:cNvPr id="3" name="Text Placeholder 2"/>
           <p:cNvSpPr>
             <a:spLocks noGrp="1"/>
           </p:cNvSpPr>
@@ -1561,8 +3990,8 @@
         </p:nvSpPr>
         <p:spPr>
           <a:xfrm>
-            <a:off x="839788" y="1681163"/>
-            <a:ext cx="5157787" cy="823912"/>
+            <a:off x="1120000" y="1681163"/>
+            <a:ext cx="5025216" cy="823912"/>
           </a:xfrm>
         </p:spPr>
         <p:txBody>
@@ -1570,7 +3999,34 @@
           <a:lstStyle>
             <a:lvl1pPr marL="0" indent="0">
               <a:buNone/>
-              <a:defRPr sz="2400" b="1"/>
+              <a:defRPr sz="2400" b="0">
+                <a:gradFill>
+                  <a:gsLst>
+                    <a:gs pos="15000">
+                      <a:schemeClr val="tx2"/>
+                    </a:gs>
+                    <a:gs pos="73000">
+                      <a:schemeClr val="tx2">
+                        <a:lumMod val="60000"/>
+                        <a:lumOff val="40000"/>
+                      </a:schemeClr>
+                    </a:gs>
+                    <a:gs pos="0">
+                      <a:schemeClr val="tx2">
+                        <a:lumMod val="90000"/>
+                        <a:lumOff val="10000"/>
+                      </a:schemeClr>
+                    </a:gs>
+                    <a:gs pos="100000">
+                      <a:schemeClr val="tx2">
+                        <a:lumMod val="0"/>
+                        <a:lumOff val="100000"/>
+                      </a:schemeClr>
+                    </a:gs>
+                  </a:gsLst>
+                  <a:lin ang="16200000" scaled="1"/>
+                </a:gradFill>
+              </a:defRPr>
             </a:lvl1pPr>
             <a:lvl2pPr marL="457200" indent="0">
               <a:buNone/>
@@ -1616,13 +4072,7 @@
       </p:sp>
       <p:sp>
         <p:nvSpPr>
-          <p:cNvPr id="4" name="Объект 3">
-            <a:extLst>
-              <a:ext uri="{FF2B5EF4-FFF2-40B4-BE49-F238E27FC236}">
-                <a16:creationId xmlns:a16="http://schemas.microsoft.com/office/drawing/2014/main" id="{F8167B4B-B25E-429C-9F53-590D91217C37}"/>
-              </a:ext>
-            </a:extLst>
-          </p:cNvPr>
+          <p:cNvPr id="4" name="Content Placeholder 3"/>
           <p:cNvSpPr>
             <a:spLocks noGrp="1"/>
           </p:cNvSpPr>
@@ -1632,8 +4082,8 @@
         </p:nvSpPr>
         <p:spPr>
           <a:xfrm>
-            <a:off x="839788" y="2505075"/>
-            <a:ext cx="5157787" cy="3684588"/>
+            <a:off x="1120000" y="2505075"/>
+            <a:ext cx="5025216" cy="3684588"/>
           </a:xfrm>
         </p:spPr>
         <p:txBody>
@@ -1673,18 +4123,13 @@
               <a:rPr lang="ru-RU"/>
               <a:t>Пятый уровень</a:t>
             </a:r>
-          </a:p>
-        </p:txBody>
-      </p:sp>
-      <p:sp>
-        <p:nvSpPr>
-          <p:cNvPr id="5" name="Текст 4">
-            <a:extLst>
-              <a:ext uri="{FF2B5EF4-FFF2-40B4-BE49-F238E27FC236}">
-                <a16:creationId xmlns:a16="http://schemas.microsoft.com/office/drawing/2014/main" id="{4D84F844-3468-4C60-8172-D81BED30E795}"/>
-              </a:ext>
-            </a:extLst>
-          </p:cNvPr>
+            <a:endParaRPr lang="en-US" dirty="0"/>
+          </a:p>
+        </p:txBody>
+      </p:sp>
+      <p:sp>
+        <p:nvSpPr>
+          <p:cNvPr id="5" name="Text Placeholder 4"/>
           <p:cNvSpPr>
             <a:spLocks noGrp="1"/>
           </p:cNvSpPr>
@@ -1694,52 +4139,51 @@
         </p:nvSpPr>
         <p:spPr>
           <a:xfrm>
-            <a:off x="6172200" y="1681163"/>
-            <a:ext cx="5183188" cy="823912"/>
+            <a:off x="6319840" y="1681163"/>
+            <a:ext cx="5035548" cy="823912"/>
           </a:xfrm>
         </p:spPr>
         <p:txBody>
-          <a:bodyPr anchor="b"/>
+          <a:bodyPr vert="horz" lIns="91440" tIns="45720" rIns="91440" bIns="45720" rtlCol="0" anchor="b">
+            <a:normAutofit/>
+          </a:bodyPr>
           <a:lstStyle>
-            <a:lvl1pPr marL="0" indent="0">
-              <a:buNone/>
-              <a:defRPr sz="2400" b="1"/>
+            <a:lvl1pPr>
+              <a:buNone/>
+              <a:defRPr lang="en-US" sz="2400" b="0">
+                <a:gradFill>
+                  <a:gsLst>
+                    <a:gs pos="15000">
+                      <a:schemeClr val="tx2"/>
+                    </a:gs>
+                    <a:gs pos="73000">
+                      <a:schemeClr val="tx2">
+                        <a:lumMod val="60000"/>
+                        <a:lumOff val="40000"/>
+                      </a:schemeClr>
+                    </a:gs>
+                    <a:gs pos="0">
+                      <a:schemeClr val="tx2">
+                        <a:lumMod val="90000"/>
+                        <a:lumOff val="10000"/>
+                      </a:schemeClr>
+                    </a:gs>
+                    <a:gs pos="100000">
+                      <a:schemeClr val="tx2">
+                        <a:lumMod val="0"/>
+                        <a:lumOff val="100000"/>
+                      </a:schemeClr>
+                    </a:gs>
+                  </a:gsLst>
+                  <a:lin ang="16200000" scaled="1"/>
+                </a:gradFill>
+              </a:defRPr>
             </a:lvl1pPr>
-            <a:lvl2pPr marL="457200" indent="0">
-              <a:buNone/>
-              <a:defRPr sz="2000" b="1"/>
-            </a:lvl2pPr>
-            <a:lvl3pPr marL="914400" indent="0">
-              <a:buNone/>
-              <a:defRPr sz="1800" b="1"/>
-            </a:lvl3pPr>
-            <a:lvl4pPr marL="1371600" indent="0">
-              <a:buNone/>
-              <a:defRPr sz="1600" b="1"/>
-            </a:lvl4pPr>
-            <a:lvl5pPr marL="1828800" indent="0">
-              <a:buNone/>
-              <a:defRPr sz="1600" b="1"/>
-            </a:lvl5pPr>
-            <a:lvl6pPr marL="2286000" indent="0">
-              <a:buNone/>
-              <a:defRPr sz="1600" b="1"/>
-            </a:lvl6pPr>
-            <a:lvl7pPr marL="2743200" indent="0">
-              <a:buNone/>
-              <a:defRPr sz="1600" b="1"/>
-            </a:lvl7pPr>
-            <a:lvl8pPr marL="3200400" indent="0">
-              <a:buNone/>
-              <a:defRPr sz="1600" b="1"/>
-            </a:lvl8pPr>
-            <a:lvl9pPr marL="3657600" indent="0">
-              <a:buNone/>
-              <a:defRPr sz="1600" b="1"/>
-            </a:lvl9pPr>
           </a:lstStyle>
           <a:p>
-            <a:pPr lvl="0"/>
+            <a:pPr marL="0" lvl="0" indent="0">
+              <a:buNone/>
+            </a:pPr>
             <a:r>
               <a:rPr lang="ru-RU"/>
               <a:t>Образец текста</a:t>
@@ -1749,13 +4193,7 @@
       </p:sp>
       <p:sp>
         <p:nvSpPr>
-          <p:cNvPr id="6" name="Объект 5">
-            <a:extLst>
-              <a:ext uri="{FF2B5EF4-FFF2-40B4-BE49-F238E27FC236}">
-                <a16:creationId xmlns:a16="http://schemas.microsoft.com/office/drawing/2014/main" id="{5505B0F2-B608-4D2C-887B-777AB4ADA995}"/>
-              </a:ext>
-            </a:extLst>
-          </p:cNvPr>
+          <p:cNvPr id="6" name="Content Placeholder 5"/>
           <p:cNvSpPr>
             <a:spLocks noGrp="1"/>
           </p:cNvSpPr>
@@ -1765,8 +4203,8 @@
         </p:nvSpPr>
         <p:spPr>
           <a:xfrm>
-            <a:off x="6172200" y="2505075"/>
-            <a:ext cx="5183188" cy="3684588"/>
+            <a:off x="6319840" y="2505075"/>
+            <a:ext cx="5035548" cy="3684588"/>
           </a:xfrm>
         </p:spPr>
         <p:txBody>
@@ -1806,18 +4244,13 @@
               <a:rPr lang="ru-RU"/>
               <a:t>Пятый уровень</a:t>
             </a:r>
-          </a:p>
-        </p:txBody>
-      </p:sp>
-      <p:sp>
-        <p:nvSpPr>
-          <p:cNvPr id="7" name="Дата 6">
-            <a:extLst>
-              <a:ext uri="{FF2B5EF4-FFF2-40B4-BE49-F238E27FC236}">
-                <a16:creationId xmlns:a16="http://schemas.microsoft.com/office/drawing/2014/main" id="{5AA2C0E1-7DF1-4283-917B-33B9046BBAD7}"/>
-              </a:ext>
-            </a:extLst>
-          </p:cNvPr>
+            <a:endParaRPr lang="en-US" dirty="0"/>
+          </a:p>
+        </p:txBody>
+      </p:sp>
+      <p:sp>
+        <p:nvSpPr>
+          <p:cNvPr id="7" name="Date Placeholder 6"/>
           <p:cNvSpPr>
             <a:spLocks noGrp="1"/>
           </p:cNvSpPr>
@@ -1840,13 +4273,7 @@
       </p:sp>
       <p:sp>
         <p:nvSpPr>
-          <p:cNvPr id="8" name="Нижний колонтитул 7">
-            <a:extLst>
-              <a:ext uri="{FF2B5EF4-FFF2-40B4-BE49-F238E27FC236}">
-                <a16:creationId xmlns:a16="http://schemas.microsoft.com/office/drawing/2014/main" id="{ED86CA54-1D2B-4C18-B998-D6CADE5B3A8E}"/>
-              </a:ext>
-            </a:extLst>
-          </p:cNvPr>
+          <p:cNvPr id="8" name="Footer Placeholder 7"/>
           <p:cNvSpPr>
             <a:spLocks noGrp="1"/>
           </p:cNvSpPr>
@@ -1865,13 +4292,7 @@
       </p:sp>
       <p:sp>
         <p:nvSpPr>
-          <p:cNvPr id="9" name="Номер слайда 8">
-            <a:extLst>
-              <a:ext uri="{FF2B5EF4-FFF2-40B4-BE49-F238E27FC236}">
-                <a16:creationId xmlns:a16="http://schemas.microsoft.com/office/drawing/2014/main" id="{7D5FE16A-B18B-40F5-99F1-BA74B076B1DF}"/>
-              </a:ext>
-            </a:extLst>
-          </p:cNvPr>
+          <p:cNvPr id="9" name="Slide Number Placeholder 8"/>
           <p:cNvSpPr>
             <a:spLocks noGrp="1"/>
           </p:cNvSpPr>
@@ -1895,7 +4316,7 @@
     </p:spTree>
     <p:extLst>
       <p:ext uri="{BB962C8B-B14F-4D97-AF65-F5344CB8AC3E}">
-        <p14:creationId xmlns:p14="http://schemas.microsoft.com/office/powerpoint/2010/main" val="176590696"/>
+        <p14:creationId xmlns:p14="http://schemas.microsoft.com/office/powerpoint/2010/main" val="680864772"/>
       </p:ext>
     </p:extLst>
   </p:cSld>
@@ -1924,13 +4345,7 @@
       </p:grpSpPr>
       <p:sp>
         <p:nvSpPr>
-          <p:cNvPr id="2" name="Заголовок 1">
-            <a:extLst>
-              <a:ext uri="{FF2B5EF4-FFF2-40B4-BE49-F238E27FC236}">
-                <a16:creationId xmlns:a16="http://schemas.microsoft.com/office/drawing/2014/main" id="{1C6052DB-4C19-4F52-9957-D3337BF399D9}"/>
-              </a:ext>
-            </a:extLst>
-          </p:cNvPr>
+          <p:cNvPr id="2" name="Title 1"/>
           <p:cNvSpPr>
             <a:spLocks noGrp="1"/>
           </p:cNvSpPr>
@@ -1947,18 +4362,13 @@
               <a:rPr lang="ru-RU"/>
               <a:t>Образец заголовка</a:t>
             </a:r>
-          </a:p>
-        </p:txBody>
-      </p:sp>
-      <p:sp>
-        <p:nvSpPr>
-          <p:cNvPr id="3" name="Дата 2">
-            <a:extLst>
-              <a:ext uri="{FF2B5EF4-FFF2-40B4-BE49-F238E27FC236}">
-                <a16:creationId xmlns:a16="http://schemas.microsoft.com/office/drawing/2014/main" id="{598463CD-53DA-4813-BEF9-6AC5E180F483}"/>
-              </a:ext>
-            </a:extLst>
-          </p:cNvPr>
+            <a:endParaRPr lang="en-US" dirty="0"/>
+          </a:p>
+        </p:txBody>
+      </p:sp>
+      <p:sp>
+        <p:nvSpPr>
+          <p:cNvPr id="3" name="Date Placeholder 2"/>
           <p:cNvSpPr>
             <a:spLocks noGrp="1"/>
           </p:cNvSpPr>
@@ -1981,13 +4391,7 @@
       </p:sp>
       <p:sp>
         <p:nvSpPr>
-          <p:cNvPr id="4" name="Нижний колонтитул 3">
-            <a:extLst>
-              <a:ext uri="{FF2B5EF4-FFF2-40B4-BE49-F238E27FC236}">
-                <a16:creationId xmlns:a16="http://schemas.microsoft.com/office/drawing/2014/main" id="{4A53B680-AE4B-42F6-8AB1-14B9645309F7}"/>
-              </a:ext>
-            </a:extLst>
-          </p:cNvPr>
+          <p:cNvPr id="4" name="Footer Placeholder 3"/>
           <p:cNvSpPr>
             <a:spLocks noGrp="1"/>
           </p:cNvSpPr>
@@ -2006,13 +4410,7 @@
       </p:sp>
       <p:sp>
         <p:nvSpPr>
-          <p:cNvPr id="5" name="Номер слайда 4">
-            <a:extLst>
-              <a:ext uri="{FF2B5EF4-FFF2-40B4-BE49-F238E27FC236}">
-                <a16:creationId xmlns:a16="http://schemas.microsoft.com/office/drawing/2014/main" id="{A51703EF-3F94-4076-91BB-EE5FE97B0FEA}"/>
-              </a:ext>
-            </a:extLst>
-          </p:cNvPr>
+          <p:cNvPr id="5" name="Slide Number Placeholder 4"/>
           <p:cNvSpPr>
             <a:spLocks noGrp="1"/>
           </p:cNvSpPr>
@@ -2036,7 +4434,7 @@
     </p:spTree>
     <p:extLst>
       <p:ext uri="{BB962C8B-B14F-4D97-AF65-F5344CB8AC3E}">
-        <p14:creationId xmlns:p14="http://schemas.microsoft.com/office/powerpoint/2010/main" val="1639613235"/>
+        <p14:creationId xmlns:p14="http://schemas.microsoft.com/office/powerpoint/2010/main" val="2452653225"/>
       </p:ext>
     </p:extLst>
   </p:cSld>
@@ -2065,13 +4463,7 @@
       </p:grpSpPr>
       <p:sp>
         <p:nvSpPr>
-          <p:cNvPr id="2" name="Дата 1">
-            <a:extLst>
-              <a:ext uri="{FF2B5EF4-FFF2-40B4-BE49-F238E27FC236}">
-                <a16:creationId xmlns:a16="http://schemas.microsoft.com/office/drawing/2014/main" id="{27FB9158-1BFF-4895-B60C-9B00C85EF337}"/>
-              </a:ext>
-            </a:extLst>
-          </p:cNvPr>
+          <p:cNvPr id="2" name="Date Placeholder 1"/>
           <p:cNvSpPr>
             <a:spLocks noGrp="1"/>
           </p:cNvSpPr>
@@ -2094,13 +4486,7 @@
       </p:sp>
       <p:sp>
         <p:nvSpPr>
-          <p:cNvPr id="3" name="Нижний колонтитул 2">
-            <a:extLst>
-              <a:ext uri="{FF2B5EF4-FFF2-40B4-BE49-F238E27FC236}">
-                <a16:creationId xmlns:a16="http://schemas.microsoft.com/office/drawing/2014/main" id="{6A77A13C-F0C4-4FA1-BCFB-CBCE66234685}"/>
-              </a:ext>
-            </a:extLst>
-          </p:cNvPr>
+          <p:cNvPr id="3" name="Footer Placeholder 2"/>
           <p:cNvSpPr>
             <a:spLocks noGrp="1"/>
           </p:cNvSpPr>
@@ -2119,13 +4505,7 @@
       </p:sp>
       <p:sp>
         <p:nvSpPr>
-          <p:cNvPr id="4" name="Номер слайда 3">
-            <a:extLst>
-              <a:ext uri="{FF2B5EF4-FFF2-40B4-BE49-F238E27FC236}">
-                <a16:creationId xmlns:a16="http://schemas.microsoft.com/office/drawing/2014/main" id="{B94FA16B-425A-43C7-B149-9E90D1C4A7A3}"/>
-              </a:ext>
-            </a:extLst>
-          </p:cNvPr>
+          <p:cNvPr id="4" name="Slide Number Placeholder 3"/>
           <p:cNvSpPr>
             <a:spLocks noGrp="1"/>
           </p:cNvSpPr>
@@ -2149,7 +4529,7 @@
     </p:spTree>
     <p:extLst>
       <p:ext uri="{BB962C8B-B14F-4D97-AF65-F5344CB8AC3E}">
-        <p14:creationId xmlns:p14="http://schemas.microsoft.com/office/powerpoint/2010/main" val="2207079194"/>
+        <p14:creationId xmlns:p14="http://schemas.microsoft.com/office/powerpoint/2010/main" val="2417634329"/>
       </p:ext>
     </p:extLst>
   </p:cSld>
@@ -2178,13 +4558,7 @@
       </p:grpSpPr>
       <p:sp>
         <p:nvSpPr>
-          <p:cNvPr id="2" name="Заголовок 1">
-            <a:extLst>
-              <a:ext uri="{FF2B5EF4-FFF2-40B4-BE49-F238E27FC236}">
-                <a16:creationId xmlns:a16="http://schemas.microsoft.com/office/drawing/2014/main" id="{204BF9D8-23EC-44BC-BB8F-36356640BA31}"/>
-              </a:ext>
-            </a:extLst>
-          </p:cNvPr>
+          <p:cNvPr id="2" name="Title 1"/>
           <p:cNvSpPr>
             <a:spLocks noGrp="1"/>
           </p:cNvSpPr>
@@ -2210,18 +4584,13 @@
               <a:rPr lang="ru-RU"/>
               <a:t>Образец заголовка</a:t>
             </a:r>
-          </a:p>
-        </p:txBody>
-      </p:sp>
-      <p:sp>
-        <p:nvSpPr>
-          <p:cNvPr id="3" name="Объект 2">
-            <a:extLst>
-              <a:ext uri="{FF2B5EF4-FFF2-40B4-BE49-F238E27FC236}">
-                <a16:creationId xmlns:a16="http://schemas.microsoft.com/office/drawing/2014/main" id="{9D53664C-4E6F-4394-A789-D17BD4744A23}"/>
-              </a:ext>
-            </a:extLst>
-          </p:cNvPr>
+            <a:endParaRPr lang="en-US" dirty="0"/>
+          </a:p>
+        </p:txBody>
+      </p:sp>
+      <p:sp>
+        <p:nvSpPr>
+          <p:cNvPr id="3" name="Content Placeholder 2"/>
           <p:cNvSpPr>
             <a:spLocks noGrp="1"/>
           </p:cNvSpPr>
@@ -2237,35 +4606,7 @@
         </p:spPr>
         <p:txBody>
           <a:bodyPr/>
-          <a:lstStyle>
-            <a:lvl1pPr>
-              <a:defRPr sz="3200"/>
-            </a:lvl1pPr>
-            <a:lvl2pPr>
-              <a:defRPr sz="2800"/>
-            </a:lvl2pPr>
-            <a:lvl3pPr>
-              <a:defRPr sz="2400"/>
-            </a:lvl3pPr>
-            <a:lvl4pPr>
-              <a:defRPr sz="2000"/>
-            </a:lvl4pPr>
-            <a:lvl5pPr>
-              <a:defRPr sz="2000"/>
-            </a:lvl5pPr>
-            <a:lvl6pPr>
-              <a:defRPr sz="2000"/>
-            </a:lvl6pPr>
-            <a:lvl7pPr>
-              <a:defRPr sz="2000"/>
-            </a:lvl7pPr>
-            <a:lvl8pPr>
-              <a:defRPr sz="2000"/>
-            </a:lvl8pPr>
-            <a:lvl9pPr>
-              <a:defRPr sz="2000"/>
-            </a:lvl9pPr>
-          </a:lstStyle>
+          <a:lstStyle/>
           <a:p>
             <a:pPr lvl="0"/>
             <a:r>
@@ -2300,18 +4641,13 @@
               <a:rPr lang="ru-RU"/>
               <a:t>Пятый уровень</a:t>
             </a:r>
-          </a:p>
-        </p:txBody>
-      </p:sp>
-      <p:sp>
-        <p:nvSpPr>
-          <p:cNvPr id="4" name="Текст 3">
-            <a:extLst>
-              <a:ext uri="{FF2B5EF4-FFF2-40B4-BE49-F238E27FC236}">
-                <a16:creationId xmlns:a16="http://schemas.microsoft.com/office/drawing/2014/main" id="{E2A323CF-34D7-4363-9A1E-8828E32A4CC0}"/>
-              </a:ext>
-            </a:extLst>
-          </p:cNvPr>
+            <a:endParaRPr lang="en-US" dirty="0"/>
+          </a:p>
+        </p:txBody>
+      </p:sp>
+      <p:sp>
+        <p:nvSpPr>
+          <p:cNvPr id="4" name="Text Placeholder 3"/>
           <p:cNvSpPr>
             <a:spLocks noGrp="1"/>
           </p:cNvSpPr>
@@ -2321,8 +4657,8 @@
         </p:nvSpPr>
         <p:spPr>
           <a:xfrm>
-            <a:off x="839788" y="2057400"/>
-            <a:ext cx="3932237" cy="3811588"/>
+            <a:off x="1120000" y="2057400"/>
+            <a:ext cx="3652025" cy="3811588"/>
           </a:xfrm>
         </p:spPr>
         <p:txBody>
@@ -2330,7 +4666,31 @@
           <a:lstStyle>
             <a:lvl1pPr marL="0" indent="0">
               <a:buNone/>
-              <a:defRPr sz="1600"/>
+              <a:defRPr sz="1600">
+                <a:gradFill>
+                  <a:gsLst>
+                    <a:gs pos="15000">
+                      <a:schemeClr val="tx2"/>
+                    </a:gs>
+                    <a:gs pos="73000">
+                      <a:schemeClr val="tx2">
+                        <a:lumMod val="60000"/>
+                        <a:lumOff val="40000"/>
+                      </a:schemeClr>
+                    </a:gs>
+                    <a:gs pos="0">
+                      <a:schemeClr val="tx1"/>
+                    </a:gs>
+                    <a:gs pos="100000">
+                      <a:schemeClr val="tx2">
+                        <a:lumMod val="0"/>
+                        <a:lumOff val="100000"/>
+                      </a:schemeClr>
+                    </a:gs>
+                  </a:gsLst>
+                  <a:lin ang="16200000" scaled="1"/>
+                </a:gradFill>
+              </a:defRPr>
             </a:lvl1pPr>
             <a:lvl2pPr marL="457200" indent="0">
               <a:buNone/>
@@ -2376,13 +4736,7 @@
       </p:sp>
       <p:sp>
         <p:nvSpPr>
-          <p:cNvPr id="5" name="Дата 4">
-            <a:extLst>
-              <a:ext uri="{FF2B5EF4-FFF2-40B4-BE49-F238E27FC236}">
-                <a16:creationId xmlns:a16="http://schemas.microsoft.com/office/drawing/2014/main" id="{C3C7D248-460D-4B37-9988-7867115B7D69}"/>
-              </a:ext>
-            </a:extLst>
-          </p:cNvPr>
+          <p:cNvPr id="5" name="Date Placeholder 4"/>
           <p:cNvSpPr>
             <a:spLocks noGrp="1"/>
           </p:cNvSpPr>
@@ -2405,13 +4759,7 @@
       </p:sp>
       <p:sp>
         <p:nvSpPr>
-          <p:cNvPr id="6" name="Нижний колонтитул 5">
-            <a:extLst>
-              <a:ext uri="{FF2B5EF4-FFF2-40B4-BE49-F238E27FC236}">
-                <a16:creationId xmlns:a16="http://schemas.microsoft.com/office/drawing/2014/main" id="{205AEC89-952B-4624-8533-3E06B724B3CF}"/>
-              </a:ext>
-            </a:extLst>
-          </p:cNvPr>
+          <p:cNvPr id="6" name="Footer Placeholder 5"/>
           <p:cNvSpPr>
             <a:spLocks noGrp="1"/>
           </p:cNvSpPr>
@@ -2430,13 +4778,7 @@
       </p:sp>
       <p:sp>
         <p:nvSpPr>
-          <p:cNvPr id="7" name="Номер слайда 6">
-            <a:extLst>
-              <a:ext uri="{FF2B5EF4-FFF2-40B4-BE49-F238E27FC236}">
-                <a16:creationId xmlns:a16="http://schemas.microsoft.com/office/drawing/2014/main" id="{9A909925-3CFC-4DB9-AE5C-446D15864A8B}"/>
-              </a:ext>
-            </a:extLst>
-          </p:cNvPr>
+          <p:cNvPr id="7" name="Slide Number Placeholder 6"/>
           <p:cNvSpPr>
             <a:spLocks noGrp="1"/>
           </p:cNvSpPr>
@@ -2460,7 +4802,7 @@
     </p:spTree>
     <p:extLst>
       <p:ext uri="{BB962C8B-B14F-4D97-AF65-F5344CB8AC3E}">
-        <p14:creationId xmlns:p14="http://schemas.microsoft.com/office/powerpoint/2010/main" val="2062033471"/>
+        <p14:creationId xmlns:p14="http://schemas.microsoft.com/office/powerpoint/2010/main" val="2640457051"/>
       </p:ext>
     </p:extLst>
   </p:cSld>
@@ -2489,13 +4831,7 @@
       </p:grpSpPr>
       <p:sp>
         <p:nvSpPr>
-          <p:cNvPr id="2" name="Заголовок 1">
-            <a:extLst>
-              <a:ext uri="{FF2B5EF4-FFF2-40B4-BE49-F238E27FC236}">
-                <a16:creationId xmlns:a16="http://schemas.microsoft.com/office/drawing/2014/main" id="{2E48D0ED-22A1-4B1E-BE80-25F3BCFB6BA1}"/>
-              </a:ext>
-            </a:extLst>
-          </p:cNvPr>
+          <p:cNvPr id="2" name="Title 1"/>
           <p:cNvSpPr>
             <a:spLocks noGrp="1"/>
           </p:cNvSpPr>
@@ -2521,20 +4857,15 @@
               <a:rPr lang="ru-RU"/>
               <a:t>Образец заголовка</a:t>
             </a:r>
-          </a:p>
-        </p:txBody>
-      </p:sp>
-      <p:sp>
-        <p:nvSpPr>
-          <p:cNvPr id="3" name="Рисунок 2">
-            <a:extLst>
-              <a:ext uri="{FF2B5EF4-FFF2-40B4-BE49-F238E27FC236}">
-                <a16:creationId xmlns:a16="http://schemas.microsoft.com/office/drawing/2014/main" id="{395D2136-7F8F-479E-9ACA-586707EC0409}"/>
-              </a:ext>
-            </a:extLst>
-          </p:cNvPr>
-          <p:cNvSpPr>
-            <a:spLocks noGrp="1"/>
+            <a:endParaRPr lang="en-US" dirty="0"/>
+          </a:p>
+        </p:txBody>
+      </p:sp>
+      <p:sp>
+        <p:nvSpPr>
+          <p:cNvPr id="3" name="Picture Placeholder 2"/>
+          <p:cNvSpPr>
+            <a:spLocks noGrp="1" noChangeAspect="1"/>
           </p:cNvSpPr>
           <p:nvPr>
             <p:ph type="pic" idx="1"/>
@@ -2547,78 +4878,100 @@
           </a:xfrm>
         </p:spPr>
         <p:txBody>
+          <a:bodyPr anchor="t"/>
+          <a:lstStyle>
+            <a:lvl1pPr marL="0" indent="0">
+              <a:buNone/>
+              <a:defRPr sz="3200"/>
+            </a:lvl1pPr>
+            <a:lvl2pPr marL="457200" indent="0">
+              <a:buNone/>
+              <a:defRPr sz="2800"/>
+            </a:lvl2pPr>
+            <a:lvl3pPr marL="914400" indent="0">
+              <a:buNone/>
+              <a:defRPr sz="2400"/>
+            </a:lvl3pPr>
+            <a:lvl4pPr marL="1371600" indent="0">
+              <a:buNone/>
+              <a:defRPr sz="2000"/>
+            </a:lvl4pPr>
+            <a:lvl5pPr marL="1828800" indent="0">
+              <a:buNone/>
+              <a:defRPr sz="2000"/>
+            </a:lvl5pPr>
+            <a:lvl6pPr marL="2286000" indent="0">
+              <a:buNone/>
+              <a:defRPr sz="2000"/>
+            </a:lvl6pPr>
+            <a:lvl7pPr marL="2743200" indent="0">
+              <a:buNone/>
+              <a:defRPr sz="2000"/>
+            </a:lvl7pPr>
+            <a:lvl8pPr marL="3200400" indent="0">
+              <a:buNone/>
+              <a:defRPr sz="2000"/>
+            </a:lvl8pPr>
+            <a:lvl9pPr marL="3657600" indent="0">
+              <a:buNone/>
+              <a:defRPr sz="2000"/>
+            </a:lvl9pPr>
+          </a:lstStyle>
+          <a:p>
+            <a:r>
+              <a:rPr lang="ru-RU"/>
+              <a:t>Вставка рисунка</a:t>
+            </a:r>
+            <a:endParaRPr lang="en-US" dirty="0"/>
+          </a:p>
+        </p:txBody>
+      </p:sp>
+      <p:sp>
+        <p:nvSpPr>
+          <p:cNvPr id="4" name="Text Placeholder 3"/>
+          <p:cNvSpPr>
+            <a:spLocks noGrp="1"/>
+          </p:cNvSpPr>
+          <p:nvPr>
+            <p:ph type="body" sz="half" idx="2"/>
+          </p:nvPr>
+        </p:nvSpPr>
+        <p:spPr>
+          <a:xfrm>
+            <a:off x="1120000" y="2057400"/>
+            <a:ext cx="3652025" cy="3811588"/>
+          </a:xfrm>
+        </p:spPr>
+        <p:txBody>
           <a:bodyPr/>
           <a:lstStyle>
             <a:lvl1pPr marL="0" indent="0">
               <a:buNone/>
-              <a:defRPr sz="3200"/>
-            </a:lvl1pPr>
-            <a:lvl2pPr marL="457200" indent="0">
-              <a:buNone/>
-              <a:defRPr sz="2800"/>
-            </a:lvl2pPr>
-            <a:lvl3pPr marL="914400" indent="0">
-              <a:buNone/>
-              <a:defRPr sz="2400"/>
-            </a:lvl3pPr>
-            <a:lvl4pPr marL="1371600" indent="0">
-              <a:buNone/>
-              <a:defRPr sz="2000"/>
-            </a:lvl4pPr>
-            <a:lvl5pPr marL="1828800" indent="0">
-              <a:buNone/>
-              <a:defRPr sz="2000"/>
-            </a:lvl5pPr>
-            <a:lvl6pPr marL="2286000" indent="0">
-              <a:buNone/>
-              <a:defRPr sz="2000"/>
-            </a:lvl6pPr>
-            <a:lvl7pPr marL="2743200" indent="0">
-              <a:buNone/>
-              <a:defRPr sz="2000"/>
-            </a:lvl7pPr>
-            <a:lvl8pPr marL="3200400" indent="0">
-              <a:buNone/>
-              <a:defRPr sz="2000"/>
-            </a:lvl8pPr>
-            <a:lvl9pPr marL="3657600" indent="0">
-              <a:buNone/>
-              <a:defRPr sz="2000"/>
-            </a:lvl9pPr>
-          </a:lstStyle>
-          <a:p>
-            <a:endParaRPr lang="ru-RU"/>
-          </a:p>
-        </p:txBody>
-      </p:sp>
-      <p:sp>
-        <p:nvSpPr>
-          <p:cNvPr id="4" name="Текст 3">
-            <a:extLst>
-              <a:ext uri="{FF2B5EF4-FFF2-40B4-BE49-F238E27FC236}">
-                <a16:creationId xmlns:a16="http://schemas.microsoft.com/office/drawing/2014/main" id="{0F6C1602-AF77-4FF3-BB50-9191876CB9A2}"/>
-              </a:ext>
-            </a:extLst>
-          </p:cNvPr>
-          <p:cNvSpPr>
-            <a:spLocks noGrp="1"/>
-          </p:cNvSpPr>
-          <p:nvPr>
-            <p:ph type="body" sz="half" idx="2"/>
-          </p:nvPr>
-        </p:nvSpPr>
-        <p:spPr>
-          <a:xfrm>
-            <a:off x="839788" y="2057400"/>
-            <a:ext cx="3932237" cy="3811588"/>
-          </a:xfrm>
-        </p:spPr>
-        <p:txBody>
-          <a:bodyPr/>
-          <a:lstStyle>
-            <a:lvl1pPr marL="0" indent="0">
-              <a:buNone/>
-              <a:defRPr sz="1600"/>
+              <a:defRPr sz="1600">
+                <a:gradFill>
+                  <a:gsLst>
+                    <a:gs pos="15000">
+                      <a:schemeClr val="tx2"/>
+                    </a:gs>
+                    <a:gs pos="73000">
+                      <a:schemeClr val="tx2">
+                        <a:lumMod val="60000"/>
+                        <a:lumOff val="40000"/>
+                      </a:schemeClr>
+                    </a:gs>
+                    <a:gs pos="0">
+                      <a:schemeClr val="tx1"/>
+                    </a:gs>
+                    <a:gs pos="100000">
+                      <a:schemeClr val="tx2">
+                        <a:lumMod val="0"/>
+                        <a:lumOff val="100000"/>
+                      </a:schemeClr>
+                    </a:gs>
+                  </a:gsLst>
+                  <a:lin ang="16200000" scaled="1"/>
+                </a:gradFill>
+              </a:defRPr>
             </a:lvl1pPr>
             <a:lvl2pPr marL="457200" indent="0">
               <a:buNone/>
@@ -2664,13 +5017,7 @@
       </p:sp>
       <p:sp>
         <p:nvSpPr>
-          <p:cNvPr id="5" name="Дата 4">
-            <a:extLst>
-              <a:ext uri="{FF2B5EF4-FFF2-40B4-BE49-F238E27FC236}">
-                <a16:creationId xmlns:a16="http://schemas.microsoft.com/office/drawing/2014/main" id="{DCF222D8-653F-4BDC-A829-B1155A1C22F6}"/>
-              </a:ext>
-            </a:extLst>
-          </p:cNvPr>
+          <p:cNvPr id="5" name="Date Placeholder 4"/>
           <p:cNvSpPr>
             <a:spLocks noGrp="1"/>
           </p:cNvSpPr>
@@ -2693,13 +5040,7 @@
       </p:sp>
       <p:sp>
         <p:nvSpPr>
-          <p:cNvPr id="6" name="Нижний колонтитул 5">
-            <a:extLst>
-              <a:ext uri="{FF2B5EF4-FFF2-40B4-BE49-F238E27FC236}">
-                <a16:creationId xmlns:a16="http://schemas.microsoft.com/office/drawing/2014/main" id="{8A89E6DD-0238-43ED-9684-8BB3E24F4331}"/>
-              </a:ext>
-            </a:extLst>
-          </p:cNvPr>
+          <p:cNvPr id="6" name="Footer Placeholder 5"/>
           <p:cNvSpPr>
             <a:spLocks noGrp="1"/>
           </p:cNvSpPr>
@@ -2718,13 +5059,7 @@
       </p:sp>
       <p:sp>
         <p:nvSpPr>
-          <p:cNvPr id="7" name="Номер слайда 6">
-            <a:extLst>
-              <a:ext uri="{FF2B5EF4-FFF2-40B4-BE49-F238E27FC236}">
-                <a16:creationId xmlns:a16="http://schemas.microsoft.com/office/drawing/2014/main" id="{7531A2A6-D234-4F70-A71A-E326F70F1C67}"/>
-              </a:ext>
-            </a:extLst>
-          </p:cNvPr>
+          <p:cNvPr id="7" name="Slide Number Placeholder 6"/>
           <p:cNvSpPr>
             <a:spLocks noGrp="1"/>
           </p:cNvSpPr>
@@ -2748,7 +5083,7 @@
     </p:spTree>
     <p:extLst>
       <p:ext uri="{BB962C8B-B14F-4D97-AF65-F5344CB8AC3E}">
-        <p14:creationId xmlns:p14="http://schemas.microsoft.com/office/powerpoint/2010/main" val="3685746071"/>
+        <p14:creationId xmlns:p14="http://schemas.microsoft.com/office/powerpoint/2010/main" val="2122362260"/>
       </p:ext>
     </p:extLst>
   </p:cSld>
@@ -2762,9 +5097,18 @@
 <p:sldMaster xmlns:a="http://schemas.openxmlformats.org/drawingml/2006/main" xmlns:r="http://schemas.openxmlformats.org/officeDocument/2006/relationships" xmlns:p="http://schemas.openxmlformats.org/presentationml/2006/main">
   <p:cSld>
     <p:bg>
-      <p:bgRef idx="1001">
-        <a:schemeClr val="bg1"/>
-      </p:bgRef>
+      <p:bgPr>
+        <a:blipFill dpi="0" rotWithShape="1">
+          <a:blip r:embed="rId19">
+            <a:lum/>
+          </a:blip>
+          <a:srcRect/>
+          <a:stretch>
+            <a:fillRect/>
+          </a:stretch>
+        </a:blipFill>
+        <a:effectLst/>
+      </p:bgPr>
     </p:bg>
     <p:spTree>
       <p:nvGrpSpPr>
@@ -2782,13 +5126,7 @@
       </p:grpSpPr>
       <p:sp>
         <p:nvSpPr>
-          <p:cNvPr id="2" name="Заголовок 1">
-            <a:extLst>
-              <a:ext uri="{FF2B5EF4-FFF2-40B4-BE49-F238E27FC236}">
-                <a16:creationId xmlns:a16="http://schemas.microsoft.com/office/drawing/2014/main" id="{99CB7421-3F4D-42F8-BD62-DDDCED39E305}"/>
-              </a:ext>
-            </a:extLst>
-          </p:cNvPr>
+          <p:cNvPr id="2" name="Title Placeholder 1"/>
           <p:cNvSpPr>
             <a:spLocks noGrp="1"/>
           </p:cNvSpPr>
@@ -2815,18 +5153,13 @@
               <a:rPr lang="ru-RU"/>
               <a:t>Образец заголовка</a:t>
             </a:r>
-          </a:p>
-        </p:txBody>
-      </p:sp>
-      <p:sp>
-        <p:nvSpPr>
-          <p:cNvPr id="3" name="Текст 2">
-            <a:extLst>
-              <a:ext uri="{FF2B5EF4-FFF2-40B4-BE49-F238E27FC236}">
-                <a16:creationId xmlns:a16="http://schemas.microsoft.com/office/drawing/2014/main" id="{DA16CEC1-D110-4D57-8350-A7F67A751BA8}"/>
-              </a:ext>
-            </a:extLst>
-          </p:cNvPr>
+            <a:endParaRPr lang="en-US" dirty="0"/>
+          </a:p>
+        </p:txBody>
+      </p:sp>
+      <p:sp>
+        <p:nvSpPr>
+          <p:cNvPr id="3" name="Text Placeholder 2"/>
           <p:cNvSpPr>
             <a:spLocks noGrp="1"/>
           </p:cNvSpPr>
@@ -2836,8 +5169,8 @@
         </p:nvSpPr>
         <p:spPr>
           <a:xfrm>
-            <a:off x="838200" y="1825625"/>
-            <a:ext cx="10515600" cy="4351338"/>
+            <a:off x="1120000" y="1825625"/>
+            <a:ext cx="10233800" cy="4351338"/>
           </a:xfrm>
           <a:prstGeom prst="rect">
             <a:avLst/>
@@ -2882,18 +5215,13 @@
               <a:rPr lang="ru-RU"/>
               <a:t>Пятый уровень</a:t>
             </a:r>
-          </a:p>
-        </p:txBody>
-      </p:sp>
-      <p:sp>
-        <p:nvSpPr>
-          <p:cNvPr id="4" name="Дата 3">
-            <a:extLst>
-              <a:ext uri="{FF2B5EF4-FFF2-40B4-BE49-F238E27FC236}">
-                <a16:creationId xmlns:a16="http://schemas.microsoft.com/office/drawing/2014/main" id="{6F6BF3AD-C91A-4594-B365-559D3DFBB68A}"/>
-              </a:ext>
-            </a:extLst>
-          </p:cNvPr>
+            <a:endParaRPr lang="en-US" dirty="0"/>
+          </a:p>
+        </p:txBody>
+      </p:sp>
+      <p:sp>
+        <p:nvSpPr>
+          <p:cNvPr id="4" name="Date Placeholder 3"/>
           <p:cNvSpPr>
             <a:spLocks noGrp="1"/>
           </p:cNvSpPr>
@@ -2915,11 +5243,29 @@
           <a:lstStyle>
             <a:lvl1pPr algn="l">
               <a:defRPr sz="1200">
-                <a:solidFill>
-                  <a:schemeClr val="tx1">
-                    <a:tint val="75000"/>
-                  </a:schemeClr>
-                </a:solidFill>
+                <a:gradFill flip="none" rotWithShape="1">
+                  <a:gsLst>
+                    <a:gs pos="28000">
+                      <a:schemeClr val="tx1">
+                        <a:lumMod val="93000"/>
+                      </a:schemeClr>
+                    </a:gs>
+                    <a:gs pos="0">
+                      <a:schemeClr val="bg1">
+                        <a:lumMod val="38000"/>
+                        <a:lumOff val="62000"/>
+                      </a:schemeClr>
+                    </a:gs>
+                    <a:gs pos="100000">
+                      <a:schemeClr val="tx2">
+                        <a:lumMod val="0"/>
+                        <a:lumOff val="100000"/>
+                      </a:schemeClr>
+                    </a:gs>
+                  </a:gsLst>
+                  <a:lin ang="5400000" scaled="1"/>
+                  <a:tileRect/>
+                </a:gradFill>
               </a:defRPr>
             </a:lvl1pPr>
           </a:lstStyle>
@@ -2934,13 +5280,7 @@
       </p:sp>
       <p:sp>
         <p:nvSpPr>
-          <p:cNvPr id="5" name="Нижний колонтитул 4">
-            <a:extLst>
-              <a:ext uri="{FF2B5EF4-FFF2-40B4-BE49-F238E27FC236}">
-                <a16:creationId xmlns:a16="http://schemas.microsoft.com/office/drawing/2014/main" id="{D1E61BF9-434C-4A28-8BA1-BF430793C7B4}"/>
-              </a:ext>
-            </a:extLst>
-          </p:cNvPr>
+          <p:cNvPr id="5" name="Footer Placeholder 4"/>
           <p:cNvSpPr>
             <a:spLocks noGrp="1"/>
           </p:cNvSpPr>
@@ -2962,11 +5302,29 @@
           <a:lstStyle>
             <a:lvl1pPr algn="ctr">
               <a:defRPr sz="1200">
-                <a:solidFill>
-                  <a:schemeClr val="tx1">
-                    <a:tint val="75000"/>
-                  </a:schemeClr>
-                </a:solidFill>
+                <a:gradFill flip="none" rotWithShape="1">
+                  <a:gsLst>
+                    <a:gs pos="28000">
+                      <a:schemeClr val="tx1">
+                        <a:lumMod val="93000"/>
+                      </a:schemeClr>
+                    </a:gs>
+                    <a:gs pos="0">
+                      <a:schemeClr val="bg1">
+                        <a:lumMod val="38000"/>
+                        <a:lumOff val="62000"/>
+                      </a:schemeClr>
+                    </a:gs>
+                    <a:gs pos="100000">
+                      <a:schemeClr val="tx2">
+                        <a:lumMod val="0"/>
+                        <a:lumOff val="100000"/>
+                      </a:schemeClr>
+                    </a:gs>
+                  </a:gsLst>
+                  <a:lin ang="5400000" scaled="1"/>
+                  <a:tileRect/>
+                </a:gradFill>
               </a:defRPr>
             </a:lvl1pPr>
           </a:lstStyle>
@@ -2977,13 +5335,7 @@
       </p:sp>
       <p:sp>
         <p:nvSpPr>
-          <p:cNvPr id="6" name="Номер слайда 5">
-            <a:extLst>
-              <a:ext uri="{FF2B5EF4-FFF2-40B4-BE49-F238E27FC236}">
-                <a16:creationId xmlns:a16="http://schemas.microsoft.com/office/drawing/2014/main" id="{F4F14B9D-93A8-4E70-A626-B4A33D5CEA31}"/>
-              </a:ext>
-            </a:extLst>
-          </p:cNvPr>
+          <p:cNvPr id="6" name="Slide Number Placeholder 5"/>
           <p:cNvSpPr>
             <a:spLocks noGrp="1"/>
           </p:cNvSpPr>
@@ -3005,11 +5357,29 @@
           <a:lstStyle>
             <a:lvl1pPr algn="r">
               <a:defRPr sz="1200">
-                <a:solidFill>
-                  <a:schemeClr val="tx1">
-                    <a:tint val="75000"/>
-                  </a:schemeClr>
-                </a:solidFill>
+                <a:gradFill flip="none" rotWithShape="1">
+                  <a:gsLst>
+                    <a:gs pos="28000">
+                      <a:schemeClr val="tx1">
+                        <a:lumMod val="93000"/>
+                      </a:schemeClr>
+                    </a:gs>
+                    <a:gs pos="0">
+                      <a:schemeClr val="bg1">
+                        <a:lumMod val="38000"/>
+                        <a:lumOff val="62000"/>
+                      </a:schemeClr>
+                    </a:gs>
+                    <a:gs pos="100000">
+                      <a:schemeClr val="tx2">
+                        <a:lumMod val="0"/>
+                        <a:lumOff val="100000"/>
+                      </a:schemeClr>
+                    </a:gs>
+                  </a:gsLst>
+                  <a:lin ang="5400000" scaled="1"/>
+                  <a:tileRect/>
+                </a:gradFill>
               </a:defRPr>
             </a:lvl1pPr>
           </a:lstStyle>
@@ -3025,23 +5395,29 @@
     </p:spTree>
     <p:extLst>
       <p:ext uri="{BB962C8B-B14F-4D97-AF65-F5344CB8AC3E}">
-        <p14:creationId xmlns:p14="http://schemas.microsoft.com/office/powerpoint/2010/main" val="3487953831"/>
+        <p14:creationId xmlns:p14="http://schemas.microsoft.com/office/powerpoint/2010/main" val="3287592392"/>
       </p:ext>
     </p:extLst>
   </p:cSld>
-  <p:clrMap bg1="lt1" tx1="dk1" bg2="lt2" tx2="dk2" accent1="accent1" accent2="accent2" accent3="accent3" accent4="accent4" accent5="accent5" accent6="accent6" hlink="hlink" folHlink="folHlink"/>
+  <p:clrMap bg1="dk1" tx1="lt1" bg2="dk2" tx2="lt2" accent1="accent1" accent2="accent2" accent3="accent3" accent4="accent4" accent5="accent5" accent6="accent6" hlink="hlink" folHlink="folHlink"/>
   <p:sldLayoutIdLst>
-    <p:sldLayoutId id="2147483649" r:id="rId1"/>
-    <p:sldLayoutId id="2147483650" r:id="rId2"/>
-    <p:sldLayoutId id="2147483651" r:id="rId3"/>
-    <p:sldLayoutId id="2147483652" r:id="rId4"/>
-    <p:sldLayoutId id="2147483653" r:id="rId5"/>
-    <p:sldLayoutId id="2147483654" r:id="rId6"/>
-    <p:sldLayoutId id="2147483655" r:id="rId7"/>
-    <p:sldLayoutId id="2147483656" r:id="rId8"/>
-    <p:sldLayoutId id="2147483657" r:id="rId9"/>
-    <p:sldLayoutId id="2147483658" r:id="rId10"/>
-    <p:sldLayoutId id="2147483659" r:id="rId11"/>
+    <p:sldLayoutId id="2147483679" r:id="rId1"/>
+    <p:sldLayoutId id="2147483680" r:id="rId2"/>
+    <p:sldLayoutId id="2147483681" r:id="rId3"/>
+    <p:sldLayoutId id="2147483682" r:id="rId4"/>
+    <p:sldLayoutId id="2147483683" r:id="rId5"/>
+    <p:sldLayoutId id="2147483684" r:id="rId6"/>
+    <p:sldLayoutId id="2147483685" r:id="rId7"/>
+    <p:sldLayoutId id="2147483686" r:id="rId8"/>
+    <p:sldLayoutId id="2147483687" r:id="rId9"/>
+    <p:sldLayoutId id="2147483688" r:id="rId10"/>
+    <p:sldLayoutId id="2147483689" r:id="rId11"/>
+    <p:sldLayoutId id="2147483690" r:id="rId12"/>
+    <p:sldLayoutId id="2147483691" r:id="rId13"/>
+    <p:sldLayoutId id="2147483692" r:id="rId14"/>
+    <p:sldLayoutId id="2147483693" r:id="rId15"/>
+    <p:sldLayoutId id="2147483694" r:id="rId16"/>
+    <p:sldLayoutId id="2147483695" r:id="rId17"/>
   </p:sldLayoutIdLst>
   <p:txStyles>
     <p:titleStyle>
@@ -3053,10 +5429,30 @@
           <a:spcPct val="0"/>
         </a:spcBef>
         <a:buNone/>
-        <a:defRPr sz="4400" kern="1200">
-          <a:solidFill>
-            <a:schemeClr val="tx1"/>
-          </a:solidFill>
+        <a:defRPr sz="5400" b="0" kern="1200">
+          <a:gradFill flip="none" rotWithShape="1">
+            <a:gsLst>
+              <a:gs pos="28000">
+                <a:schemeClr val="tx1">
+                  <a:lumMod val="93000"/>
+                </a:schemeClr>
+              </a:gs>
+              <a:gs pos="0">
+                <a:schemeClr val="bg1">
+                  <a:lumMod val="25000"/>
+                  <a:lumOff val="75000"/>
+                </a:schemeClr>
+              </a:gs>
+              <a:gs pos="100000">
+                <a:schemeClr val="tx2">
+                  <a:lumMod val="0"/>
+                  <a:lumOff val="100000"/>
+                </a:schemeClr>
+              </a:gs>
+            </a:gsLst>
+            <a:lin ang="4800000" scaled="0"/>
+            <a:tileRect/>
+          </a:gradFill>
           <a:latin typeface="+mj-lt"/>
           <a:ea typeface="+mj-ea"/>
           <a:cs typeface="+mj-cs"/>
@@ -3074,9 +5470,28 @@
         <a:buFont typeface="Arial" panose="020B0604020202020204" pitchFamily="34" charset="0"/>
         <a:buChar char="•"/>
         <a:defRPr sz="2800" kern="1200">
-          <a:solidFill>
-            <a:schemeClr val="tx1"/>
-          </a:solidFill>
+          <a:gradFill>
+            <a:gsLst>
+              <a:gs pos="34000">
+                <a:schemeClr val="tx1">
+                  <a:lumMod val="93000"/>
+                </a:schemeClr>
+              </a:gs>
+              <a:gs pos="0">
+                <a:schemeClr val="bg1">
+                  <a:lumMod val="25000"/>
+                  <a:lumOff val="75000"/>
+                </a:schemeClr>
+              </a:gs>
+              <a:gs pos="100000">
+                <a:schemeClr val="tx2">
+                  <a:lumMod val="0"/>
+                  <a:lumOff val="100000"/>
+                </a:schemeClr>
+              </a:gs>
+            </a:gsLst>
+            <a:lin ang="4800000" scaled="0"/>
+          </a:gradFill>
           <a:latin typeface="+mn-lt"/>
           <a:ea typeface="+mn-ea"/>
           <a:cs typeface="+mn-cs"/>
@@ -3092,9 +5507,28 @@
         <a:buFont typeface="Arial" panose="020B0604020202020204" pitchFamily="34" charset="0"/>
         <a:buChar char="•"/>
         <a:defRPr sz="2400" kern="1200">
-          <a:solidFill>
-            <a:schemeClr val="tx1"/>
-          </a:solidFill>
+          <a:gradFill>
+            <a:gsLst>
+              <a:gs pos="34000">
+                <a:schemeClr val="tx1">
+                  <a:lumMod val="93000"/>
+                </a:schemeClr>
+              </a:gs>
+              <a:gs pos="0">
+                <a:schemeClr val="bg1">
+                  <a:lumMod val="25000"/>
+                  <a:lumOff val="75000"/>
+                </a:schemeClr>
+              </a:gs>
+              <a:gs pos="100000">
+                <a:schemeClr val="tx2">
+                  <a:lumMod val="0"/>
+                  <a:lumOff val="100000"/>
+                </a:schemeClr>
+              </a:gs>
+            </a:gsLst>
+            <a:lin ang="4800000" scaled="0"/>
+          </a:gradFill>
           <a:latin typeface="+mn-lt"/>
           <a:ea typeface="+mn-ea"/>
           <a:cs typeface="+mn-cs"/>
@@ -3110,9 +5544,28 @@
         <a:buFont typeface="Arial" panose="020B0604020202020204" pitchFamily="34" charset="0"/>
         <a:buChar char="•"/>
         <a:defRPr sz="2000" kern="1200">
-          <a:solidFill>
-            <a:schemeClr val="tx1"/>
-          </a:solidFill>
+          <a:gradFill>
+            <a:gsLst>
+              <a:gs pos="34000">
+                <a:schemeClr val="tx1">
+                  <a:lumMod val="93000"/>
+                </a:schemeClr>
+              </a:gs>
+              <a:gs pos="0">
+                <a:schemeClr val="bg1">
+                  <a:lumMod val="25000"/>
+                  <a:lumOff val="75000"/>
+                </a:schemeClr>
+              </a:gs>
+              <a:gs pos="100000">
+                <a:schemeClr val="tx2">
+                  <a:lumMod val="0"/>
+                  <a:lumOff val="100000"/>
+                </a:schemeClr>
+              </a:gs>
+            </a:gsLst>
+            <a:lin ang="4800000" scaled="0"/>
+          </a:gradFill>
           <a:latin typeface="+mn-lt"/>
           <a:ea typeface="+mn-ea"/>
           <a:cs typeface="+mn-cs"/>
@@ -3128,9 +5581,28 @@
         <a:buFont typeface="Arial" panose="020B0604020202020204" pitchFamily="34" charset="0"/>
         <a:buChar char="•"/>
         <a:defRPr sz="1800" kern="1200">
-          <a:solidFill>
-            <a:schemeClr val="tx1"/>
-          </a:solidFill>
+          <a:gradFill>
+            <a:gsLst>
+              <a:gs pos="34000">
+                <a:schemeClr val="tx1">
+                  <a:lumMod val="93000"/>
+                </a:schemeClr>
+              </a:gs>
+              <a:gs pos="0">
+                <a:schemeClr val="bg1">
+                  <a:lumMod val="25000"/>
+                  <a:lumOff val="75000"/>
+                </a:schemeClr>
+              </a:gs>
+              <a:gs pos="100000">
+                <a:schemeClr val="tx2">
+                  <a:lumMod val="0"/>
+                  <a:lumOff val="100000"/>
+                </a:schemeClr>
+              </a:gs>
+            </a:gsLst>
+            <a:lin ang="4800000" scaled="0"/>
+          </a:gradFill>
           <a:latin typeface="+mn-lt"/>
           <a:ea typeface="+mn-ea"/>
           <a:cs typeface="+mn-cs"/>
@@ -3146,9 +5618,28 @@
         <a:buFont typeface="Arial" panose="020B0604020202020204" pitchFamily="34" charset="0"/>
         <a:buChar char="•"/>
         <a:defRPr sz="1800" kern="1200">
-          <a:solidFill>
-            <a:schemeClr val="tx1"/>
-          </a:solidFill>
+          <a:gradFill>
+            <a:gsLst>
+              <a:gs pos="34000">
+                <a:schemeClr val="tx1">
+                  <a:lumMod val="93000"/>
+                </a:schemeClr>
+              </a:gs>
+              <a:gs pos="0">
+                <a:schemeClr val="bg1">
+                  <a:lumMod val="25000"/>
+                  <a:lumOff val="75000"/>
+                </a:schemeClr>
+              </a:gs>
+              <a:gs pos="100000">
+                <a:schemeClr val="tx2">
+                  <a:lumMod val="0"/>
+                  <a:lumOff val="100000"/>
+                </a:schemeClr>
+              </a:gs>
+            </a:gsLst>
+            <a:lin ang="4800000" scaled="0"/>
+          </a:gradFill>
           <a:latin typeface="+mn-lt"/>
           <a:ea typeface="+mn-ea"/>
           <a:cs typeface="+mn-cs"/>
@@ -3229,7 +5720,7 @@
     </p:bodyStyle>
     <p:otherStyle>
       <a:defPPr>
-        <a:defRPr lang="ru-RU"/>
+        <a:defRPr lang="en-US"/>
       </a:defPPr>
       <a:lvl1pPr marL="0" algn="l" defTabSz="914400" rtl="0" eaLnBrk="1" latinLnBrk="0" hangingPunct="1">
         <a:defRPr sz="1800" kern="1200">
@@ -3361,7 +5852,7 @@
         </p:nvSpPr>
         <p:spPr>
           <a:xfrm>
-            <a:off x="1524000" y="-514567"/>
+            <a:off x="2870200" y="666533"/>
             <a:ext cx="9144000" cy="2387600"/>
           </a:xfrm>
         </p:spPr>
@@ -3372,36 +5863,12 @@
           <a:lstStyle/>
           <a:p>
             <a:r>
-              <a:rPr lang="ru-RU" sz="4800" dirty="0">
-                <a:latin typeface="Arial Black" panose="020B0A04020102020204" pitchFamily="34" charset="0"/>
+              <a:rPr lang="ru-RU" sz="5000" spc="-100" dirty="0">
+                <a:latin typeface="Arial" panose="020B0604020202020204" pitchFamily="34" charset="0"/>
+                <a:cs typeface="Arial" panose="020B0604020202020204" pitchFamily="34" charset="0"/>
               </a:rPr>
               <a:t>Африка: новые возможности для России</a:t>
             </a:r>
-          </a:p>
-        </p:txBody>
-      </p:sp>
-      <p:sp>
-        <p:nvSpPr>
-          <p:cNvPr id="3" name="Подзаголовок 2">
-            <a:extLst>
-              <a:ext uri="{FF2B5EF4-FFF2-40B4-BE49-F238E27FC236}">
-                <a16:creationId xmlns:a16="http://schemas.microsoft.com/office/drawing/2014/main" id="{EED7DB15-4306-4A92-BD9B-F13D3FCF0369}"/>
-              </a:ext>
-            </a:extLst>
-          </p:cNvPr>
-          <p:cNvSpPr>
-            <a:spLocks noGrp="1"/>
-          </p:cNvSpPr>
-          <p:nvPr>
-            <p:ph type="subTitle" idx="1"/>
-          </p:nvPr>
-        </p:nvSpPr>
-        <p:spPr/>
-        <p:txBody>
-          <a:bodyPr/>
-          <a:lstStyle/>
-          <a:p>
-            <a:endParaRPr lang="ru-RU" dirty="0"/>
           </a:p>
         </p:txBody>
       </p:sp>
@@ -3433,7 +5900,7 @@
         </p:blipFill>
         <p:spPr>
           <a:xfrm>
-            <a:off x="3225500" y="2315727"/>
+            <a:off x="3225500" y="2087127"/>
             <a:ext cx="5741000" cy="3716773"/>
           </a:xfrm>
           <a:prstGeom prst="rect">
@@ -3528,17 +5995,19 @@
         </p:nvSpPr>
         <p:spPr>
           <a:xfrm>
-            <a:off x="838200" y="180567"/>
+            <a:off x="774700" y="-22633"/>
             <a:ext cx="10515600" cy="1325563"/>
           </a:xfrm>
         </p:spPr>
         <p:txBody>
-          <a:bodyPr/>
+          <a:bodyPr>
+            <a:normAutofit/>
+          </a:bodyPr>
           <a:lstStyle/>
           <a:p>
             <a:pPr algn="ctr"/>
             <a:r>
-              <a:rPr lang="ru-RU" dirty="0">
+              <a:rPr lang="ru-RU" sz="4000" dirty="0">
                 <a:latin typeface="Arial" panose="020B0604020202020204" pitchFamily="34" charset="0"/>
                 <a:cs typeface="Arial" panose="020B0604020202020204" pitchFamily="34" charset="0"/>
               </a:rPr>
@@ -3575,7 +6044,7 @@
           <a:graphicData uri="http://schemas.openxmlformats.org/presentationml/2006/ole">
             <mc:AlternateContent xmlns:mc="http://schemas.openxmlformats.org/markup-compatibility/2006">
               <mc:Choice xmlns:v="urn:schemas-microsoft-com:vml" Requires="v">
-                <p:oleObj spid="_x0000_s1029" name="Image" r:id="rId3" imgW="11834640" imgH="7466400" progId="Photoshop.Image.13">
+                <p:oleObj spid="_x0000_s1035" name="Image" r:id="rId3" imgW="11834640" imgH="7466400" progId="Photoshop.Image.13">
                   <p:embed/>
                 </p:oleObj>
               </mc:Choice>
@@ -3664,27 +6133,27 @@
         </p:spPr>
         <p:txBody>
           <a:bodyPr>
-            <a:normAutofit fontScale="90000"/>
+            <a:noAutofit/>
           </a:bodyPr>
           <a:lstStyle/>
           <a:p>
             <a:pPr algn="ctr"/>
             <a:r>
-              <a:rPr lang="ru-RU" dirty="0">
+              <a:rPr lang="ru-RU" sz="5000" dirty="0">
                 <a:latin typeface="Arial" panose="020B0604020202020204" pitchFamily="34" charset="0"/>
                 <a:cs typeface="Arial" panose="020B0604020202020204" pitchFamily="34" charset="0"/>
               </a:rPr>
               <a:t>Последствия </a:t>
             </a:r>
             <a:r>
-              <a:rPr lang="ru-RU" dirty="0" err="1">
+              <a:rPr lang="ru-RU" sz="5000" dirty="0" err="1">
                 <a:latin typeface="Arial" panose="020B0604020202020204" pitchFamily="34" charset="0"/>
                 <a:cs typeface="Arial" panose="020B0604020202020204" pitchFamily="34" charset="0"/>
               </a:rPr>
               <a:t>неоколониальной</a:t>
             </a:r>
             <a:r>
-              <a:rPr lang="ru-RU" dirty="0">
+              <a:rPr lang="ru-RU" sz="5000" dirty="0">
                 <a:latin typeface="Arial" panose="020B0604020202020204" pitchFamily="34" charset="0"/>
                 <a:cs typeface="Arial" panose="020B0604020202020204" pitchFamily="34" charset="0"/>
               </a:rPr>
@@ -3777,20 +6246,20 @@
           <p:nvPr>
             <p:extLst>
               <p:ext uri="{D42A27DB-BD31-4B8C-83A1-F6EECF244321}">
-                <p14:modId xmlns:p14="http://schemas.microsoft.com/office/powerpoint/2010/main" val="1427345672"/>
+                <p14:modId xmlns:p14="http://schemas.microsoft.com/office/powerpoint/2010/main" val="2722714411"/>
               </p:ext>
             </p:extLst>
           </p:nvPr>
         </p:nvGraphicFramePr>
         <p:xfrm>
-          <a:off x="4178300" y="1484313"/>
+          <a:off x="4178300" y="1395413"/>
           <a:ext cx="3505200" cy="5257800"/>
         </p:xfrm>
         <a:graphic>
           <a:graphicData uri="http://schemas.openxmlformats.org/presentationml/2006/ole">
             <mc:AlternateContent xmlns:mc="http://schemas.openxmlformats.org/markup-compatibility/2006">
               <mc:Choice xmlns:v="urn:schemas-microsoft-com:vml" Requires="v">
-                <p:oleObj spid="_x0000_s2053" name="Image" r:id="rId3" imgW="4647600" imgH="6971400" progId="Photoshop.Image.13">
+                <p:oleObj spid="_x0000_s2059" name="Image" r:id="rId3" imgW="4647600" imgH="6971400" progId="Photoshop.Image.13">
                   <p:embed/>
                 </p:oleObj>
               </mc:Choice>
@@ -3811,7 +6280,7 @@
                     </p:blipFill>
                     <p:spPr>
                       <a:xfrm>
-                        <a:off x="4178300" y="1484313"/>
+                        <a:off x="4178300" y="1395413"/>
                         <a:ext cx="3505200" cy="5257800"/>
                       </a:xfrm>
                       <a:prstGeom prst="rect">
@@ -3952,25 +6421,26 @@
         </p:nvSpPr>
         <p:spPr>
           <a:xfrm>
-            <a:off x="997591" y="365125"/>
+            <a:off x="946791" y="365125"/>
             <a:ext cx="10515600" cy="1325563"/>
           </a:xfrm>
         </p:spPr>
         <p:txBody>
           <a:bodyPr>
-            <a:normAutofit fontScale="90000"/>
+            <a:noAutofit/>
           </a:bodyPr>
           <a:lstStyle/>
           <a:p>
-            <a:r>
-              <a:rPr lang="ru-RU" dirty="0" err="1">
+            <a:pPr algn="ctr"/>
+            <a:r>
+              <a:rPr lang="ru-RU" sz="4000" dirty="0" err="1">
                 <a:latin typeface="Arial" panose="020B0604020202020204" pitchFamily="34" charset="0"/>
                 <a:cs typeface="Arial" panose="020B0604020202020204" pitchFamily="34" charset="0"/>
               </a:rPr>
               <a:t>Сахель</a:t>
             </a:r>
             <a:r>
-              <a:rPr lang="ru-RU" dirty="0">
+              <a:rPr lang="ru-RU" sz="4000" dirty="0">
                 <a:latin typeface="Arial" panose="020B0604020202020204" pitchFamily="34" charset="0"/>
                 <a:cs typeface="Arial" panose="020B0604020202020204" pitchFamily="34" charset="0"/>
               </a:rPr>
@@ -4006,7 +6476,7 @@
         </p:blipFill>
         <p:spPr>
           <a:xfrm>
-            <a:off x="1524000" y="1985461"/>
+            <a:off x="2247900" y="1985461"/>
             <a:ext cx="7972338" cy="4490840"/>
           </a:xfrm>
           <a:prstGeom prst="rect">
@@ -4374,6 +6844,207 @@
           <p:cNvPr id="2" name="Заголовок 1">
             <a:extLst>
               <a:ext uri="{FF2B5EF4-FFF2-40B4-BE49-F238E27FC236}">
+                <a16:creationId xmlns:a16="http://schemas.microsoft.com/office/drawing/2014/main" id="{9ECC20A3-785E-487E-B363-307AF10085CE}"/>
+              </a:ext>
+            </a:extLst>
+          </p:cNvPr>
+          <p:cNvSpPr>
+            <a:spLocks noGrp="1"/>
+          </p:cNvSpPr>
+          <p:nvPr>
+            <p:ph type="title"/>
+          </p:nvPr>
+        </p:nvSpPr>
+        <p:spPr>
+          <a:xfrm>
+            <a:off x="1841500" y="1101725"/>
+            <a:ext cx="10515600" cy="1325563"/>
+          </a:xfrm>
+        </p:spPr>
+        <p:txBody>
+          <a:bodyPr>
+            <a:normAutofit fontScale="90000"/>
+          </a:bodyPr>
+          <a:lstStyle/>
+          <a:p>
+            <a:r>
+              <a:rPr lang="ru-RU" sz="4400" dirty="0">
+                <a:latin typeface="Arial "/>
+              </a:rPr>
+              <a:t>Африка: </a:t>
+            </a:r>
+            <a:r>
+              <a:rPr lang="ru-RU" dirty="0">
+                <a:latin typeface="Arial "/>
+              </a:rPr>
+              <a:t>возможные</a:t>
+            </a:r>
+            <a:r>
+              <a:rPr lang="ru-RU" sz="4400" dirty="0">
+                <a:latin typeface="Arial "/>
+              </a:rPr>
+              <a:t> точки роста</a:t>
+            </a:r>
+            <a:br>
+              <a:rPr lang="ru-RU" sz="4400" dirty="0">
+                <a:latin typeface="Arial "/>
+              </a:rPr>
+            </a:br>
+            <a:br>
+              <a:rPr lang="ru-RU" sz="4400" dirty="0">
+                <a:latin typeface="Arial "/>
+              </a:rPr>
+            </a:br>
+            <a:br>
+              <a:rPr lang="ru-RU" sz="4400" dirty="0">
+                <a:latin typeface="Arial "/>
+              </a:rPr>
+            </a:br>
+            <a:endParaRPr lang="ru-RU" dirty="0">
+              <a:latin typeface="Arial "/>
+            </a:endParaRPr>
+          </a:p>
+        </p:txBody>
+      </p:sp>
+      <p:sp>
+        <p:nvSpPr>
+          <p:cNvPr id="3" name="TextBox 2">
+            <a:extLst>
+              <a:ext uri="{FF2B5EF4-FFF2-40B4-BE49-F238E27FC236}">
+                <a16:creationId xmlns:a16="http://schemas.microsoft.com/office/drawing/2014/main" id="{218E0257-1821-42DA-A312-4DE354F6DD97}"/>
+              </a:ext>
+            </a:extLst>
+          </p:cNvPr>
+          <p:cNvSpPr txBox="1"/>
+          <p:nvPr/>
+        </p:nvSpPr>
+        <p:spPr>
+          <a:xfrm>
+            <a:off x="1892300" y="2032000"/>
+            <a:ext cx="8509000" cy="4093428"/>
+          </a:xfrm>
+          <a:prstGeom prst="rect">
+            <a:avLst/>
+          </a:prstGeom>
+          <a:noFill/>
+        </p:spPr>
+        <p:txBody>
+          <a:bodyPr wrap="square" rtlCol="0">
+            <a:spAutoFit/>
+          </a:bodyPr>
+          <a:lstStyle/>
+          <a:p>
+            <a:pPr marL="571500" indent="-571500">
+              <a:spcAft>
+                <a:spcPts val="1800"/>
+              </a:spcAft>
+              <a:buFont typeface="Arial" panose="020B0604020202020204" pitchFamily="34" charset="0"/>
+              <a:buChar char="•"/>
+            </a:pPr>
+            <a:r>
+              <a:rPr lang="ru-RU" sz="4000" dirty="0">
+                <a:latin typeface="Arial "/>
+              </a:rPr>
+              <a:t>Сфера обороны и безопасности</a:t>
+            </a:r>
+          </a:p>
+          <a:p>
+            <a:pPr marL="571500" indent="-571500">
+              <a:spcAft>
+                <a:spcPts val="1800"/>
+              </a:spcAft>
+              <a:buFont typeface="Arial" panose="020B0604020202020204" pitchFamily="34" charset="0"/>
+              <a:buChar char="•"/>
+            </a:pPr>
+            <a:r>
+              <a:rPr lang="ru-RU" sz="4000" dirty="0">
+                <a:latin typeface="Arial "/>
+              </a:rPr>
+              <a:t>Сельское хозяйство</a:t>
+            </a:r>
+          </a:p>
+          <a:p>
+            <a:pPr marL="571500" indent="-571500">
+              <a:spcAft>
+                <a:spcPts val="1800"/>
+              </a:spcAft>
+              <a:buFont typeface="Arial" panose="020B0604020202020204" pitchFamily="34" charset="0"/>
+              <a:buChar char="•"/>
+            </a:pPr>
+            <a:r>
+              <a:rPr lang="ru-RU" sz="4000" dirty="0">
+                <a:latin typeface="Arial "/>
+              </a:rPr>
+              <a:t>Медицина</a:t>
+            </a:r>
+          </a:p>
+          <a:p>
+            <a:pPr marL="571500" indent="-571500">
+              <a:spcAft>
+                <a:spcPts val="1800"/>
+              </a:spcAft>
+              <a:buFont typeface="Arial" panose="020B0604020202020204" pitchFamily="34" charset="0"/>
+              <a:buChar char="•"/>
+            </a:pPr>
+            <a:r>
+              <a:rPr lang="ru-RU" sz="4000" dirty="0">
+                <a:latin typeface="Arial "/>
+              </a:rPr>
+              <a:t>Энергетика</a:t>
+            </a:r>
+          </a:p>
+          <a:p>
+            <a:pPr marL="571500" indent="-571500">
+              <a:spcAft>
+                <a:spcPts val="1800"/>
+              </a:spcAft>
+              <a:buFont typeface="Arial" panose="020B0604020202020204" pitchFamily="34" charset="0"/>
+              <a:buChar char="•"/>
+            </a:pPr>
+            <a:r>
+              <a:rPr lang="ru-RU" sz="4000" dirty="0">
+                <a:latin typeface="Arial "/>
+              </a:rPr>
+              <a:t>Образование</a:t>
+            </a:r>
+          </a:p>
+        </p:txBody>
+      </p:sp>
+    </p:spTree>
+    <p:extLst>
+      <p:ext uri="{BB962C8B-B14F-4D97-AF65-F5344CB8AC3E}">
+        <p14:creationId xmlns:p14="http://schemas.microsoft.com/office/powerpoint/2010/main" val="3685370958"/>
+      </p:ext>
+    </p:extLst>
+  </p:cSld>
+  <p:clrMapOvr>
+    <a:masterClrMapping/>
+  </p:clrMapOvr>
+</p:sld>
+</file>
+
+<file path=ppt/slides/slide19.xml><?xml version="1.0" encoding="utf-8"?>
+<p:sld xmlns:a="http://schemas.openxmlformats.org/drawingml/2006/main" xmlns:r="http://schemas.openxmlformats.org/officeDocument/2006/relationships" xmlns:p="http://schemas.openxmlformats.org/presentationml/2006/main">
+  <p:cSld>
+    <p:spTree>
+      <p:nvGrpSpPr>
+        <p:cNvPr id="1" name=""/>
+        <p:cNvGrpSpPr/>
+        <p:nvPr/>
+      </p:nvGrpSpPr>
+      <p:grpSpPr>
+        <a:xfrm>
+          <a:off x="0" y="0"/>
+          <a:ext cx="0" cy="0"/>
+          <a:chOff x="0" y="0"/>
+          <a:chExt cx="0" cy="0"/>
+        </a:xfrm>
+      </p:grpSpPr>
+      <p:sp>
+        <p:nvSpPr>
+          <p:cNvPr id="2" name="Заголовок 1">
+            <a:extLst>
+              <a:ext uri="{FF2B5EF4-FFF2-40B4-BE49-F238E27FC236}">
                 <a16:creationId xmlns:a16="http://schemas.microsoft.com/office/drawing/2014/main" id="{C0CB578B-5191-4856-ADA5-70DC2848BAB8}"/>
               </a:ext>
             </a:extLst>
@@ -4393,26 +7064,26 @@
         </p:spPr>
         <p:txBody>
           <a:bodyPr>
-            <a:normAutofit fontScale="90000"/>
+            <a:noAutofit/>
           </a:bodyPr>
           <a:lstStyle/>
           <a:p>
             <a:pPr algn="ctr"/>
             <a:r>
-              <a:rPr lang="ru-RU" dirty="0">
+              <a:rPr lang="ru-RU" sz="4000" dirty="0">
                 <a:latin typeface="Arial" panose="020B0604020202020204" pitchFamily="34" charset="0"/>
                 <a:cs typeface="Arial" panose="020B0604020202020204" pitchFamily="34" charset="0"/>
               </a:rPr>
               <a:t>Выводы по работе:</a:t>
             </a:r>
             <a:br>
-              <a:rPr lang="en-US" dirty="0">
+              <a:rPr lang="en-US" sz="4000" dirty="0">
                 <a:latin typeface="Arial" panose="020B0604020202020204" pitchFamily="34" charset="0"/>
                 <a:cs typeface="Arial" panose="020B0604020202020204" pitchFamily="34" charset="0"/>
               </a:rPr>
             </a:br>
             <a:r>
-              <a:rPr lang="ru-RU" dirty="0">
+              <a:rPr lang="ru-RU" sz="4000" dirty="0">
                 <a:latin typeface="Arial" panose="020B0604020202020204" pitchFamily="34" charset="0"/>
                 <a:cs typeface="Arial" panose="020B0604020202020204" pitchFamily="34" charset="0"/>
               </a:rPr>
@@ -4503,14 +7174,21 @@
             <p:ph type="title"/>
           </p:nvPr>
         </p:nvSpPr>
-        <p:spPr/>
-        <p:txBody>
-          <a:bodyPr/>
+        <p:spPr>
+          <a:xfrm>
+            <a:off x="838200" y="238125"/>
+            <a:ext cx="10515600" cy="1325563"/>
+          </a:xfrm>
+        </p:spPr>
+        <p:txBody>
+          <a:bodyPr>
+            <a:normAutofit/>
+          </a:bodyPr>
           <a:lstStyle/>
           <a:p>
             <a:pPr algn="ctr"/>
             <a:r>
-              <a:rPr lang="ru-RU" dirty="0">
+              <a:rPr lang="ru-RU" sz="5000" dirty="0">
                 <a:latin typeface="Arial" panose="020B0604020202020204" pitchFamily="34" charset="0"/>
                 <a:cs typeface="Arial" panose="020B0604020202020204" pitchFamily="34" charset="0"/>
               </a:rPr>
@@ -4547,7 +7225,7 @@
         </p:blipFill>
         <p:spPr>
           <a:xfrm>
-            <a:off x="2903756" y="1519582"/>
+            <a:off x="2903756" y="1570382"/>
             <a:ext cx="6146800" cy="4443067"/>
           </a:xfrm>
           <a:prstGeom prst="rect">
@@ -4603,17 +7281,19 @@
         </p:nvSpPr>
         <p:spPr>
           <a:xfrm>
-            <a:off x="838200" y="281235"/>
+            <a:off x="838200" y="14535"/>
             <a:ext cx="10515600" cy="1325563"/>
           </a:xfrm>
         </p:spPr>
         <p:txBody>
-          <a:bodyPr/>
+          <a:bodyPr>
+            <a:normAutofit/>
+          </a:bodyPr>
           <a:lstStyle/>
           <a:p>
             <a:pPr algn="ctr"/>
             <a:r>
-              <a:rPr lang="ru-RU" dirty="0">
+              <a:rPr lang="ru-RU" sz="5000" dirty="0">
                 <a:latin typeface="Arial" panose="020B0604020202020204" pitchFamily="34" charset="0"/>
                 <a:cs typeface="Arial" panose="020B0604020202020204" pitchFamily="34" charset="0"/>
               </a:rPr>
@@ -4712,34 +7392,43 @@
         </p:spPr>
         <p:txBody>
           <a:bodyPr>
-            <a:normAutofit fontScale="90000"/>
+            <a:normAutofit/>
           </a:bodyPr>
           <a:lstStyle/>
           <a:p>
             <a:pPr algn="l"/>
             <a:r>
-              <a:rPr lang="ru-RU" dirty="0">
+              <a:rPr lang="ru-RU" sz="4000" dirty="0">
+                <a:solidFill>
+                  <a:srgbClr val="F8F8F8"/>
+                </a:solidFill>
                 <a:latin typeface="Arial" panose="020B0604020202020204" pitchFamily="34" charset="0"/>
                 <a:cs typeface="Arial" panose="020B0604020202020204" pitchFamily="34" charset="0"/>
               </a:rPr>
               <a:t>Население Африки</a:t>
             </a:r>
             <a:br>
-              <a:rPr lang="ru-RU" dirty="0">
+              <a:rPr lang="ru-RU" sz="4000" dirty="0">
+                <a:solidFill>
+                  <a:srgbClr val="F8F8F8"/>
+                </a:solidFill>
                 <a:latin typeface="Arial" panose="020B0604020202020204" pitchFamily="34" charset="0"/>
                 <a:cs typeface="Arial" panose="020B0604020202020204" pitchFamily="34" charset="0"/>
               </a:rPr>
             </a:br>
             <a:br>
-              <a:rPr lang="ru-RU" dirty="0">
+              <a:rPr lang="ru-RU" sz="4000" dirty="0">
+                <a:solidFill>
+                  <a:srgbClr val="F8F8F8"/>
+                </a:solidFill>
                 <a:latin typeface="Arial" panose="020B0604020202020204" pitchFamily="34" charset="0"/>
                 <a:cs typeface="Arial" panose="020B0604020202020204" pitchFamily="34" charset="0"/>
               </a:rPr>
             </a:br>
             <a:r>
-              <a:rPr lang="ru-RU" b="0" dirty="0">
+              <a:rPr lang="ru-RU" sz="4000" b="0" dirty="0">
                 <a:solidFill>
-                  <a:srgbClr val="333333"/>
+                  <a:srgbClr val="F8F8F8"/>
                 </a:solidFill>
                 <a:effectLst/>
                 <a:latin typeface="Times New Roman" panose="02020603050405020304" pitchFamily="18" charset="0"/>
@@ -4748,9 +7437,9 @@
               <a:t>Некоторые демографические показатели континента в 2025 году:</a:t>
             </a:r>
             <a:br>
-              <a:rPr lang="ru-RU" b="0" dirty="0">
+              <a:rPr lang="ru-RU" sz="4000" b="0" dirty="0">
                 <a:solidFill>
-                  <a:srgbClr val="333333"/>
+                  <a:srgbClr val="F8F8F8"/>
                 </a:solidFill>
                 <a:effectLst/>
                 <a:latin typeface="Times New Roman" panose="02020603050405020304" pitchFamily="18" charset="0"/>
@@ -4758,22 +7447,28 @@
               </a:rPr>
             </a:br>
             <a:br>
-              <a:rPr lang="ru-RU" dirty="0">
+              <a:rPr lang="ru-RU" sz="4000" dirty="0">
+                <a:solidFill>
+                  <a:srgbClr val="F8F8F8"/>
+                </a:solidFill>
                 <a:latin typeface="Times New Roman" panose="02020603050405020304" pitchFamily="18" charset="0"/>
                 <a:cs typeface="Times New Roman" panose="02020603050405020304" pitchFamily="18" charset="0"/>
               </a:rPr>
             </a:br>
             <a:r>
-              <a:rPr lang="ru-RU" dirty="0">
+              <a:rPr lang="ru-RU" sz="4000" dirty="0">
+                <a:solidFill>
+                  <a:srgbClr val="F8F8F8"/>
+                </a:solidFill>
                 <a:latin typeface="Times New Roman" panose="02020603050405020304" pitchFamily="18" charset="0"/>
                 <a:cs typeface="Times New Roman" panose="02020603050405020304" pitchFamily="18" charset="0"/>
               </a:rPr>
               <a:t>Численность населения - </a:t>
             </a:r>
             <a:r>
-              <a:rPr lang="ru-RU" b="1" dirty="0">
+              <a:rPr lang="ru-RU" sz="4000" b="1" dirty="0">
                 <a:solidFill>
-                  <a:srgbClr val="333333"/>
+                  <a:srgbClr val="F8F8F8"/>
                 </a:solidFill>
                 <a:effectLst/>
                 <a:latin typeface="Times New Roman" panose="02020603050405020304" pitchFamily="18" charset="0"/>
@@ -4782,9 +7477,9 @@
               <a:t>1 553 992 052 человека</a:t>
             </a:r>
             <a:r>
-              <a:rPr lang="ru-RU" b="0" dirty="0">
+              <a:rPr lang="ru-RU" sz="4000" b="0" dirty="0">
                 <a:solidFill>
-                  <a:srgbClr val="333333"/>
+                  <a:srgbClr val="F8F8F8"/>
                 </a:solidFill>
                 <a:effectLst/>
                 <a:latin typeface="Times New Roman" panose="02020603050405020304" pitchFamily="18" charset="0"/>
@@ -4793,9 +7488,9 @@
               <a:t>.</a:t>
             </a:r>
             <a:br>
-              <a:rPr lang="ru-RU" b="0" dirty="0">
+              <a:rPr lang="ru-RU" sz="4000" b="0" dirty="0">
                 <a:solidFill>
-                  <a:srgbClr val="333333"/>
+                  <a:srgbClr val="F8F8F8"/>
                 </a:solidFill>
                 <a:effectLst/>
                 <a:latin typeface="Times New Roman" panose="02020603050405020304" pitchFamily="18" charset="0"/>
@@ -4803,9 +7498,9 @@
               </a:rPr>
             </a:br>
             <a:r>
-              <a:rPr lang="ru-RU" b="0" i="0" dirty="0">
+              <a:rPr lang="ru-RU" sz="4000" b="0" i="0" dirty="0">
                 <a:solidFill>
-                  <a:srgbClr val="333333"/>
+                  <a:srgbClr val="F8F8F8"/>
                 </a:solidFill>
                 <a:effectLst/>
                 <a:latin typeface="Times New Roman" panose="02020603050405020304" pitchFamily="18" charset="0"/>
@@ -4814,9 +7509,9 @@
               <a:t>средний возраст — 19,3 года;</a:t>
             </a:r>
             <a:br>
-              <a:rPr lang="ru-RU" b="0" i="0" dirty="0">
+              <a:rPr lang="ru-RU" sz="4000" b="0" i="0" dirty="0">
                 <a:solidFill>
-                  <a:srgbClr val="333333"/>
+                  <a:srgbClr val="F8F8F8"/>
                 </a:solidFill>
                 <a:effectLst/>
                 <a:latin typeface="Times New Roman" panose="02020603050405020304" pitchFamily="18" charset="0"/>
@@ -4824,9 +7519,9 @@
               </a:rPr>
             </a:br>
             <a:r>
-              <a:rPr lang="ru-RU" b="0" i="0" dirty="0">
+              <a:rPr lang="ru-RU" sz="4000" b="0" i="0" dirty="0">
                 <a:solidFill>
-                  <a:srgbClr val="333333"/>
+                  <a:srgbClr val="F8F8F8"/>
                 </a:solidFill>
                 <a:effectLst/>
                 <a:latin typeface="Times New Roman" panose="02020603050405020304" pitchFamily="18" charset="0"/>
@@ -4835,16 +7530,19 @@
               <a:t>городское население — 698 148 943 человека (45%)</a:t>
             </a:r>
             <a:br>
-              <a:rPr lang="ru-RU" b="0" i="0" dirty="0">
+              <a:rPr lang="ru-RU" sz="4000" b="0" i="0" dirty="0">
                 <a:solidFill>
-                  <a:srgbClr val="333333"/>
+                  <a:srgbClr val="F8F8F8"/>
                 </a:solidFill>
                 <a:effectLst/>
                 <a:latin typeface="Arial" panose="020B0604020202020204" pitchFamily="34" charset="0"/>
                 <a:cs typeface="Arial" panose="020B0604020202020204" pitchFamily="34" charset="0"/>
               </a:rPr>
             </a:br>
-            <a:endParaRPr lang="ru-RU" dirty="0">
+            <a:endParaRPr lang="ru-RU" sz="4000" dirty="0">
+              <a:solidFill>
+                <a:srgbClr val="F8F8F8"/>
+              </a:solidFill>
               <a:latin typeface="Arial" panose="020B0604020202020204" pitchFamily="34" charset="0"/>
               <a:cs typeface="Arial" panose="020B0604020202020204" pitchFamily="34" charset="0"/>
             </a:endParaRPr>
@@ -4904,7 +7602,9 @@
           </a:xfrm>
         </p:spPr>
         <p:txBody>
-          <a:bodyPr/>
+          <a:bodyPr>
+            <a:normAutofit fontScale="90000"/>
+          </a:bodyPr>
           <a:lstStyle/>
           <a:p>
             <a:pPr algn="ctr"/>
@@ -4946,7 +7646,7 @@
         </p:blipFill>
         <p:spPr>
           <a:xfrm>
-            <a:off x="3105150" y="1706400"/>
+            <a:off x="3105150" y="1935000"/>
             <a:ext cx="6369050" cy="4522949"/>
           </a:xfrm>
           <a:prstGeom prst="rect">
@@ -5007,7 +7707,9 @@
           </a:xfrm>
         </p:spPr>
         <p:txBody>
-          <a:bodyPr/>
+          <a:bodyPr>
+            <a:normAutofit fontScale="90000"/>
+          </a:bodyPr>
           <a:lstStyle/>
           <a:p>
             <a:pPr algn="ctr"/>
@@ -5069,12 +7771,14 @@
         </p:nvSpPr>
         <p:spPr/>
         <p:txBody>
-          <a:bodyPr/>
+          <a:bodyPr>
+            <a:normAutofit/>
+          </a:bodyPr>
           <a:lstStyle/>
           <a:p>
             <a:pPr algn="ctr"/>
             <a:r>
-              <a:rPr lang="ru-RU" dirty="0">
+              <a:rPr lang="ru-RU" sz="5000" dirty="0">
                 <a:latin typeface="Arial" panose="020B0604020202020204" pitchFamily="34" charset="0"/>
                 <a:cs typeface="Arial" panose="020B0604020202020204" pitchFamily="34" charset="0"/>
               </a:rPr>
@@ -5296,12 +8000,6 @@
               <a:t>Франция</a:t>
             </a:r>
             <a:br>
-              <a:rPr lang="en-US" dirty="0">
-                <a:latin typeface="Arial" panose="020B0604020202020204" pitchFamily="34" charset="0"/>
-                <a:cs typeface="Arial" panose="020B0604020202020204" pitchFamily="34" charset="0"/>
-              </a:rPr>
-            </a:br>
-            <a:br>
               <a:rPr lang="ru-RU" dirty="0">
                 <a:latin typeface="Arial" panose="020B0604020202020204" pitchFamily="34" charset="0"/>
                 <a:cs typeface="Arial" panose="020B0604020202020204" pitchFamily="34" charset="0"/>
@@ -5344,7 +8042,7 @@
         </p:blipFill>
         <p:spPr>
           <a:xfrm>
-            <a:off x="2550254" y="2149215"/>
+            <a:off x="2893154" y="2149215"/>
             <a:ext cx="6199464" cy="4192862"/>
           </a:xfrm>
           <a:prstGeom prst="rect">
@@ -5412,7 +8110,7 @@
           <a:p>
             <a:pPr algn="ctr"/>
             <a:r>
-              <a:rPr lang="ru-RU" dirty="0">
+              <a:rPr lang="ru-RU" sz="5000" dirty="0">
                 <a:latin typeface="Arial" panose="020B0604020202020204" pitchFamily="34" charset="0"/>
                 <a:cs typeface="Arial" panose="020B0604020202020204" pitchFamily="34" charset="0"/>
               </a:rPr>
@@ -5435,9 +8133,9 @@
 </file>
 
 <file path=ppt/theme/theme1.xml><?xml version="1.0" encoding="utf-8"?>
-<a:theme xmlns:a="http://schemas.openxmlformats.org/drawingml/2006/main" name="Тема Office">
+<a:theme xmlns:a="http://schemas.openxmlformats.org/drawingml/2006/main" name="Глубина">
   <a:themeElements>
-    <a:clrScheme name="Стандартная">
+    <a:clrScheme name="Глубина">
       <a:dk1>
         <a:sysClr val="windowText" lastClr="000000"/>
       </a:dk1>
@@ -5445,100 +8143,48 @@
         <a:sysClr val="window" lastClr="FFFFFF"/>
       </a:lt1>
       <a:dk2>
-        <a:srgbClr val="44546A"/>
+        <a:srgbClr val="455F51"/>
       </a:dk2>
       <a:lt2>
-        <a:srgbClr val="E7E6E6"/>
+        <a:srgbClr val="94D7E4"/>
       </a:lt2>
       <a:accent1>
-        <a:srgbClr val="4472C4"/>
+        <a:srgbClr val="41AEBD"/>
       </a:accent1>
       <a:accent2>
-        <a:srgbClr val="ED7D31"/>
+        <a:srgbClr val="97E9D5"/>
       </a:accent2>
       <a:accent3>
-        <a:srgbClr val="A5A5A5"/>
+        <a:srgbClr val="A2CF49"/>
       </a:accent3>
       <a:accent4>
-        <a:srgbClr val="FFC000"/>
+        <a:srgbClr val="608F3D"/>
       </a:accent4>
       <a:accent5>
-        <a:srgbClr val="5B9BD5"/>
+        <a:srgbClr val="F4DE3A"/>
       </a:accent5>
       <a:accent6>
-        <a:srgbClr val="70AD47"/>
+        <a:srgbClr val="FCB11C"/>
       </a:accent6>
       <a:hlink>
-        <a:srgbClr val="0563C1"/>
+        <a:srgbClr val="FBCA98"/>
       </a:hlink>
       <a:folHlink>
-        <a:srgbClr val="954F72"/>
+        <a:srgbClr val="D3B86D"/>
       </a:folHlink>
     </a:clrScheme>
-    <a:fontScheme name="Стандартная">
+    <a:fontScheme name="Глубина">
       <a:majorFont>
-        <a:latin typeface="Calibri Light" panose="020F0302020204030204"/>
+        <a:latin typeface="Corbel" panose="020B0503020204020204"/>
         <a:ea typeface=""/>
         <a:cs typeface=""/>
-        <a:font script="Jpan" typeface="游ゴシック Light"/>
-        <a:font script="Hang" typeface="맑은 고딕"/>
-        <a:font script="Hans" typeface="等线 Light"/>
+        <a:font script="Jpan" typeface="メイリオ"/>
+        <a:font script="Hang" typeface="HY엽서L"/>
+        <a:font script="Hans" typeface="华文楷体"/>
         <a:font script="Hant" typeface="新細明體"/>
-        <a:font script="Arab" typeface="Times New Roman"/>
-        <a:font script="Hebr" typeface="Times New Roman"/>
-        <a:font script="Thai" typeface="Angsana New"/>
-        <a:font script="Ethi" typeface="Nyala"/>
-        <a:font script="Beng" typeface="Vrinda"/>
-        <a:font script="Gujr" typeface="Shruti"/>
-        <a:font script="Khmr" typeface="MoolBoran"/>
-        <a:font script="Knda" typeface="Tunga"/>
-        <a:font script="Guru" typeface="Raavi"/>
-        <a:font script="Cans" typeface="Euphemia"/>
-        <a:font script="Cher" typeface="Plantagenet Cherokee"/>
-        <a:font script="Yiii" typeface="Microsoft Yi Baiti"/>
-        <a:font script="Tibt" typeface="Microsoft Himalaya"/>
-        <a:font script="Thaa" typeface="MV Boli"/>
-        <a:font script="Deva" typeface="Mangal"/>
-        <a:font script="Telu" typeface="Gautami"/>
-        <a:font script="Taml" typeface="Latha"/>
-        <a:font script="Syrc" typeface="Estrangelo Edessa"/>
-        <a:font script="Orya" typeface="Kalinga"/>
-        <a:font script="Mlym" typeface="Kartika"/>
-        <a:font script="Laoo" typeface="DokChampa"/>
-        <a:font script="Sinh" typeface="Iskoola Pota"/>
-        <a:font script="Mong" typeface="Mongolian Baiti"/>
-        <a:font script="Viet" typeface="Times New Roman"/>
-        <a:font script="Uigh" typeface="Microsoft Uighur"/>
-        <a:font script="Geor" typeface="Sylfaen"/>
-        <a:font script="Armn" typeface="Arial"/>
-        <a:font script="Bugi" typeface="Leelawadee UI"/>
-        <a:font script="Bopo" typeface="Microsoft JhengHei"/>
-        <a:font script="Java" typeface="Javanese Text"/>
-        <a:font script="Lisu" typeface="Segoe UI"/>
-        <a:font script="Mymr" typeface="Myanmar Text"/>
-        <a:font script="Nkoo" typeface="Ebrima"/>
-        <a:font script="Olck" typeface="Nirmala UI"/>
-        <a:font script="Osma" typeface="Ebrima"/>
-        <a:font script="Phag" typeface="Phagspa"/>
-        <a:font script="Syrn" typeface="Estrangelo Edessa"/>
-        <a:font script="Syrj" typeface="Estrangelo Edessa"/>
-        <a:font script="Syre" typeface="Estrangelo Edessa"/>
-        <a:font script="Sora" typeface="Nirmala UI"/>
-        <a:font script="Tale" typeface="Microsoft Tai Le"/>
-        <a:font script="Talu" typeface="Microsoft New Tai Lue"/>
-        <a:font script="Tfng" typeface="Ebrima"/>
-      </a:majorFont>
-      <a:minorFont>
-        <a:latin typeface="Calibri" panose="020F0502020204030204"/>
-        <a:ea typeface=""/>
-        <a:cs typeface=""/>
-        <a:font script="Jpan" typeface="游ゴシック"/>
-        <a:font script="Hang" typeface="맑은 고딕"/>
-        <a:font script="Hans" typeface="等线"/>
-        <a:font script="Hant" typeface="新細明體"/>
-        <a:font script="Arab" typeface="Arial"/>
-        <a:font script="Hebr" typeface="Arial"/>
-        <a:font script="Thai" typeface="Cordia New"/>
+        <a:font script="Arab" typeface="Tahoma"/>
+        <a:font script="Hebr" typeface="Miriam"/>
+        <a:font script="Thai" typeface="DilleniaUPC"/>
         <a:font script="Ethi" typeface="Nyala"/>
         <a:font script="Beng" typeface="Vrinda"/>
         <a:font script="Gujr" typeface="Shruti"/>
@@ -5562,26 +8208,44 @@
         <a:font script="Viet" typeface="Arial"/>
         <a:font script="Uigh" typeface="Microsoft Uighur"/>
         <a:font script="Geor" typeface="Sylfaen"/>
-        <a:font script="Armn" typeface="Arial"/>
-        <a:font script="Bugi" typeface="Leelawadee UI"/>
-        <a:font script="Bopo" typeface="Microsoft JhengHei"/>
-        <a:font script="Java" typeface="Javanese Text"/>
-        <a:font script="Lisu" typeface="Segoe UI"/>
-        <a:font script="Mymr" typeface="Myanmar Text"/>
-        <a:font script="Nkoo" typeface="Ebrima"/>
-        <a:font script="Olck" typeface="Nirmala UI"/>
-        <a:font script="Osma" typeface="Ebrima"/>
-        <a:font script="Phag" typeface="Phagspa"/>
-        <a:font script="Syrn" typeface="Estrangelo Edessa"/>
-        <a:font script="Syrj" typeface="Estrangelo Edessa"/>
-        <a:font script="Syre" typeface="Estrangelo Edessa"/>
-        <a:font script="Sora" typeface="Nirmala UI"/>
-        <a:font script="Tale" typeface="Microsoft Tai Le"/>
-        <a:font script="Talu" typeface="Microsoft New Tai Lue"/>
-        <a:font script="Tfng" typeface="Ebrima"/>
+      </a:majorFont>
+      <a:minorFont>
+        <a:latin typeface="Corbel" panose="020B0503020204020204"/>
+        <a:ea typeface=""/>
+        <a:cs typeface=""/>
+        <a:font script="Jpan" typeface="メイリオ"/>
+        <a:font script="Hang" typeface="HY엽서L"/>
+        <a:font script="Hans" typeface="华文楷体"/>
+        <a:font script="Hant" typeface="新細明體"/>
+        <a:font script="Arab" typeface="Tahoma"/>
+        <a:font script="Hebr" typeface="Miriam"/>
+        <a:font script="Thai" typeface="DilleniaUPC"/>
+        <a:font script="Ethi" typeface="Nyala"/>
+        <a:font script="Beng" typeface="Vrinda"/>
+        <a:font script="Gujr" typeface="Shruti"/>
+        <a:font script="Khmr" typeface="DaunPenh"/>
+        <a:font script="Knda" typeface="Tunga"/>
+        <a:font script="Guru" typeface="Raavi"/>
+        <a:font script="Cans" typeface="Euphemia"/>
+        <a:font script="Cher" typeface="Plantagenet Cherokee"/>
+        <a:font script="Yiii" typeface="Microsoft Yi Baiti"/>
+        <a:font script="Tibt" typeface="Microsoft Himalaya"/>
+        <a:font script="Thaa" typeface="MV Boli"/>
+        <a:font script="Deva" typeface="Mangal"/>
+        <a:font script="Telu" typeface="Gautami"/>
+        <a:font script="Taml" typeface="Latha"/>
+        <a:font script="Syrc" typeface="Estrangelo Edessa"/>
+        <a:font script="Orya" typeface="Kalinga"/>
+        <a:font script="Mlym" typeface="Kartika"/>
+        <a:font script="Laoo" typeface="DokChampa"/>
+        <a:font script="Sinh" typeface="Iskoola Pota"/>
+        <a:font script="Mong" typeface="Mongolian Baiti"/>
+        <a:font script="Viet" typeface="Arial"/>
+        <a:font script="Uigh" typeface="Microsoft Uighur"/>
+        <a:font script="Geor" typeface="Sylfaen"/>
       </a:minorFont>
     </a:fontScheme>
-    <a:fmtScheme name="Стандартная">
+    <a:fmtScheme name="Глубина">
       <a:fillStyleLst>
         <a:solidFill>
           <a:schemeClr val="phClr"/>
@@ -5723,7 +8387,7 @@
   <a:extraClrSchemeLst/>
   <a:extLst>
     <a:ext uri="{05A4C25C-085E-4340-85A3-A5531E510DB2}">
-      <thm15:themeFamily xmlns:thm15="http://schemas.microsoft.com/office/thememl/2012/main" name="Office Theme" id="{62F939B6-93AF-4DB8-9C6B-D6C7DFDC589F}" vid="{4A3C46E8-61CC-4603-A589-7422A47A8E4A}"/>
+      <thm15:themeFamily xmlns:thm15="http://schemas.microsoft.com/office/thememl/2012/main" name="Depth" id="{7BEAFC2A-325C-49C4-AC08-2B765DA903F9}" vid="{1735E755-43E6-43AA-ABA2-C989ECC79AF5}"/>
     </a:ext>
   </a:extLst>
 </a:theme>
